--- a/greenplum/datawarehouse/documentation/data-warehouse-QA-summary.pptx
+++ b/greenplum/datawarehouse/documentation/data-warehouse-QA-summary.pptx
@@ -4,19 +4,27 @@
   <p:sldMasterIdLst>
     <p:sldMasterId id="2147483648" r:id="rId1"/>
   </p:sldMasterIdLst>
+  <p:notesMasterIdLst>
+    <p:notesMasterId r:id="rId19"/>
+  </p:notesMasterIdLst>
   <p:sldIdLst>
     <p:sldId id="256" r:id="rId2"/>
     <p:sldId id="257" r:id="rId3"/>
-    <p:sldId id="259" r:id="rId4"/>
-    <p:sldId id="258" r:id="rId5"/>
-    <p:sldId id="260" r:id="rId6"/>
-    <p:sldId id="261" r:id="rId7"/>
-    <p:sldId id="262" r:id="rId8"/>
-    <p:sldId id="263" r:id="rId9"/>
-    <p:sldId id="264" r:id="rId10"/>
-    <p:sldId id="265" r:id="rId11"/>
+    <p:sldId id="272" r:id="rId4"/>
+    <p:sldId id="273" r:id="rId5"/>
+    <p:sldId id="259" r:id="rId6"/>
+    <p:sldId id="258" r:id="rId7"/>
+    <p:sldId id="260" r:id="rId8"/>
+    <p:sldId id="261" r:id="rId9"/>
+    <p:sldId id="274" r:id="rId10"/>
+    <p:sldId id="262" r:id="rId11"/>
     <p:sldId id="266" r:id="rId12"/>
-    <p:sldId id="267" r:id="rId13"/>
+    <p:sldId id="264" r:id="rId13"/>
+    <p:sldId id="268" r:id="rId14"/>
+    <p:sldId id="270" r:id="rId15"/>
+    <p:sldId id="271" r:id="rId16"/>
+    <p:sldId id="269" r:id="rId17"/>
+    <p:sldId id="275" r:id="rId18"/>
   </p:sldIdLst>
   <p:sldSz cx="12192000" cy="6858000"/>
   <p:notesSz cx="6858000" cy="9144000"/>
@@ -115,7 +123,1497 @@
       </a:defRPr>
     </a:lvl9pPr>
   </p:defaultTextStyle>
+  <p:extLst>
+    <p:ext uri="{EFAFB233-063F-42B5-8137-9DF3F51BA10A}">
+      <p15:sldGuideLst xmlns:p15="http://schemas.microsoft.com/office/powerpoint/2012/main"/>
+    </p:ext>
+  </p:extLst>
 </p:presentation>
+</file>
+
+<file path=ppt/notesMasters/notesMaster1.xml><?xml version="1.0" encoding="utf-8"?>
+<p:notesMaster xmlns:a="http://schemas.openxmlformats.org/drawingml/2006/main" xmlns:r="http://schemas.openxmlformats.org/officeDocument/2006/relationships" xmlns:p="http://schemas.openxmlformats.org/presentationml/2006/main">
+  <p:cSld>
+    <p:bg>
+      <p:bgRef idx="1001">
+        <a:schemeClr val="bg1"/>
+      </p:bgRef>
+    </p:bg>
+    <p:spTree>
+      <p:nvGrpSpPr>
+        <p:cNvPr id="1" name=""/>
+        <p:cNvGrpSpPr/>
+        <p:nvPr/>
+      </p:nvGrpSpPr>
+      <p:grpSpPr>
+        <a:xfrm>
+          <a:off x="0" y="0"/>
+          <a:ext cx="0" cy="0"/>
+          <a:chOff x="0" y="0"/>
+          <a:chExt cx="0" cy="0"/>
+        </a:xfrm>
+      </p:grpSpPr>
+      <p:sp>
+        <p:nvSpPr>
+          <p:cNvPr id="2" name="Header Placeholder 1"/>
+          <p:cNvSpPr>
+            <a:spLocks noGrp="1"/>
+          </p:cNvSpPr>
+          <p:nvPr>
+            <p:ph type="hdr" sz="quarter"/>
+          </p:nvPr>
+        </p:nvSpPr>
+        <p:spPr>
+          <a:xfrm>
+            <a:off x="0" y="0"/>
+            <a:ext cx="2971800" cy="458788"/>
+          </a:xfrm>
+          <a:prstGeom prst="rect">
+            <a:avLst/>
+          </a:prstGeom>
+        </p:spPr>
+        <p:txBody>
+          <a:bodyPr vert="horz" lIns="91440" tIns="45720" rIns="91440" bIns="45720" rtlCol="0"/>
+          <a:lstStyle>
+            <a:lvl1pPr algn="l">
+              <a:defRPr sz="1200"/>
+            </a:lvl1pPr>
+          </a:lstStyle>
+          <a:p>
+            <a:endParaRPr lang="en-US"/>
+          </a:p>
+        </p:txBody>
+      </p:sp>
+      <p:sp>
+        <p:nvSpPr>
+          <p:cNvPr id="3" name="Date Placeholder 2"/>
+          <p:cNvSpPr>
+            <a:spLocks noGrp="1"/>
+          </p:cNvSpPr>
+          <p:nvPr>
+            <p:ph type="dt" idx="1"/>
+          </p:nvPr>
+        </p:nvSpPr>
+        <p:spPr>
+          <a:xfrm>
+            <a:off x="3884613" y="0"/>
+            <a:ext cx="2971800" cy="458788"/>
+          </a:xfrm>
+          <a:prstGeom prst="rect">
+            <a:avLst/>
+          </a:prstGeom>
+        </p:spPr>
+        <p:txBody>
+          <a:bodyPr vert="horz" lIns="91440" tIns="45720" rIns="91440" bIns="45720" rtlCol="0"/>
+          <a:lstStyle>
+            <a:lvl1pPr algn="r">
+              <a:defRPr sz="1200"/>
+            </a:lvl1pPr>
+          </a:lstStyle>
+          <a:p>
+            <a:fld id="{924B5889-086C-4A79-99D7-601ED5192205}" type="datetimeFigureOut">
+              <a:rPr lang="en-US" smtClean="0"/>
+              <a:t>3/10/2023</a:t>
+            </a:fld>
+            <a:endParaRPr lang="en-US"/>
+          </a:p>
+        </p:txBody>
+      </p:sp>
+      <p:sp>
+        <p:nvSpPr>
+          <p:cNvPr id="4" name="Slide Image Placeholder 3"/>
+          <p:cNvSpPr>
+            <a:spLocks noGrp="1" noRot="1" noChangeAspect="1"/>
+          </p:cNvSpPr>
+          <p:nvPr>
+            <p:ph type="sldImg" idx="2"/>
+          </p:nvPr>
+        </p:nvSpPr>
+        <p:spPr>
+          <a:xfrm>
+            <a:off x="685800" y="1143000"/>
+            <a:ext cx="5486400" cy="3086100"/>
+          </a:xfrm>
+          <a:prstGeom prst="rect">
+            <a:avLst/>
+          </a:prstGeom>
+          <a:noFill/>
+          <a:ln w="12700">
+            <a:solidFill>
+              <a:prstClr val="black"/>
+            </a:solidFill>
+          </a:ln>
+        </p:spPr>
+        <p:txBody>
+          <a:bodyPr vert="horz" lIns="91440" tIns="45720" rIns="91440" bIns="45720" rtlCol="0" anchor="ctr"/>
+          <a:lstStyle/>
+          <a:p>
+            <a:endParaRPr lang="en-US"/>
+          </a:p>
+        </p:txBody>
+      </p:sp>
+      <p:sp>
+        <p:nvSpPr>
+          <p:cNvPr id="5" name="Notes Placeholder 4"/>
+          <p:cNvSpPr>
+            <a:spLocks noGrp="1"/>
+          </p:cNvSpPr>
+          <p:nvPr>
+            <p:ph type="body" sz="quarter" idx="3"/>
+          </p:nvPr>
+        </p:nvSpPr>
+        <p:spPr>
+          <a:xfrm>
+            <a:off x="685800" y="4400550"/>
+            <a:ext cx="5486400" cy="3600450"/>
+          </a:xfrm>
+          <a:prstGeom prst="rect">
+            <a:avLst/>
+          </a:prstGeom>
+        </p:spPr>
+        <p:txBody>
+          <a:bodyPr vert="horz" lIns="91440" tIns="45720" rIns="91440" bIns="45720" rtlCol="0"/>
+          <a:lstStyle/>
+          <a:p>
+            <a:pPr lvl="0"/>
+            <a:r>
+              <a:rPr lang="en-US"/>
+              <a:t>Click to edit Master text styles</a:t>
+            </a:r>
+          </a:p>
+          <a:p>
+            <a:pPr lvl="1"/>
+            <a:r>
+              <a:rPr lang="en-US"/>
+              <a:t>Second level</a:t>
+            </a:r>
+          </a:p>
+          <a:p>
+            <a:pPr lvl="2"/>
+            <a:r>
+              <a:rPr lang="en-US"/>
+              <a:t>Third level</a:t>
+            </a:r>
+          </a:p>
+          <a:p>
+            <a:pPr lvl="3"/>
+            <a:r>
+              <a:rPr lang="en-US"/>
+              <a:t>Fourth level</a:t>
+            </a:r>
+          </a:p>
+          <a:p>
+            <a:pPr lvl="4"/>
+            <a:r>
+              <a:rPr lang="en-US"/>
+              <a:t>Fifth level</a:t>
+            </a:r>
+          </a:p>
+        </p:txBody>
+      </p:sp>
+      <p:sp>
+        <p:nvSpPr>
+          <p:cNvPr id="6" name="Footer Placeholder 5"/>
+          <p:cNvSpPr>
+            <a:spLocks noGrp="1"/>
+          </p:cNvSpPr>
+          <p:nvPr>
+            <p:ph type="ftr" sz="quarter" idx="4"/>
+          </p:nvPr>
+        </p:nvSpPr>
+        <p:spPr>
+          <a:xfrm>
+            <a:off x="0" y="8685213"/>
+            <a:ext cx="2971800" cy="458787"/>
+          </a:xfrm>
+          <a:prstGeom prst="rect">
+            <a:avLst/>
+          </a:prstGeom>
+        </p:spPr>
+        <p:txBody>
+          <a:bodyPr vert="horz" lIns="91440" tIns="45720" rIns="91440" bIns="45720" rtlCol="0" anchor="b"/>
+          <a:lstStyle>
+            <a:lvl1pPr algn="l">
+              <a:defRPr sz="1200"/>
+            </a:lvl1pPr>
+          </a:lstStyle>
+          <a:p>
+            <a:endParaRPr lang="en-US"/>
+          </a:p>
+        </p:txBody>
+      </p:sp>
+      <p:sp>
+        <p:nvSpPr>
+          <p:cNvPr id="7" name="Slide Number Placeholder 6"/>
+          <p:cNvSpPr>
+            <a:spLocks noGrp="1"/>
+          </p:cNvSpPr>
+          <p:nvPr>
+            <p:ph type="sldNum" sz="quarter" idx="5"/>
+          </p:nvPr>
+        </p:nvSpPr>
+        <p:spPr>
+          <a:xfrm>
+            <a:off x="3884613" y="8685213"/>
+            <a:ext cx="2971800" cy="458787"/>
+          </a:xfrm>
+          <a:prstGeom prst="rect">
+            <a:avLst/>
+          </a:prstGeom>
+        </p:spPr>
+        <p:txBody>
+          <a:bodyPr vert="horz" lIns="91440" tIns="45720" rIns="91440" bIns="45720" rtlCol="0" anchor="b"/>
+          <a:lstStyle>
+            <a:lvl1pPr algn="r">
+              <a:defRPr sz="1200"/>
+            </a:lvl1pPr>
+          </a:lstStyle>
+          <a:p>
+            <a:fld id="{D403D898-9099-4767-BD66-24D31BD5730B}" type="slidenum">
+              <a:rPr lang="en-US" smtClean="0"/>
+              <a:t>‹#›</a:t>
+            </a:fld>
+            <a:endParaRPr lang="en-US"/>
+          </a:p>
+        </p:txBody>
+      </p:sp>
+    </p:spTree>
+    <p:extLst>
+      <p:ext uri="{BB962C8B-B14F-4D97-AF65-F5344CB8AC3E}">
+        <p14:creationId xmlns:p14="http://schemas.microsoft.com/office/powerpoint/2010/main" val="1804559164"/>
+      </p:ext>
+    </p:extLst>
+  </p:cSld>
+  <p:clrMap bg1="lt1" tx1="dk1" bg2="lt2" tx2="dk2" accent1="accent1" accent2="accent2" accent3="accent3" accent4="accent4" accent5="accent5" accent6="accent6" hlink="hlink" folHlink="folHlink"/>
+  <p:notesStyle>
+    <a:lvl1pPr marL="0" algn="l" defTabSz="914400" rtl="0" eaLnBrk="1" latinLnBrk="0" hangingPunct="1">
+      <a:defRPr sz="1200" kern="1200">
+        <a:solidFill>
+          <a:schemeClr val="tx1"/>
+        </a:solidFill>
+        <a:latin typeface="+mn-lt"/>
+        <a:ea typeface="+mn-ea"/>
+        <a:cs typeface="+mn-cs"/>
+      </a:defRPr>
+    </a:lvl1pPr>
+    <a:lvl2pPr marL="457200" algn="l" defTabSz="914400" rtl="0" eaLnBrk="1" latinLnBrk="0" hangingPunct="1">
+      <a:defRPr sz="1200" kern="1200">
+        <a:solidFill>
+          <a:schemeClr val="tx1"/>
+        </a:solidFill>
+        <a:latin typeface="+mn-lt"/>
+        <a:ea typeface="+mn-ea"/>
+        <a:cs typeface="+mn-cs"/>
+      </a:defRPr>
+    </a:lvl2pPr>
+    <a:lvl3pPr marL="914400" algn="l" defTabSz="914400" rtl="0" eaLnBrk="1" latinLnBrk="0" hangingPunct="1">
+      <a:defRPr sz="1200" kern="1200">
+        <a:solidFill>
+          <a:schemeClr val="tx1"/>
+        </a:solidFill>
+        <a:latin typeface="+mn-lt"/>
+        <a:ea typeface="+mn-ea"/>
+        <a:cs typeface="+mn-cs"/>
+      </a:defRPr>
+    </a:lvl3pPr>
+    <a:lvl4pPr marL="1371600" algn="l" defTabSz="914400" rtl="0" eaLnBrk="1" latinLnBrk="0" hangingPunct="1">
+      <a:defRPr sz="1200" kern="1200">
+        <a:solidFill>
+          <a:schemeClr val="tx1"/>
+        </a:solidFill>
+        <a:latin typeface="+mn-lt"/>
+        <a:ea typeface="+mn-ea"/>
+        <a:cs typeface="+mn-cs"/>
+      </a:defRPr>
+    </a:lvl4pPr>
+    <a:lvl5pPr marL="1828800" algn="l" defTabSz="914400" rtl="0" eaLnBrk="1" latinLnBrk="0" hangingPunct="1">
+      <a:defRPr sz="1200" kern="1200">
+        <a:solidFill>
+          <a:schemeClr val="tx1"/>
+        </a:solidFill>
+        <a:latin typeface="+mn-lt"/>
+        <a:ea typeface="+mn-ea"/>
+        <a:cs typeface="+mn-cs"/>
+      </a:defRPr>
+    </a:lvl5pPr>
+    <a:lvl6pPr marL="2286000" algn="l" defTabSz="914400" rtl="0" eaLnBrk="1" latinLnBrk="0" hangingPunct="1">
+      <a:defRPr sz="1200" kern="1200">
+        <a:solidFill>
+          <a:schemeClr val="tx1"/>
+        </a:solidFill>
+        <a:latin typeface="+mn-lt"/>
+        <a:ea typeface="+mn-ea"/>
+        <a:cs typeface="+mn-cs"/>
+      </a:defRPr>
+    </a:lvl6pPr>
+    <a:lvl7pPr marL="2743200" algn="l" defTabSz="914400" rtl="0" eaLnBrk="1" latinLnBrk="0" hangingPunct="1">
+      <a:defRPr sz="1200" kern="1200">
+        <a:solidFill>
+          <a:schemeClr val="tx1"/>
+        </a:solidFill>
+        <a:latin typeface="+mn-lt"/>
+        <a:ea typeface="+mn-ea"/>
+        <a:cs typeface="+mn-cs"/>
+      </a:defRPr>
+    </a:lvl7pPr>
+    <a:lvl8pPr marL="3200400" algn="l" defTabSz="914400" rtl="0" eaLnBrk="1" latinLnBrk="0" hangingPunct="1">
+      <a:defRPr sz="1200" kern="1200">
+        <a:solidFill>
+          <a:schemeClr val="tx1"/>
+        </a:solidFill>
+        <a:latin typeface="+mn-lt"/>
+        <a:ea typeface="+mn-ea"/>
+        <a:cs typeface="+mn-cs"/>
+      </a:defRPr>
+    </a:lvl8pPr>
+    <a:lvl9pPr marL="3657600" algn="l" defTabSz="914400" rtl="0" eaLnBrk="1" latinLnBrk="0" hangingPunct="1">
+      <a:defRPr sz="1200" kern="1200">
+        <a:solidFill>
+          <a:schemeClr val="tx1"/>
+        </a:solidFill>
+        <a:latin typeface="+mn-lt"/>
+        <a:ea typeface="+mn-ea"/>
+        <a:cs typeface="+mn-cs"/>
+      </a:defRPr>
+    </a:lvl9pPr>
+  </p:notesStyle>
+</p:notesMaster>
+</file>
+
+<file path=ppt/notesSlides/notesSlide1.xml><?xml version="1.0" encoding="utf-8"?>
+<p:notes xmlns:a="http://schemas.openxmlformats.org/drawingml/2006/main" xmlns:r="http://schemas.openxmlformats.org/officeDocument/2006/relationships" xmlns:p="http://schemas.openxmlformats.org/presentationml/2006/main">
+  <p:cSld>
+    <p:spTree>
+      <p:nvGrpSpPr>
+        <p:cNvPr id="1" name=""/>
+        <p:cNvGrpSpPr/>
+        <p:nvPr/>
+      </p:nvGrpSpPr>
+      <p:grpSpPr>
+        <a:xfrm>
+          <a:off x="0" y="0"/>
+          <a:ext cx="0" cy="0"/>
+          <a:chOff x="0" y="0"/>
+          <a:chExt cx="0" cy="0"/>
+        </a:xfrm>
+      </p:grpSpPr>
+      <p:sp>
+        <p:nvSpPr>
+          <p:cNvPr id="2" name="Slide Image Placeholder 1"/>
+          <p:cNvSpPr>
+            <a:spLocks noGrp="1" noRot="1" noChangeAspect="1"/>
+          </p:cNvSpPr>
+          <p:nvPr>
+            <p:ph type="sldImg"/>
+          </p:nvPr>
+        </p:nvSpPr>
+        <p:spPr/>
+      </p:sp>
+      <p:sp>
+        <p:nvSpPr>
+          <p:cNvPr id="3" name="Notes Placeholder 2"/>
+          <p:cNvSpPr>
+            <a:spLocks noGrp="1"/>
+          </p:cNvSpPr>
+          <p:nvPr>
+            <p:ph type="body" idx="1"/>
+          </p:nvPr>
+        </p:nvSpPr>
+        <p:spPr/>
+        <p:txBody>
+          <a:bodyPr/>
+          <a:lstStyle/>
+          <a:p>
+            <a:r>
+              <a:rPr lang="en-US" dirty="0"/>
+              <a:t>Hello! Today I will be briefly summarizing the QA process that we used for the data warehouse</a:t>
+            </a:r>
+          </a:p>
+        </p:txBody>
+      </p:sp>
+      <p:sp>
+        <p:nvSpPr>
+          <p:cNvPr id="4" name="Slide Number Placeholder 3"/>
+          <p:cNvSpPr>
+            <a:spLocks noGrp="1"/>
+          </p:cNvSpPr>
+          <p:nvPr>
+            <p:ph type="sldNum" sz="quarter" idx="5"/>
+          </p:nvPr>
+        </p:nvSpPr>
+        <p:spPr/>
+        <p:txBody>
+          <a:bodyPr/>
+          <a:lstStyle/>
+          <a:p>
+            <a:fld id="{D403D898-9099-4767-BD66-24D31BD5730B}" type="slidenum">
+              <a:rPr lang="en-US" smtClean="0"/>
+              <a:t>1</a:t>
+            </a:fld>
+            <a:endParaRPr lang="en-US"/>
+          </a:p>
+        </p:txBody>
+      </p:sp>
+    </p:spTree>
+    <p:extLst>
+      <p:ext uri="{BB962C8B-B14F-4D97-AF65-F5344CB8AC3E}">
+        <p14:creationId xmlns:p14="http://schemas.microsoft.com/office/powerpoint/2010/main" val="1814929859"/>
+      </p:ext>
+    </p:extLst>
+  </p:cSld>
+  <p:clrMapOvr>
+    <a:masterClrMapping/>
+  </p:clrMapOvr>
+</p:notes>
+</file>
+
+<file path=ppt/notesSlides/notesSlide10.xml><?xml version="1.0" encoding="utf-8"?>
+<p:notes xmlns:a="http://schemas.openxmlformats.org/drawingml/2006/main" xmlns:r="http://schemas.openxmlformats.org/officeDocument/2006/relationships" xmlns:p="http://schemas.openxmlformats.org/presentationml/2006/main">
+  <p:cSld>
+    <p:spTree>
+      <p:nvGrpSpPr>
+        <p:cNvPr id="1" name=""/>
+        <p:cNvGrpSpPr/>
+        <p:nvPr/>
+      </p:nvGrpSpPr>
+      <p:grpSpPr>
+        <a:xfrm>
+          <a:off x="0" y="0"/>
+          <a:ext cx="0" cy="0"/>
+          <a:chOff x="0" y="0"/>
+          <a:chExt cx="0" cy="0"/>
+        </a:xfrm>
+      </p:grpSpPr>
+      <p:sp>
+        <p:nvSpPr>
+          <p:cNvPr id="2" name="Slide Image Placeholder 1"/>
+          <p:cNvSpPr>
+            <a:spLocks noGrp="1" noRot="1" noChangeAspect="1"/>
+          </p:cNvSpPr>
+          <p:nvPr>
+            <p:ph type="sldImg"/>
+          </p:nvPr>
+        </p:nvSpPr>
+        <p:spPr/>
+      </p:sp>
+      <p:sp>
+        <p:nvSpPr>
+          <p:cNvPr id="3" name="Notes Placeholder 2"/>
+          <p:cNvSpPr>
+            <a:spLocks noGrp="1"/>
+          </p:cNvSpPr>
+          <p:nvPr>
+            <p:ph type="body" idx="1"/>
+          </p:nvPr>
+        </p:nvSpPr>
+        <p:spPr/>
+        <p:txBody>
+          <a:bodyPr/>
+          <a:lstStyle/>
+          <a:p>
+            <a:r>
+              <a:rPr lang="en-US" dirty="0"/>
+              <a:t>So…. LESSONS LEARNED. These are the 4 primary lessons that I’ve taken away from this process.</a:t>
+            </a:r>
+          </a:p>
+        </p:txBody>
+      </p:sp>
+      <p:sp>
+        <p:nvSpPr>
+          <p:cNvPr id="4" name="Slide Number Placeholder 3"/>
+          <p:cNvSpPr>
+            <a:spLocks noGrp="1"/>
+          </p:cNvSpPr>
+          <p:nvPr>
+            <p:ph type="sldNum" sz="quarter" idx="5"/>
+          </p:nvPr>
+        </p:nvSpPr>
+        <p:spPr/>
+        <p:txBody>
+          <a:bodyPr/>
+          <a:lstStyle/>
+          <a:p>
+            <a:fld id="{D403D898-9099-4767-BD66-24D31BD5730B}" type="slidenum">
+              <a:rPr lang="en-US" smtClean="0"/>
+              <a:t>10</a:t>
+            </a:fld>
+            <a:endParaRPr lang="en-US"/>
+          </a:p>
+        </p:txBody>
+      </p:sp>
+    </p:spTree>
+    <p:extLst>
+      <p:ext uri="{BB962C8B-B14F-4D97-AF65-F5344CB8AC3E}">
+        <p14:creationId xmlns:p14="http://schemas.microsoft.com/office/powerpoint/2010/main" val="745761626"/>
+      </p:ext>
+    </p:extLst>
+  </p:cSld>
+  <p:clrMapOvr>
+    <a:masterClrMapping/>
+  </p:clrMapOvr>
+</p:notes>
+</file>
+
+<file path=ppt/notesSlides/notesSlide11.xml><?xml version="1.0" encoding="utf-8"?>
+<p:notes xmlns:a="http://schemas.openxmlformats.org/drawingml/2006/main" xmlns:r="http://schemas.openxmlformats.org/officeDocument/2006/relationships" xmlns:p="http://schemas.openxmlformats.org/presentationml/2006/main">
+  <p:cSld>
+    <p:spTree>
+      <p:nvGrpSpPr>
+        <p:cNvPr id="1" name=""/>
+        <p:cNvGrpSpPr/>
+        <p:nvPr/>
+      </p:nvGrpSpPr>
+      <p:grpSpPr>
+        <a:xfrm>
+          <a:off x="0" y="0"/>
+          <a:ext cx="0" cy="0"/>
+          <a:chOff x="0" y="0"/>
+          <a:chExt cx="0" cy="0"/>
+        </a:xfrm>
+      </p:grpSpPr>
+      <p:sp>
+        <p:nvSpPr>
+          <p:cNvPr id="2" name="Slide Image Placeholder 1"/>
+          <p:cNvSpPr>
+            <a:spLocks noGrp="1" noRot="1" noChangeAspect="1"/>
+          </p:cNvSpPr>
+          <p:nvPr>
+            <p:ph type="sldImg"/>
+          </p:nvPr>
+        </p:nvSpPr>
+        <p:spPr/>
+      </p:sp>
+      <p:sp>
+        <p:nvSpPr>
+          <p:cNvPr id="3" name="Notes Placeholder 2"/>
+          <p:cNvSpPr>
+            <a:spLocks noGrp="1"/>
+          </p:cNvSpPr>
+          <p:nvPr>
+            <p:ph type="body" idx="1"/>
+          </p:nvPr>
+        </p:nvSpPr>
+        <p:spPr/>
+        <p:txBody>
+          <a:bodyPr/>
+          <a:lstStyle/>
+          <a:p>
+            <a:r>
+              <a:rPr lang="en-US" dirty="0"/>
+              <a:t>ONE: DOCUMENT EVERYTHING. If you didn’t document it, you didn’t do it. Creating documentation is extremely time-intensive up front, but the larger and more complex the project, the more time it saves.</a:t>
+            </a:r>
+          </a:p>
+        </p:txBody>
+      </p:sp>
+      <p:sp>
+        <p:nvSpPr>
+          <p:cNvPr id="4" name="Slide Number Placeholder 3"/>
+          <p:cNvSpPr>
+            <a:spLocks noGrp="1"/>
+          </p:cNvSpPr>
+          <p:nvPr>
+            <p:ph type="sldNum" sz="quarter" idx="5"/>
+          </p:nvPr>
+        </p:nvSpPr>
+        <p:spPr/>
+        <p:txBody>
+          <a:bodyPr/>
+          <a:lstStyle/>
+          <a:p>
+            <a:fld id="{D403D898-9099-4767-BD66-24D31BD5730B}" type="slidenum">
+              <a:rPr lang="en-US" smtClean="0"/>
+              <a:t>11</a:t>
+            </a:fld>
+            <a:endParaRPr lang="en-US"/>
+          </a:p>
+        </p:txBody>
+      </p:sp>
+    </p:spTree>
+    <p:extLst>
+      <p:ext uri="{BB962C8B-B14F-4D97-AF65-F5344CB8AC3E}">
+        <p14:creationId xmlns:p14="http://schemas.microsoft.com/office/powerpoint/2010/main" val="497811338"/>
+      </p:ext>
+    </p:extLst>
+  </p:cSld>
+  <p:clrMapOvr>
+    <a:masterClrMapping/>
+  </p:clrMapOvr>
+</p:notes>
+</file>
+
+<file path=ppt/notesSlides/notesSlide12.xml><?xml version="1.0" encoding="utf-8"?>
+<p:notes xmlns:a="http://schemas.openxmlformats.org/drawingml/2006/main" xmlns:r="http://schemas.openxmlformats.org/officeDocument/2006/relationships" xmlns:p="http://schemas.openxmlformats.org/presentationml/2006/main">
+  <p:cSld>
+    <p:spTree>
+      <p:nvGrpSpPr>
+        <p:cNvPr id="1" name=""/>
+        <p:cNvGrpSpPr/>
+        <p:nvPr/>
+      </p:nvGrpSpPr>
+      <p:grpSpPr>
+        <a:xfrm>
+          <a:off x="0" y="0"/>
+          <a:ext cx="0" cy="0"/>
+          <a:chOff x="0" y="0"/>
+          <a:chExt cx="0" cy="0"/>
+        </a:xfrm>
+      </p:grpSpPr>
+      <p:sp>
+        <p:nvSpPr>
+          <p:cNvPr id="2" name="Slide Image Placeholder 1"/>
+          <p:cNvSpPr>
+            <a:spLocks noGrp="1" noRot="1" noChangeAspect="1"/>
+          </p:cNvSpPr>
+          <p:nvPr>
+            <p:ph type="sldImg"/>
+          </p:nvPr>
+        </p:nvSpPr>
+        <p:spPr/>
+      </p:sp>
+      <p:sp>
+        <p:nvSpPr>
+          <p:cNvPr id="3" name="Notes Placeholder 2"/>
+          <p:cNvSpPr>
+            <a:spLocks noGrp="1"/>
+          </p:cNvSpPr>
+          <p:nvPr>
+            <p:ph type="body" idx="1"/>
+          </p:nvPr>
+        </p:nvSpPr>
+        <p:spPr/>
+        <p:txBody>
+          <a:bodyPr/>
+          <a:lstStyle/>
+          <a:p>
+            <a:r>
+              <a:rPr lang="en-US" dirty="0"/>
+              <a:t>You need at least two people.</a:t>
+            </a:r>
+          </a:p>
+        </p:txBody>
+      </p:sp>
+      <p:sp>
+        <p:nvSpPr>
+          <p:cNvPr id="4" name="Slide Number Placeholder 3"/>
+          <p:cNvSpPr>
+            <a:spLocks noGrp="1"/>
+          </p:cNvSpPr>
+          <p:nvPr>
+            <p:ph type="sldNum" sz="quarter" idx="5"/>
+          </p:nvPr>
+        </p:nvSpPr>
+        <p:spPr/>
+        <p:txBody>
+          <a:bodyPr/>
+          <a:lstStyle/>
+          <a:p>
+            <a:fld id="{D403D898-9099-4767-BD66-24D31BD5730B}" type="slidenum">
+              <a:rPr lang="en-US" smtClean="0"/>
+              <a:t>12</a:t>
+            </a:fld>
+            <a:endParaRPr lang="en-US"/>
+          </a:p>
+        </p:txBody>
+      </p:sp>
+    </p:spTree>
+    <p:extLst>
+      <p:ext uri="{BB962C8B-B14F-4D97-AF65-F5344CB8AC3E}">
+        <p14:creationId xmlns:p14="http://schemas.microsoft.com/office/powerpoint/2010/main" val="3816541244"/>
+      </p:ext>
+    </p:extLst>
+  </p:cSld>
+  <p:clrMapOvr>
+    <a:masterClrMapping/>
+  </p:clrMapOvr>
+</p:notes>
+</file>
+
+<file path=ppt/notesSlides/notesSlide13.xml><?xml version="1.0" encoding="utf-8"?>
+<p:notes xmlns:a="http://schemas.openxmlformats.org/drawingml/2006/main" xmlns:r="http://schemas.openxmlformats.org/officeDocument/2006/relationships" xmlns:p="http://schemas.openxmlformats.org/presentationml/2006/main">
+  <p:cSld>
+    <p:spTree>
+      <p:nvGrpSpPr>
+        <p:cNvPr id="1" name=""/>
+        <p:cNvGrpSpPr/>
+        <p:nvPr/>
+      </p:nvGrpSpPr>
+      <p:grpSpPr>
+        <a:xfrm>
+          <a:off x="0" y="0"/>
+          <a:ext cx="0" cy="0"/>
+          <a:chOff x="0" y="0"/>
+          <a:chExt cx="0" cy="0"/>
+        </a:xfrm>
+      </p:grpSpPr>
+      <p:sp>
+        <p:nvSpPr>
+          <p:cNvPr id="2" name="Slide Image Placeholder 1"/>
+          <p:cNvSpPr>
+            <a:spLocks noGrp="1" noRot="1" noChangeAspect="1"/>
+          </p:cNvSpPr>
+          <p:nvPr>
+            <p:ph type="sldImg"/>
+          </p:nvPr>
+        </p:nvSpPr>
+        <p:spPr/>
+      </p:sp>
+      <p:sp>
+        <p:nvSpPr>
+          <p:cNvPr id="3" name="Notes Placeholder 2"/>
+          <p:cNvSpPr>
+            <a:spLocks noGrp="1"/>
+          </p:cNvSpPr>
+          <p:nvPr>
+            <p:ph type="body" idx="1"/>
+          </p:nvPr>
+        </p:nvSpPr>
+        <p:spPr/>
+        <p:txBody>
+          <a:bodyPr/>
+          <a:lstStyle/>
+          <a:p>
+            <a:endParaRPr lang="en-US" dirty="0"/>
+          </a:p>
+        </p:txBody>
+      </p:sp>
+      <p:sp>
+        <p:nvSpPr>
+          <p:cNvPr id="4" name="Slide Number Placeholder 3"/>
+          <p:cNvSpPr>
+            <a:spLocks noGrp="1"/>
+          </p:cNvSpPr>
+          <p:nvPr>
+            <p:ph type="sldNum" sz="quarter" idx="5"/>
+          </p:nvPr>
+        </p:nvSpPr>
+        <p:spPr/>
+        <p:txBody>
+          <a:bodyPr/>
+          <a:lstStyle/>
+          <a:p>
+            <a:fld id="{D403D898-9099-4767-BD66-24D31BD5730B}" type="slidenum">
+              <a:rPr lang="en-US" smtClean="0"/>
+              <a:t>15</a:t>
+            </a:fld>
+            <a:endParaRPr lang="en-US"/>
+          </a:p>
+        </p:txBody>
+      </p:sp>
+    </p:spTree>
+    <p:extLst>
+      <p:ext uri="{BB962C8B-B14F-4D97-AF65-F5344CB8AC3E}">
+        <p14:creationId xmlns:p14="http://schemas.microsoft.com/office/powerpoint/2010/main" val="3563027738"/>
+      </p:ext>
+    </p:extLst>
+  </p:cSld>
+  <p:clrMapOvr>
+    <a:masterClrMapping/>
+  </p:clrMapOvr>
+</p:notes>
+</file>
+
+<file path=ppt/notesSlides/notesSlide2.xml><?xml version="1.0" encoding="utf-8"?>
+<p:notes xmlns:a="http://schemas.openxmlformats.org/drawingml/2006/main" xmlns:r="http://schemas.openxmlformats.org/officeDocument/2006/relationships" xmlns:p="http://schemas.openxmlformats.org/presentationml/2006/main">
+  <p:cSld>
+    <p:spTree>
+      <p:nvGrpSpPr>
+        <p:cNvPr id="1" name=""/>
+        <p:cNvGrpSpPr/>
+        <p:nvPr/>
+      </p:nvGrpSpPr>
+      <p:grpSpPr>
+        <a:xfrm>
+          <a:off x="0" y="0"/>
+          <a:ext cx="0" cy="0"/>
+          <a:chOff x="0" y="0"/>
+          <a:chExt cx="0" cy="0"/>
+        </a:xfrm>
+      </p:grpSpPr>
+      <p:sp>
+        <p:nvSpPr>
+          <p:cNvPr id="2" name="Slide Image Placeholder 1"/>
+          <p:cNvSpPr>
+            <a:spLocks noGrp="1" noRot="1" noChangeAspect="1"/>
+          </p:cNvSpPr>
+          <p:nvPr>
+            <p:ph type="sldImg"/>
+          </p:nvPr>
+        </p:nvSpPr>
+        <p:spPr/>
+      </p:sp>
+      <p:sp>
+        <p:nvSpPr>
+          <p:cNvPr id="3" name="Notes Placeholder 2"/>
+          <p:cNvSpPr>
+            <a:spLocks noGrp="1"/>
+          </p:cNvSpPr>
+          <p:nvPr>
+            <p:ph type="body" idx="1"/>
+          </p:nvPr>
+        </p:nvSpPr>
+        <p:spPr/>
+        <p:txBody>
+          <a:bodyPr/>
+          <a:lstStyle/>
+          <a:p>
+            <a:r>
+              <a:rPr lang="en-US" dirty="0"/>
+              <a:t>I’ll go over the methods used, lessons learned, and then stop for discussion</a:t>
+            </a:r>
+          </a:p>
+        </p:txBody>
+      </p:sp>
+      <p:sp>
+        <p:nvSpPr>
+          <p:cNvPr id="4" name="Slide Number Placeholder 3"/>
+          <p:cNvSpPr>
+            <a:spLocks noGrp="1"/>
+          </p:cNvSpPr>
+          <p:nvPr>
+            <p:ph type="sldNum" sz="quarter" idx="5"/>
+          </p:nvPr>
+        </p:nvSpPr>
+        <p:spPr/>
+        <p:txBody>
+          <a:bodyPr/>
+          <a:lstStyle/>
+          <a:p>
+            <a:fld id="{D403D898-9099-4767-BD66-24D31BD5730B}" type="slidenum">
+              <a:rPr lang="en-US" smtClean="0"/>
+              <a:t>2</a:t>
+            </a:fld>
+            <a:endParaRPr lang="en-US"/>
+          </a:p>
+        </p:txBody>
+      </p:sp>
+    </p:spTree>
+    <p:extLst>
+      <p:ext uri="{BB962C8B-B14F-4D97-AF65-F5344CB8AC3E}">
+        <p14:creationId xmlns:p14="http://schemas.microsoft.com/office/powerpoint/2010/main" val="3730292270"/>
+      </p:ext>
+    </p:extLst>
+  </p:cSld>
+  <p:clrMapOvr>
+    <a:masterClrMapping/>
+  </p:clrMapOvr>
+</p:notes>
+</file>
+
+<file path=ppt/notesSlides/notesSlide3.xml><?xml version="1.0" encoding="utf-8"?>
+<p:notes xmlns:a="http://schemas.openxmlformats.org/drawingml/2006/main" xmlns:r="http://schemas.openxmlformats.org/officeDocument/2006/relationships" xmlns:p="http://schemas.openxmlformats.org/presentationml/2006/main">
+  <p:cSld>
+    <p:spTree>
+      <p:nvGrpSpPr>
+        <p:cNvPr id="1" name=""/>
+        <p:cNvGrpSpPr/>
+        <p:nvPr/>
+      </p:nvGrpSpPr>
+      <p:grpSpPr>
+        <a:xfrm>
+          <a:off x="0" y="0"/>
+          <a:ext cx="0" cy="0"/>
+          <a:chOff x="0" y="0"/>
+          <a:chExt cx="0" cy="0"/>
+        </a:xfrm>
+      </p:grpSpPr>
+      <p:sp>
+        <p:nvSpPr>
+          <p:cNvPr id="2" name="Slide Image Placeholder 1"/>
+          <p:cNvSpPr>
+            <a:spLocks noGrp="1" noRot="1" noChangeAspect="1"/>
+          </p:cNvSpPr>
+          <p:nvPr>
+            <p:ph type="sldImg"/>
+          </p:nvPr>
+        </p:nvSpPr>
+        <p:spPr/>
+      </p:sp>
+      <p:sp>
+        <p:nvSpPr>
+          <p:cNvPr id="3" name="Notes Placeholder 2"/>
+          <p:cNvSpPr>
+            <a:spLocks noGrp="1"/>
+          </p:cNvSpPr>
+          <p:nvPr>
+            <p:ph type="body" idx="1"/>
+          </p:nvPr>
+        </p:nvSpPr>
+        <p:spPr/>
+        <p:txBody>
+          <a:bodyPr/>
+          <a:lstStyle/>
+          <a:p>
+            <a:r>
+              <a:rPr lang="en-US" dirty="0"/>
+              <a:t>So the ultimate goal of the data warehouse and any ETL process is to take the raw data and turn it into a useful end product that is representative of the raw data, and this is a multi-step process.</a:t>
+            </a:r>
+          </a:p>
+        </p:txBody>
+      </p:sp>
+      <p:sp>
+        <p:nvSpPr>
+          <p:cNvPr id="4" name="Slide Number Placeholder 3"/>
+          <p:cNvSpPr>
+            <a:spLocks noGrp="1"/>
+          </p:cNvSpPr>
+          <p:nvPr>
+            <p:ph type="sldNum" sz="quarter" idx="5"/>
+          </p:nvPr>
+        </p:nvSpPr>
+        <p:spPr/>
+        <p:txBody>
+          <a:bodyPr/>
+          <a:lstStyle/>
+          <a:p>
+            <a:fld id="{D403D898-9099-4767-BD66-24D31BD5730B}" type="slidenum">
+              <a:rPr lang="en-US" smtClean="0"/>
+              <a:t>3</a:t>
+            </a:fld>
+            <a:endParaRPr lang="en-US"/>
+          </a:p>
+        </p:txBody>
+      </p:sp>
+    </p:spTree>
+    <p:extLst>
+      <p:ext uri="{BB962C8B-B14F-4D97-AF65-F5344CB8AC3E}">
+        <p14:creationId xmlns:p14="http://schemas.microsoft.com/office/powerpoint/2010/main" val="1516564166"/>
+      </p:ext>
+    </p:extLst>
+  </p:cSld>
+  <p:clrMapOvr>
+    <a:masterClrMapping/>
+  </p:clrMapOvr>
+</p:notes>
+</file>
+
+<file path=ppt/notesSlides/notesSlide4.xml><?xml version="1.0" encoding="utf-8"?>
+<p:notes xmlns:a="http://schemas.openxmlformats.org/drawingml/2006/main" xmlns:r="http://schemas.openxmlformats.org/officeDocument/2006/relationships" xmlns:p="http://schemas.openxmlformats.org/presentationml/2006/main">
+  <p:cSld>
+    <p:spTree>
+      <p:nvGrpSpPr>
+        <p:cNvPr id="1" name=""/>
+        <p:cNvGrpSpPr/>
+        <p:nvPr/>
+      </p:nvGrpSpPr>
+      <p:grpSpPr>
+        <a:xfrm>
+          <a:off x="0" y="0"/>
+          <a:ext cx="0" cy="0"/>
+          <a:chOff x="0" y="0"/>
+          <a:chExt cx="0" cy="0"/>
+        </a:xfrm>
+      </p:grpSpPr>
+      <p:sp>
+        <p:nvSpPr>
+          <p:cNvPr id="2" name="Slide Image Placeholder 1"/>
+          <p:cNvSpPr>
+            <a:spLocks noGrp="1" noRot="1" noChangeAspect="1"/>
+          </p:cNvSpPr>
+          <p:nvPr>
+            <p:ph type="sldImg"/>
+          </p:nvPr>
+        </p:nvSpPr>
+        <p:spPr/>
+      </p:sp>
+      <p:sp>
+        <p:nvSpPr>
+          <p:cNvPr id="3" name="Notes Placeholder 2"/>
+          <p:cNvSpPr>
+            <a:spLocks noGrp="1"/>
+          </p:cNvSpPr>
+          <p:nvPr>
+            <p:ph type="body" idx="1"/>
+          </p:nvPr>
+        </p:nvSpPr>
+        <p:spPr/>
+        <p:txBody>
+          <a:bodyPr/>
+          <a:lstStyle/>
+          <a:p>
+            <a:r>
+              <a:rPr lang="en-US" dirty="0"/>
+              <a:t>The tools we use during this process are row counting, key counting, and spot-checks of individual values. We use spot-checks rather than checking all data because checking every single value is extremely time-prohibitive and plus you have a team of statisticians, we may as well use our statistical powers to decrease processing time.</a:t>
+            </a:r>
+          </a:p>
+        </p:txBody>
+      </p:sp>
+      <p:sp>
+        <p:nvSpPr>
+          <p:cNvPr id="4" name="Slide Number Placeholder 3"/>
+          <p:cNvSpPr>
+            <a:spLocks noGrp="1"/>
+          </p:cNvSpPr>
+          <p:nvPr>
+            <p:ph type="sldNum" sz="quarter" idx="5"/>
+          </p:nvPr>
+        </p:nvSpPr>
+        <p:spPr/>
+        <p:txBody>
+          <a:bodyPr/>
+          <a:lstStyle/>
+          <a:p>
+            <a:fld id="{D403D898-9099-4767-BD66-24D31BD5730B}" type="slidenum">
+              <a:rPr lang="en-US" smtClean="0"/>
+              <a:t>4</a:t>
+            </a:fld>
+            <a:endParaRPr lang="en-US"/>
+          </a:p>
+        </p:txBody>
+      </p:sp>
+    </p:spTree>
+    <p:extLst>
+      <p:ext uri="{BB962C8B-B14F-4D97-AF65-F5344CB8AC3E}">
+        <p14:creationId xmlns:p14="http://schemas.microsoft.com/office/powerpoint/2010/main" val="3966448592"/>
+      </p:ext>
+    </p:extLst>
+  </p:cSld>
+  <p:clrMapOvr>
+    <a:masterClrMapping/>
+  </p:clrMapOvr>
+</p:notes>
+</file>
+
+<file path=ppt/notesSlides/notesSlide5.xml><?xml version="1.0" encoding="utf-8"?>
+<p:notes xmlns:a="http://schemas.openxmlformats.org/drawingml/2006/main" xmlns:r="http://schemas.openxmlformats.org/officeDocument/2006/relationships" xmlns:p="http://schemas.openxmlformats.org/presentationml/2006/main">
+  <p:cSld>
+    <p:spTree>
+      <p:nvGrpSpPr>
+        <p:cNvPr id="1" name=""/>
+        <p:cNvGrpSpPr/>
+        <p:nvPr/>
+      </p:nvGrpSpPr>
+      <p:grpSpPr>
+        <a:xfrm>
+          <a:off x="0" y="0"/>
+          <a:ext cx="0" cy="0"/>
+          <a:chOff x="0" y="0"/>
+          <a:chExt cx="0" cy="0"/>
+        </a:xfrm>
+      </p:grpSpPr>
+      <p:sp>
+        <p:nvSpPr>
+          <p:cNvPr id="2" name="Slide Image Placeholder 1"/>
+          <p:cNvSpPr>
+            <a:spLocks noGrp="1" noRot="1" noChangeAspect="1"/>
+          </p:cNvSpPr>
+          <p:nvPr>
+            <p:ph type="sldImg"/>
+          </p:nvPr>
+        </p:nvSpPr>
+        <p:spPr/>
+      </p:sp>
+      <p:sp>
+        <p:nvSpPr>
+          <p:cNvPr id="3" name="Notes Placeholder 2"/>
+          <p:cNvSpPr>
+            <a:spLocks noGrp="1"/>
+          </p:cNvSpPr>
+          <p:nvPr>
+            <p:ph type="body" idx="1"/>
+          </p:nvPr>
+        </p:nvSpPr>
+        <p:spPr/>
+        <p:txBody>
+          <a:bodyPr/>
+          <a:lstStyle/>
+          <a:p>
+            <a:r>
+              <a:rPr lang="en-US" dirty="0"/>
+              <a:t>This is what some of the code looks like. I’m not going to spend too much time on technical details, but some of the advantages of the code that I’ve written are that there’s a lot of plain English in it – even a layman should be able to read this code and be able to figure out what it’s doing. The code is broken down into sections, so you can jump to the section you need right away. It’s also written in R so it can talk to both our SQL servers and export to Excel – this is not something that is easy to do in either SQL alone or SAS alone, those two languages are more one trick ponies whereas both R and Python are more flexible tools.</a:t>
+            </a:r>
+          </a:p>
+        </p:txBody>
+      </p:sp>
+      <p:sp>
+        <p:nvSpPr>
+          <p:cNvPr id="4" name="Slide Number Placeholder 3"/>
+          <p:cNvSpPr>
+            <a:spLocks noGrp="1"/>
+          </p:cNvSpPr>
+          <p:nvPr>
+            <p:ph type="sldNum" sz="quarter" idx="5"/>
+          </p:nvPr>
+        </p:nvSpPr>
+        <p:spPr/>
+        <p:txBody>
+          <a:bodyPr/>
+          <a:lstStyle/>
+          <a:p>
+            <a:fld id="{D403D898-9099-4767-BD66-24D31BD5730B}" type="slidenum">
+              <a:rPr lang="en-US" smtClean="0"/>
+              <a:t>5</a:t>
+            </a:fld>
+            <a:endParaRPr lang="en-US"/>
+          </a:p>
+        </p:txBody>
+      </p:sp>
+    </p:spTree>
+    <p:extLst>
+      <p:ext uri="{BB962C8B-B14F-4D97-AF65-F5344CB8AC3E}">
+        <p14:creationId xmlns:p14="http://schemas.microsoft.com/office/powerpoint/2010/main" val="68525589"/>
+      </p:ext>
+    </p:extLst>
+  </p:cSld>
+  <p:clrMapOvr>
+    <a:masterClrMapping/>
+  </p:clrMapOvr>
+</p:notes>
+</file>
+
+<file path=ppt/notesSlides/notesSlide6.xml><?xml version="1.0" encoding="utf-8"?>
+<p:notes xmlns:a="http://schemas.openxmlformats.org/drawingml/2006/main" xmlns:r="http://schemas.openxmlformats.org/officeDocument/2006/relationships" xmlns:p="http://schemas.openxmlformats.org/presentationml/2006/main">
+  <p:cSld>
+    <p:spTree>
+      <p:nvGrpSpPr>
+        <p:cNvPr id="1" name=""/>
+        <p:cNvGrpSpPr/>
+        <p:nvPr/>
+      </p:nvGrpSpPr>
+      <p:grpSpPr>
+        <a:xfrm>
+          <a:off x="0" y="0"/>
+          <a:ext cx="0" cy="0"/>
+          <a:chOff x="0" y="0"/>
+          <a:chExt cx="0" cy="0"/>
+        </a:xfrm>
+      </p:grpSpPr>
+      <p:sp>
+        <p:nvSpPr>
+          <p:cNvPr id="2" name="Slide Image Placeholder 1"/>
+          <p:cNvSpPr>
+            <a:spLocks noGrp="1" noRot="1" noChangeAspect="1"/>
+          </p:cNvSpPr>
+          <p:nvPr>
+            <p:ph type="sldImg"/>
+          </p:nvPr>
+        </p:nvSpPr>
+        <p:spPr/>
+      </p:sp>
+      <p:sp>
+        <p:nvSpPr>
+          <p:cNvPr id="3" name="Notes Placeholder 2"/>
+          <p:cNvSpPr>
+            <a:spLocks noGrp="1"/>
+          </p:cNvSpPr>
+          <p:nvPr>
+            <p:ph type="body" idx="1"/>
+          </p:nvPr>
+        </p:nvSpPr>
+        <p:spPr/>
+        <p:txBody>
+          <a:bodyPr/>
+          <a:lstStyle/>
+          <a:p>
+            <a:r>
+              <a:rPr lang="en-US" dirty="0"/>
+              <a:t>Here’s what some of the output for count checking looks like. Once again, I have designed the output with the idea in mind that someone else might have to look at this in the future. The key that’s being counted is listed at the top followed by raw numbers, differences between numbers, explanations of columns, and notes as I figure out why the discrepancies happen.</a:t>
+            </a:r>
+          </a:p>
+        </p:txBody>
+      </p:sp>
+      <p:sp>
+        <p:nvSpPr>
+          <p:cNvPr id="4" name="Slide Number Placeholder 3"/>
+          <p:cNvSpPr>
+            <a:spLocks noGrp="1"/>
+          </p:cNvSpPr>
+          <p:nvPr>
+            <p:ph type="sldNum" sz="quarter" idx="5"/>
+          </p:nvPr>
+        </p:nvSpPr>
+        <p:spPr/>
+        <p:txBody>
+          <a:bodyPr/>
+          <a:lstStyle/>
+          <a:p>
+            <a:fld id="{D403D898-9099-4767-BD66-24D31BD5730B}" type="slidenum">
+              <a:rPr lang="en-US" smtClean="0"/>
+              <a:t>6</a:t>
+            </a:fld>
+            <a:endParaRPr lang="en-US"/>
+          </a:p>
+        </p:txBody>
+      </p:sp>
+    </p:spTree>
+    <p:extLst>
+      <p:ext uri="{BB962C8B-B14F-4D97-AF65-F5344CB8AC3E}">
+        <p14:creationId xmlns:p14="http://schemas.microsoft.com/office/powerpoint/2010/main" val="2142945989"/>
+      </p:ext>
+    </p:extLst>
+  </p:cSld>
+  <p:clrMapOvr>
+    <a:masterClrMapping/>
+  </p:clrMapOvr>
+</p:notes>
+</file>
+
+<file path=ppt/notesSlides/notesSlide7.xml><?xml version="1.0" encoding="utf-8"?>
+<p:notes xmlns:a="http://schemas.openxmlformats.org/drawingml/2006/main" xmlns:r="http://schemas.openxmlformats.org/officeDocument/2006/relationships" xmlns:p="http://schemas.openxmlformats.org/presentationml/2006/main">
+  <p:cSld>
+    <p:spTree>
+      <p:nvGrpSpPr>
+        <p:cNvPr id="1" name=""/>
+        <p:cNvGrpSpPr/>
+        <p:nvPr/>
+      </p:nvGrpSpPr>
+      <p:grpSpPr>
+        <a:xfrm>
+          <a:off x="0" y="0"/>
+          <a:ext cx="0" cy="0"/>
+          <a:chOff x="0" y="0"/>
+          <a:chExt cx="0" cy="0"/>
+        </a:xfrm>
+      </p:grpSpPr>
+      <p:sp>
+        <p:nvSpPr>
+          <p:cNvPr id="2" name="Slide Image Placeholder 1"/>
+          <p:cNvSpPr>
+            <a:spLocks noGrp="1" noRot="1" noChangeAspect="1"/>
+          </p:cNvSpPr>
+          <p:nvPr>
+            <p:ph type="sldImg"/>
+          </p:nvPr>
+        </p:nvSpPr>
+        <p:spPr/>
+      </p:sp>
+      <p:sp>
+        <p:nvSpPr>
+          <p:cNvPr id="3" name="Notes Placeholder 2"/>
+          <p:cNvSpPr>
+            <a:spLocks noGrp="1"/>
+          </p:cNvSpPr>
+          <p:nvPr>
+            <p:ph type="body" idx="1"/>
+          </p:nvPr>
+        </p:nvSpPr>
+        <p:spPr/>
+        <p:txBody>
+          <a:bodyPr/>
+          <a:lstStyle/>
+          <a:p>
+            <a:r>
+              <a:rPr lang="en-US" dirty="0"/>
+              <a:t>When I wrote the code for spot checks, I made sure to make it adaptable, so you can adjust the number of rows to check and number of mismatches to print. The output gives you a summary of mismatches, so you can wee here that we’ve checked 500,000 rows and there are… 3 sex mismatches, 18 race mismatches, and so on.</a:t>
+            </a:r>
+          </a:p>
+        </p:txBody>
+      </p:sp>
+      <p:sp>
+        <p:nvSpPr>
+          <p:cNvPr id="4" name="Slide Number Placeholder 3"/>
+          <p:cNvSpPr>
+            <a:spLocks noGrp="1"/>
+          </p:cNvSpPr>
+          <p:nvPr>
+            <p:ph type="sldNum" sz="quarter" idx="5"/>
+          </p:nvPr>
+        </p:nvSpPr>
+        <p:spPr/>
+        <p:txBody>
+          <a:bodyPr/>
+          <a:lstStyle/>
+          <a:p>
+            <a:fld id="{D403D898-9099-4767-BD66-24D31BD5730B}" type="slidenum">
+              <a:rPr lang="en-US" smtClean="0"/>
+              <a:t>7</a:t>
+            </a:fld>
+            <a:endParaRPr lang="en-US"/>
+          </a:p>
+        </p:txBody>
+      </p:sp>
+    </p:spTree>
+    <p:extLst>
+      <p:ext uri="{BB962C8B-B14F-4D97-AF65-F5344CB8AC3E}">
+        <p14:creationId xmlns:p14="http://schemas.microsoft.com/office/powerpoint/2010/main" val="962512212"/>
+      </p:ext>
+    </p:extLst>
+  </p:cSld>
+  <p:clrMapOvr>
+    <a:masterClrMapping/>
+  </p:clrMapOvr>
+</p:notes>
+</file>
+
+<file path=ppt/notesSlides/notesSlide8.xml><?xml version="1.0" encoding="utf-8"?>
+<p:notes xmlns:a="http://schemas.openxmlformats.org/drawingml/2006/main" xmlns:r="http://schemas.openxmlformats.org/officeDocument/2006/relationships" xmlns:p="http://schemas.openxmlformats.org/presentationml/2006/main">
+  <p:cSld>
+    <p:spTree>
+      <p:nvGrpSpPr>
+        <p:cNvPr id="1" name=""/>
+        <p:cNvGrpSpPr/>
+        <p:nvPr/>
+      </p:nvGrpSpPr>
+      <p:grpSpPr>
+        <a:xfrm>
+          <a:off x="0" y="0"/>
+          <a:ext cx="0" cy="0"/>
+          <a:chOff x="0" y="0"/>
+          <a:chExt cx="0" cy="0"/>
+        </a:xfrm>
+      </p:grpSpPr>
+      <p:sp>
+        <p:nvSpPr>
+          <p:cNvPr id="2" name="Slide Image Placeholder 1"/>
+          <p:cNvSpPr>
+            <a:spLocks noGrp="1" noRot="1" noChangeAspect="1"/>
+          </p:cNvSpPr>
+          <p:nvPr>
+            <p:ph type="sldImg"/>
+          </p:nvPr>
+        </p:nvSpPr>
+        <p:spPr/>
+      </p:sp>
+      <p:sp>
+        <p:nvSpPr>
+          <p:cNvPr id="3" name="Notes Placeholder 2"/>
+          <p:cNvSpPr>
+            <a:spLocks noGrp="1"/>
+          </p:cNvSpPr>
+          <p:nvPr>
+            <p:ph type="body" idx="1"/>
+          </p:nvPr>
+        </p:nvSpPr>
+        <p:spPr/>
+        <p:txBody>
+          <a:bodyPr/>
+          <a:lstStyle/>
+          <a:p>
+            <a:r>
+              <a:rPr lang="en-US" dirty="0"/>
+              <a:t>The output will also show you the exact mismatch and the raw data that generated it, so you can judge for yourself what you think the “correct” value should have been. In this case, the mismatch happened because TACC took the most frequent value, which is U, and the table that I built on the SPC side excluded unknowns when there was better information. This change has already been approved for the </a:t>
+            </a:r>
+            <a:r>
+              <a:rPr lang="en-US" dirty="0" err="1"/>
+              <a:t>data_warehouse</a:t>
+            </a:r>
+            <a:r>
+              <a:rPr lang="en-US" dirty="0"/>
+              <a:t> and it will be addressed in the next update.</a:t>
+            </a:r>
+          </a:p>
+        </p:txBody>
+      </p:sp>
+      <p:sp>
+        <p:nvSpPr>
+          <p:cNvPr id="4" name="Slide Number Placeholder 3"/>
+          <p:cNvSpPr>
+            <a:spLocks noGrp="1"/>
+          </p:cNvSpPr>
+          <p:nvPr>
+            <p:ph type="sldNum" sz="quarter" idx="5"/>
+          </p:nvPr>
+        </p:nvSpPr>
+        <p:spPr/>
+        <p:txBody>
+          <a:bodyPr/>
+          <a:lstStyle/>
+          <a:p>
+            <a:fld id="{D403D898-9099-4767-BD66-24D31BD5730B}" type="slidenum">
+              <a:rPr lang="en-US" smtClean="0"/>
+              <a:t>8</a:t>
+            </a:fld>
+            <a:endParaRPr lang="en-US"/>
+          </a:p>
+        </p:txBody>
+      </p:sp>
+    </p:spTree>
+    <p:extLst>
+      <p:ext uri="{BB962C8B-B14F-4D97-AF65-F5344CB8AC3E}">
+        <p14:creationId xmlns:p14="http://schemas.microsoft.com/office/powerpoint/2010/main" val="3442767557"/>
+      </p:ext>
+    </p:extLst>
+  </p:cSld>
+  <p:clrMapOvr>
+    <a:masterClrMapping/>
+  </p:clrMapOvr>
+</p:notes>
+</file>
+
+<file path=ppt/notesSlides/notesSlide9.xml><?xml version="1.0" encoding="utf-8"?>
+<p:notes xmlns:a="http://schemas.openxmlformats.org/drawingml/2006/main" xmlns:r="http://schemas.openxmlformats.org/officeDocument/2006/relationships" xmlns:p="http://schemas.openxmlformats.org/presentationml/2006/main">
+  <p:cSld>
+    <p:spTree>
+      <p:nvGrpSpPr>
+        <p:cNvPr id="1" name=""/>
+        <p:cNvGrpSpPr/>
+        <p:nvPr/>
+      </p:nvGrpSpPr>
+      <p:grpSpPr>
+        <a:xfrm>
+          <a:off x="0" y="0"/>
+          <a:ext cx="0" cy="0"/>
+          <a:chOff x="0" y="0"/>
+          <a:chExt cx="0" cy="0"/>
+        </a:xfrm>
+      </p:grpSpPr>
+      <p:sp>
+        <p:nvSpPr>
+          <p:cNvPr id="2" name="Slide Image Placeholder 1"/>
+          <p:cNvSpPr>
+            <a:spLocks noGrp="1" noRot="1" noChangeAspect="1"/>
+          </p:cNvSpPr>
+          <p:nvPr>
+            <p:ph type="sldImg"/>
+          </p:nvPr>
+        </p:nvSpPr>
+        <p:spPr/>
+      </p:sp>
+      <p:sp>
+        <p:nvSpPr>
+          <p:cNvPr id="3" name="Notes Placeholder 2"/>
+          <p:cNvSpPr>
+            <a:spLocks noGrp="1"/>
+          </p:cNvSpPr>
+          <p:nvPr>
+            <p:ph type="body" idx="1"/>
+          </p:nvPr>
+        </p:nvSpPr>
+        <p:spPr/>
+        <p:txBody>
+          <a:bodyPr/>
+          <a:lstStyle/>
+          <a:p>
+            <a:r>
+              <a:rPr lang="en-US" dirty="0"/>
+              <a:t>The tools we use during this process are row counting, key counting, and spot-checks of individual values. We use spot-checks rather than checking all data because checking every single value is extremely time-prohibitive and plus you have a team of statisticians, we may as well use our statistical powers to decrease processing time.</a:t>
+            </a:r>
+          </a:p>
+        </p:txBody>
+      </p:sp>
+      <p:sp>
+        <p:nvSpPr>
+          <p:cNvPr id="4" name="Slide Number Placeholder 3"/>
+          <p:cNvSpPr>
+            <a:spLocks noGrp="1"/>
+          </p:cNvSpPr>
+          <p:nvPr>
+            <p:ph type="sldNum" sz="quarter" idx="5"/>
+          </p:nvPr>
+        </p:nvSpPr>
+        <p:spPr/>
+        <p:txBody>
+          <a:bodyPr/>
+          <a:lstStyle/>
+          <a:p>
+            <a:fld id="{D403D898-9099-4767-BD66-24D31BD5730B}" type="slidenum">
+              <a:rPr lang="en-US" smtClean="0"/>
+              <a:t>9</a:t>
+            </a:fld>
+            <a:endParaRPr lang="en-US"/>
+          </a:p>
+        </p:txBody>
+      </p:sp>
+    </p:spTree>
+    <p:extLst>
+      <p:ext uri="{BB962C8B-B14F-4D97-AF65-F5344CB8AC3E}">
+        <p14:creationId xmlns:p14="http://schemas.microsoft.com/office/powerpoint/2010/main" val="2123405999"/>
+      </p:ext>
+    </p:extLst>
+  </p:cSld>
+  <p:clrMapOvr>
+    <a:masterClrMapping/>
+  </p:clrMapOvr>
+</p:notes>
 </file>
 
 <file path=ppt/slideLayouts/slideLayout1.xml><?xml version="1.0" encoding="utf-8"?>
@@ -278,7 +1776,7 @@
           <a:p>
             <a:fld id="{655A5808-3B61-48CC-92EF-85AC2E0DFA56}" type="datetime2">
               <a:rPr lang="en-US" smtClean="0"/>
-              <a:t>Tuesday, March 7, 2023</a:t>
+              <a:t>Friday, March 10, 2023</a:t>
             </a:fld>
             <a:endParaRPr lang="en-US"/>
           </a:p>
@@ -476,7 +1974,7 @@
           <a:p>
             <a:fld id="{735E98AF-4574-4509-BF7A-519ACD5BF826}" type="datetime2">
               <a:rPr lang="en-US" smtClean="0"/>
-              <a:t>Tuesday, March 7, 2023</a:t>
+              <a:t>Friday, March 10, 2023</a:t>
             </a:fld>
             <a:endParaRPr lang="en-US"/>
           </a:p>
@@ -686,7 +2184,7 @@
           <a:p>
             <a:fld id="{93DD97D4-9636-490F-85D0-E926C2B6F3B1}" type="datetime2">
               <a:rPr lang="en-US" smtClean="0"/>
-              <a:t>Tuesday, March 7, 2023</a:t>
+              <a:t>Friday, March 10, 2023</a:t>
             </a:fld>
             <a:endParaRPr lang="en-US"/>
           </a:p>
@@ -885,7 +2383,7 @@
           <a:p>
             <a:fld id="{2F3AF3C6-0FD4-4939-991C-00DDE5C56815}" type="datetime2">
               <a:rPr lang="en-US" smtClean="0"/>
-              <a:t>Tuesday, March 7, 2023</a:t>
+              <a:t>Friday, March 10, 2023</a:t>
             </a:fld>
             <a:endParaRPr lang="en-US"/>
           </a:p>
@@ -1166,7 +2664,7 @@
           <a:p>
             <a:fld id="{86807482-8128-47C6-A8DD-6452B0291CFF}" type="datetime2">
               <a:rPr lang="en-US" smtClean="0"/>
-              <a:t>Tuesday, March 7, 2023</a:t>
+              <a:t>Friday, March 10, 2023</a:t>
             </a:fld>
             <a:endParaRPr lang="en-US"/>
           </a:p>
@@ -1434,7 +2932,7 @@
           <a:p>
             <a:fld id="{37903F25-275E-41DE-BE3B-EBF0DB49F9B1}" type="datetime2">
               <a:rPr lang="en-US" smtClean="0"/>
-              <a:t>Tuesday, March 7, 2023</a:t>
+              <a:t>Friday, March 10, 2023</a:t>
             </a:fld>
             <a:endParaRPr lang="en-US"/>
           </a:p>
@@ -1815,7 +3313,7 @@
           <a:p>
             <a:fld id="{EE475572-4A44-4171-84AA-64D42C8050A6}" type="datetime2">
               <a:rPr lang="en-US" smtClean="0"/>
-              <a:t>Tuesday, March 7, 2023</a:t>
+              <a:t>Friday, March 10, 2023</a:t>
             </a:fld>
             <a:endParaRPr lang="en-US"/>
           </a:p>
@@ -1985,7 +3483,7 @@
           <a:p>
             <a:fld id="{C4C1612E-528E-4FD5-9E9E-E15F1108F171}" type="datetime2">
               <a:rPr lang="en-US" smtClean="0"/>
-              <a:t>Tuesday, March 7, 2023</a:t>
+              <a:t>Friday, March 10, 2023</a:t>
             </a:fld>
             <a:endParaRPr lang="en-US"/>
           </a:p>
@@ -2098,7 +3596,7 @@
           <a:p>
             <a:fld id="{D4F6D862-A06D-436F-A92E-EBAAD50B6E50}" type="datetime2">
               <a:rPr lang="en-US" smtClean="0"/>
-              <a:t>Tuesday, March 7, 2023</a:t>
+              <a:t>Friday, March 10, 2023</a:t>
             </a:fld>
             <a:endParaRPr lang="en-US"/>
           </a:p>
@@ -2416,7 +3914,7 @@
           <a:p>
             <a:fld id="{B73E0B7D-2260-4809-8F0A-9E5F3E24F169}" type="datetime2">
               <a:rPr lang="en-US" smtClean="0"/>
-              <a:t>Tuesday, March 7, 2023</a:t>
+              <a:t>Friday, March 10, 2023</a:t>
             </a:fld>
             <a:endParaRPr lang="en-US"/>
           </a:p>
@@ -2708,7 +4206,7 @@
           <a:p>
             <a:fld id="{3C8E4735-C637-46A3-94EB-AB3AC4188D2F}" type="datetime2">
               <a:rPr lang="en-US" smtClean="0"/>
-              <a:t>Tuesday, March 7, 2023</a:t>
+              <a:t>Friday, March 10, 2023</a:t>
             </a:fld>
             <a:endParaRPr lang="en-US"/>
           </a:p>
@@ -3078,7 +4576,7 @@
             <a:fld id="{AE0C963C-C1DB-4AFD-9DDC-0691666BF49B}" type="datetime2">
               <a:rPr lang="en-US" smtClean="0"/>
               <a:pPr/>
-              <a:t>Tuesday, March 7, 2023</a:t>
+              <a:t>Friday, March 10, 2023</a:t>
             </a:fld>
             <a:endParaRPr lang="en-US" cap="all" dirty="0"/>
           </a:p>
@@ -3701,43 +5199,8 @@
           <a:lstStyle/>
           <a:p>
             <a:r>
-              <a:rPr lang="en-US" b="1" dirty="0">
-                <a:solidFill>
-                  <a:schemeClr val="accent1">
-                    <a:lumMod val="60000"/>
-                    <a:lumOff val="40000"/>
-                  </a:schemeClr>
-                </a:solidFill>
-              </a:rPr>
+              <a:rPr lang="en-US" dirty="0"/>
               <a:t>DOCUMENT EVERYTHING</a:t>
-            </a:r>
-          </a:p>
-          <a:p>
-            <a:pPr lvl="1"/>
-            <a:r>
-              <a:rPr lang="en-US" dirty="0"/>
-              <a:t>Nobody likes documentation, but everyone needs documentation</a:t>
-            </a:r>
-          </a:p>
-          <a:p>
-            <a:pPr lvl="1"/>
-            <a:r>
-              <a:rPr lang="en-US" dirty="0"/>
-              <a:t>Figuring out WHY something needs to happen takes way more time than actually making it happen</a:t>
-            </a:r>
-          </a:p>
-          <a:p>
-            <a:pPr lvl="1"/>
-            <a:r>
-              <a:rPr lang="en-US" dirty="0"/>
-              <a:t>No need to explain the same thing over and over again to different people</a:t>
-            </a:r>
-          </a:p>
-          <a:p>
-            <a:pPr lvl="1"/>
-            <a:r>
-              <a:rPr lang="en-US" dirty="0"/>
-              <a:t>If someone leaves the project, their work can be continued</a:t>
             </a:r>
           </a:p>
           <a:p>
@@ -3750,6 +5213,12 @@
             <a:r>
               <a:rPr lang="en-US" dirty="0"/>
               <a:t>Mistakes exist on every level</a:t>
+            </a:r>
+          </a:p>
+          <a:p>
+            <a:r>
+              <a:rPr lang="en-US" dirty="0"/>
+              <a:t>Build code to last</a:t>
             </a:r>
           </a:p>
         </p:txBody>
@@ -3757,7 +5226,7 @@
     </p:spTree>
     <p:extLst>
       <p:ext uri="{BB962C8B-B14F-4D97-AF65-F5344CB8AC3E}">
-        <p14:creationId xmlns:p14="http://schemas.microsoft.com/office/powerpoint/2010/main" val="3888003962"/>
+        <p14:creationId xmlns:p14="http://schemas.microsoft.com/office/powerpoint/2010/main" val="1740983426"/>
       </p:ext>
     </p:extLst>
   </p:cSld>
@@ -3800,7 +5269,12 @@
             <p:ph type="title"/>
           </p:nvPr>
         </p:nvSpPr>
-        <p:spPr/>
+        <p:spPr>
+          <a:xfrm>
+            <a:off x="1258710" y="298816"/>
+            <a:ext cx="10241280" cy="1234440"/>
+          </a:xfrm>
+        </p:spPr>
         <p:txBody>
           <a:bodyPr/>
           <a:lstStyle/>
@@ -3828,9 +5302,16 @@
             <p:ph idx="1"/>
           </p:nvPr>
         </p:nvSpPr>
-        <p:spPr/>
-        <p:txBody>
-          <a:bodyPr/>
+        <p:spPr>
+          <a:xfrm>
+            <a:off x="1258710" y="1615551"/>
+            <a:ext cx="10241280" cy="4488561"/>
+          </a:xfrm>
+        </p:spPr>
+        <p:txBody>
+          <a:bodyPr>
+            <a:normAutofit lnSpcReduction="10000"/>
+          </a:bodyPr>
           <a:lstStyle/>
           <a:p>
             <a:r>
@@ -3848,29 +5329,66 @@
           <a:p>
             <a:pPr lvl="1"/>
             <a:r>
-              <a:rPr lang="en-US" dirty="0"/>
+              <a:rPr lang="en-US" dirty="0">
+                <a:solidFill>
+                  <a:schemeClr val="accent1">
+                    <a:lumMod val="75000"/>
+                  </a:schemeClr>
+                </a:solidFill>
+              </a:rPr>
               <a:t>Nobody likes documentation, but everyone needs documentation</a:t>
             </a:r>
           </a:p>
           <a:p>
             <a:pPr lvl="1"/>
             <a:r>
-              <a:rPr lang="en-US" dirty="0"/>
-              <a:t>Figuring out WHY something needs to happen takes way more time than actually making it happen</a:t>
+              <a:rPr lang="en-US" dirty="0">
+                <a:solidFill>
+                  <a:schemeClr val="accent1">
+                    <a:lumMod val="75000"/>
+                  </a:schemeClr>
+                </a:solidFill>
+              </a:rPr>
+              <a:t>EXPLAIN RATIONALE : Figuring out WHY something needs to happen takes way more time than actually making it happen</a:t>
             </a:r>
           </a:p>
           <a:p>
             <a:pPr lvl="1"/>
             <a:r>
-              <a:rPr lang="en-US" dirty="0"/>
-              <a:t>No need to explain the same thing over and over again to different people</a:t>
+              <a:rPr lang="en-US" dirty="0">
+                <a:solidFill>
+                  <a:schemeClr val="accent1">
+                    <a:lumMod val="75000"/>
+                  </a:schemeClr>
+                </a:solidFill>
+              </a:rPr>
+              <a:t>Once created, no need to explain the same thing over and over again to different people</a:t>
             </a:r>
           </a:p>
           <a:p>
             <a:pPr lvl="1"/>
             <a:r>
-              <a:rPr lang="en-US" dirty="0"/>
+              <a:rPr lang="en-US" dirty="0">
+                <a:solidFill>
+                  <a:schemeClr val="accent1">
+                    <a:lumMod val="75000"/>
+                  </a:schemeClr>
+                </a:solidFill>
+              </a:rPr>
               <a:t>If someone leaves the project, their work can be continued</a:t>
+            </a:r>
+          </a:p>
+          <a:p>
+            <a:pPr lvl="1"/>
+            <a:r>
+              <a:rPr lang="en-US" dirty="0">
+                <a:solidFill>
+                  <a:schemeClr val="accent1">
+                    <a:lumMod val="75000"/>
+                  </a:schemeClr>
+                </a:solidFill>
+              </a:rPr>
+              <a:t>Great way to spot logical inconsistencies and identify patterns</a:t>
             </a:r>
           </a:p>
           <a:p>
@@ -3883,6 +5401,12 @@
             <a:r>
               <a:rPr lang="en-US" dirty="0"/>
               <a:t>Mistakes exist on every level</a:t>
+            </a:r>
+          </a:p>
+          <a:p>
+            <a:r>
+              <a:rPr lang="en-US" dirty="0"/>
+              <a:t>Build code to last</a:t>
             </a:r>
           </a:p>
         </p:txBody>
@@ -3933,7 +5457,12 @@
             <p:ph type="title"/>
           </p:nvPr>
         </p:nvSpPr>
-        <p:spPr/>
+        <p:spPr>
+          <a:xfrm>
+            <a:off x="1247421" y="298816"/>
+            <a:ext cx="10241280" cy="1234440"/>
+          </a:xfrm>
+        </p:spPr>
         <p:txBody>
           <a:bodyPr/>
           <a:lstStyle/>
@@ -3961,10 +5490,21 @@
             <p:ph idx="1"/>
           </p:nvPr>
         </p:nvSpPr>
-        <p:spPr/>
+        <p:spPr>
+          <a:xfrm>
+            <a:off x="1247421" y="1615552"/>
+            <a:ext cx="10241280" cy="4326636"/>
+          </a:xfrm>
+        </p:spPr>
         <p:txBody>
           <a:bodyPr/>
           <a:lstStyle/>
+          <a:p>
+            <a:r>
+              <a:rPr lang="en-US" dirty="0"/>
+              <a:t>DOCUMENT EVERYTHING</a:t>
+            </a:r>
+          </a:p>
           <a:p>
             <a:r>
               <a:rPr lang="en-US" b="1" dirty="0">
@@ -3975,47 +5515,84 @@
                   </a:schemeClr>
                 </a:solidFill>
               </a:rPr>
-              <a:t>DOCUMENT EVERYTHING</a:t>
+              <a:t>At least 2 people</a:t>
             </a:r>
           </a:p>
           <a:p>
             <a:pPr lvl="1"/>
             <a:r>
-              <a:rPr lang="en-US" dirty="0"/>
-              <a:t>Nobody likes documentation, but everyone needs documentation</a:t>
+              <a:rPr lang="en-US" dirty="0">
+                <a:solidFill>
+                  <a:schemeClr val="accent1">
+                    <a:lumMod val="75000"/>
+                  </a:schemeClr>
+                </a:solidFill>
+              </a:rPr>
+              <a:t>2 pairs of eyes = more mistakes caught</a:t>
             </a:r>
           </a:p>
           <a:p>
             <a:pPr lvl="1"/>
             <a:r>
-              <a:rPr lang="en-US" dirty="0"/>
-              <a:t>Figuring out WHY something needs to happen takes way more time than actually making it happen</a:t>
+              <a:rPr lang="en-US" dirty="0">
+                <a:solidFill>
+                  <a:schemeClr val="accent1">
+                    <a:lumMod val="75000"/>
+                  </a:schemeClr>
+                </a:solidFill>
+              </a:rPr>
+              <a:t>Separating QA from coding incentivizes both people to do their jobs properly</a:t>
+            </a:r>
+          </a:p>
+          <a:p>
+            <a:pPr lvl="2"/>
+            <a:r>
+              <a:rPr lang="en-US" dirty="0">
+                <a:solidFill>
+                  <a:schemeClr val="accent1">
+                    <a:lumMod val="75000"/>
+                  </a:schemeClr>
+                </a:solidFill>
+              </a:rPr>
+              <a:t>It’s hard to see mistakes in your own code</a:t>
             </a:r>
           </a:p>
           <a:p>
             <a:pPr lvl="1"/>
             <a:r>
-              <a:rPr lang="en-US" dirty="0"/>
-              <a:t>No need to explain the same thing over and over again to different people</a:t>
+              <a:rPr lang="en-US" dirty="0">
+                <a:solidFill>
+                  <a:schemeClr val="accent1">
+                    <a:lumMod val="75000"/>
+                  </a:schemeClr>
+                </a:solidFill>
+              </a:rPr>
+              <a:t>Forces you to write code people can actually read</a:t>
             </a:r>
           </a:p>
           <a:p>
             <a:pPr lvl="1"/>
             <a:r>
-              <a:rPr lang="en-US" dirty="0"/>
-              <a:t>If someone leaves the project, their work can be continued</a:t>
-            </a:r>
-          </a:p>
-          <a:p>
-            <a:r>
-              <a:rPr lang="en-US" dirty="0"/>
-              <a:t>At least 2 people</a:t>
+              <a:rPr lang="en-US" dirty="0">
+                <a:solidFill>
+                  <a:schemeClr val="accent1">
+                    <a:lumMod val="75000"/>
+                  </a:schemeClr>
+                </a:solidFill>
+              </a:rPr>
+              <a:t>This means that code can be maintained by more than 1 person</a:t>
             </a:r>
           </a:p>
           <a:p>
             <a:r>
               <a:rPr lang="en-US" dirty="0"/>
               <a:t>Mistakes exist on every level</a:t>
+            </a:r>
+          </a:p>
+          <a:p>
+            <a:r>
+              <a:rPr lang="en-US" dirty="0"/>
+              <a:t>Build code to last</a:t>
             </a:r>
           </a:p>
         </p:txBody>
@@ -4023,7 +5600,787 @@
     </p:spTree>
     <p:extLst>
       <p:ext uri="{BB962C8B-B14F-4D97-AF65-F5344CB8AC3E}">
-        <p14:creationId xmlns:p14="http://schemas.microsoft.com/office/powerpoint/2010/main" val="2631997605"/>
+        <p14:creationId xmlns:p14="http://schemas.microsoft.com/office/powerpoint/2010/main" val="2927526999"/>
+      </p:ext>
+    </p:extLst>
+  </p:cSld>
+  <p:clrMapOvr>
+    <a:masterClrMapping/>
+  </p:clrMapOvr>
+</p:sld>
+</file>
+
+<file path=ppt/slides/slide13.xml><?xml version="1.0" encoding="utf-8"?>
+<p:sld xmlns:a="http://schemas.openxmlformats.org/drawingml/2006/main" xmlns:r="http://schemas.openxmlformats.org/officeDocument/2006/relationships" xmlns:p="http://schemas.openxmlformats.org/presentationml/2006/main">
+  <p:cSld>
+    <p:spTree>
+      <p:nvGrpSpPr>
+        <p:cNvPr id="1" name=""/>
+        <p:cNvGrpSpPr/>
+        <p:nvPr/>
+      </p:nvGrpSpPr>
+      <p:grpSpPr>
+        <a:xfrm>
+          <a:off x="0" y="0"/>
+          <a:ext cx="0" cy="0"/>
+          <a:chOff x="0" y="0"/>
+          <a:chExt cx="0" cy="0"/>
+        </a:xfrm>
+      </p:grpSpPr>
+      <p:sp>
+        <p:nvSpPr>
+          <p:cNvPr id="2" name="Title 1">
+            <a:extLst>
+              <a:ext uri="{FF2B5EF4-FFF2-40B4-BE49-F238E27FC236}">
+                <a16:creationId xmlns:a16="http://schemas.microsoft.com/office/drawing/2014/main" id="{F617B170-8C51-4CE9-ADEA-B8F0931130E1}"/>
+              </a:ext>
+            </a:extLst>
+          </p:cNvPr>
+          <p:cNvSpPr>
+            <a:spLocks noGrp="1"/>
+          </p:cNvSpPr>
+          <p:nvPr>
+            <p:ph type="title"/>
+          </p:nvPr>
+        </p:nvSpPr>
+        <p:spPr>
+          <a:xfrm>
+            <a:off x="1190978" y="287523"/>
+            <a:ext cx="10241280" cy="1234440"/>
+          </a:xfrm>
+        </p:spPr>
+        <p:txBody>
+          <a:bodyPr/>
+          <a:lstStyle/>
+          <a:p>
+            <a:r>
+              <a:rPr lang="en-US" dirty="0"/>
+              <a:t>Lessons learned</a:t>
+            </a:r>
+          </a:p>
+        </p:txBody>
+      </p:sp>
+      <p:sp>
+        <p:nvSpPr>
+          <p:cNvPr id="3" name="Content Placeholder 2">
+            <a:extLst>
+              <a:ext uri="{FF2B5EF4-FFF2-40B4-BE49-F238E27FC236}">
+                <a16:creationId xmlns:a16="http://schemas.microsoft.com/office/drawing/2014/main" id="{5D24522A-DC7F-47E4-8239-0C80702F4782}"/>
+              </a:ext>
+            </a:extLst>
+          </p:cNvPr>
+          <p:cNvSpPr>
+            <a:spLocks noGrp="1"/>
+          </p:cNvSpPr>
+          <p:nvPr>
+            <p:ph idx="1"/>
+          </p:nvPr>
+        </p:nvSpPr>
+        <p:spPr>
+          <a:xfrm>
+            <a:off x="1190978" y="1604258"/>
+            <a:ext cx="10241280" cy="4679061"/>
+          </a:xfrm>
+        </p:spPr>
+        <p:txBody>
+          <a:bodyPr/>
+          <a:lstStyle/>
+          <a:p>
+            <a:r>
+              <a:rPr lang="en-US" dirty="0"/>
+              <a:t>DOCUMENT EVERYTHING</a:t>
+            </a:r>
+          </a:p>
+          <a:p>
+            <a:r>
+              <a:rPr lang="en-US" dirty="0"/>
+              <a:t>At least 2 people</a:t>
+            </a:r>
+          </a:p>
+          <a:p>
+            <a:r>
+              <a:rPr lang="en-US" b="1" dirty="0">
+                <a:solidFill>
+                  <a:schemeClr val="accent1">
+                    <a:lumMod val="60000"/>
+                    <a:lumOff val="40000"/>
+                  </a:schemeClr>
+                </a:solidFill>
+              </a:rPr>
+              <a:t>Mistakes exist on every level</a:t>
+            </a:r>
+          </a:p>
+          <a:p>
+            <a:pPr lvl="1"/>
+            <a:r>
+              <a:rPr lang="en-US" dirty="0">
+                <a:solidFill>
+                  <a:schemeClr val="accent1">
+                    <a:lumMod val="75000"/>
+                  </a:schemeClr>
+                </a:solidFill>
+              </a:rPr>
+              <a:t>We found errors in data loading from .csv to SQL tables</a:t>
+            </a:r>
+          </a:p>
+          <a:p>
+            <a:pPr lvl="1"/>
+            <a:r>
+              <a:rPr lang="en-US" dirty="0">
+                <a:solidFill>
+                  <a:schemeClr val="accent1">
+                    <a:lumMod val="75000"/>
+                  </a:schemeClr>
+                </a:solidFill>
+              </a:rPr>
+              <a:t>We found errors in data loading into </a:t>
+            </a:r>
+            <a:r>
+              <a:rPr lang="en-US" dirty="0" err="1">
+                <a:solidFill>
+                  <a:schemeClr val="accent1">
+                    <a:lumMod val="75000"/>
+                  </a:schemeClr>
+                </a:solidFill>
+              </a:rPr>
+              <a:t>data_warehouse</a:t>
+            </a:r>
+            <a:endParaRPr lang="en-US" dirty="0">
+              <a:solidFill>
+                <a:schemeClr val="accent1">
+                  <a:lumMod val="75000"/>
+                </a:schemeClr>
+              </a:solidFill>
+            </a:endParaRPr>
+          </a:p>
+          <a:p>
+            <a:pPr lvl="1"/>
+            <a:r>
+              <a:rPr lang="en-US" dirty="0">
+                <a:solidFill>
+                  <a:schemeClr val="accent1">
+                    <a:lumMod val="75000"/>
+                  </a:schemeClr>
+                </a:solidFill>
+              </a:rPr>
+              <a:t>We found errors in how variables are reinterpreted</a:t>
+            </a:r>
+          </a:p>
+          <a:p>
+            <a:pPr lvl="1"/>
+            <a:r>
+              <a:rPr lang="en-US" dirty="0">
+                <a:solidFill>
+                  <a:schemeClr val="accent1">
+                    <a:lumMod val="75000"/>
+                  </a:schemeClr>
+                </a:solidFill>
+              </a:rPr>
+              <a:t>Bottom line: Because errors can be introduced at every step</a:t>
+            </a:r>
+          </a:p>
+          <a:p>
+            <a:pPr lvl="2"/>
+            <a:r>
+              <a:rPr lang="en-US" dirty="0">
+                <a:solidFill>
+                  <a:schemeClr val="accent1">
+                    <a:lumMod val="75000"/>
+                  </a:schemeClr>
+                </a:solidFill>
+              </a:rPr>
+              <a:t>Decrease number of steps: KISS</a:t>
+            </a:r>
+          </a:p>
+          <a:p>
+            <a:pPr lvl="2"/>
+            <a:r>
+              <a:rPr lang="en-US" dirty="0">
+                <a:solidFill>
+                  <a:schemeClr val="accent1">
+                    <a:lumMod val="75000"/>
+                  </a:schemeClr>
+                </a:solidFill>
+              </a:rPr>
+              <a:t>QA needs to happen at every step</a:t>
+            </a:r>
+          </a:p>
+          <a:p>
+            <a:r>
+              <a:rPr lang="en-US" dirty="0"/>
+              <a:t>Build code to last</a:t>
+            </a:r>
+          </a:p>
+        </p:txBody>
+      </p:sp>
+    </p:spTree>
+    <p:extLst>
+      <p:ext uri="{BB962C8B-B14F-4D97-AF65-F5344CB8AC3E}">
+        <p14:creationId xmlns:p14="http://schemas.microsoft.com/office/powerpoint/2010/main" val="206330332"/>
+      </p:ext>
+    </p:extLst>
+  </p:cSld>
+  <p:clrMapOvr>
+    <a:masterClrMapping/>
+  </p:clrMapOvr>
+</p:sld>
+</file>
+
+<file path=ppt/slides/slide14.xml><?xml version="1.0" encoding="utf-8"?>
+<p:sld xmlns:a="http://schemas.openxmlformats.org/drawingml/2006/main" xmlns:r="http://schemas.openxmlformats.org/officeDocument/2006/relationships" xmlns:p="http://schemas.openxmlformats.org/presentationml/2006/main">
+  <p:cSld>
+    <p:spTree>
+      <p:nvGrpSpPr>
+        <p:cNvPr id="1" name=""/>
+        <p:cNvGrpSpPr/>
+        <p:nvPr/>
+      </p:nvGrpSpPr>
+      <p:grpSpPr>
+        <a:xfrm>
+          <a:off x="0" y="0"/>
+          <a:ext cx="0" cy="0"/>
+          <a:chOff x="0" y="0"/>
+          <a:chExt cx="0" cy="0"/>
+        </a:xfrm>
+      </p:grpSpPr>
+      <p:sp>
+        <p:nvSpPr>
+          <p:cNvPr id="2" name="Title 1">
+            <a:extLst>
+              <a:ext uri="{FF2B5EF4-FFF2-40B4-BE49-F238E27FC236}">
+                <a16:creationId xmlns:a16="http://schemas.microsoft.com/office/drawing/2014/main" id="{F617B170-8C51-4CE9-ADEA-B8F0931130E1}"/>
+              </a:ext>
+            </a:extLst>
+          </p:cNvPr>
+          <p:cNvSpPr>
+            <a:spLocks noGrp="1"/>
+          </p:cNvSpPr>
+          <p:nvPr>
+            <p:ph type="title"/>
+          </p:nvPr>
+        </p:nvSpPr>
+        <p:spPr/>
+        <p:txBody>
+          <a:bodyPr/>
+          <a:lstStyle/>
+          <a:p>
+            <a:r>
+              <a:rPr lang="en-US" dirty="0"/>
+              <a:t>Lessons learned</a:t>
+            </a:r>
+          </a:p>
+        </p:txBody>
+      </p:sp>
+      <p:pic>
+        <p:nvPicPr>
+          <p:cNvPr id="1028" name="Picture 4" descr="image">
+            <a:extLst>
+              <a:ext uri="{FF2B5EF4-FFF2-40B4-BE49-F238E27FC236}">
+                <a16:creationId xmlns:a16="http://schemas.microsoft.com/office/drawing/2014/main" id="{41292663-1D75-4CD6-9759-C1F62F615FA1}"/>
+              </a:ext>
+            </a:extLst>
+          </p:cNvPr>
+          <p:cNvPicPr>
+            <a:picLocks noChangeAspect="1" noChangeArrowheads="1"/>
+          </p:cNvPicPr>
+          <p:nvPr/>
+        </p:nvPicPr>
+        <p:blipFill>
+          <a:blip r:embed="rId2">
+            <a:extLst>
+              <a:ext uri="{28A0092B-C50C-407E-A947-70E740481C1C}">
+                <a14:useLocalDpi xmlns:a14="http://schemas.microsoft.com/office/drawing/2010/main" val="0"/>
+              </a:ext>
+            </a:extLst>
+          </a:blip>
+          <a:srcRect/>
+          <a:stretch>
+            <a:fillRect/>
+          </a:stretch>
+        </p:blipFill>
+        <p:spPr bwMode="auto">
+          <a:xfrm>
+            <a:off x="1086326" y="2077282"/>
+            <a:ext cx="10019348" cy="2750751"/>
+          </a:xfrm>
+          <a:prstGeom prst="rect">
+            <a:avLst/>
+          </a:prstGeom>
+          <a:noFill/>
+          <a:extLst>
+            <a:ext uri="{909E8E84-426E-40DD-AFC4-6F175D3DCCD1}">
+              <a14:hiddenFill xmlns:a14="http://schemas.microsoft.com/office/drawing/2010/main">
+                <a:solidFill>
+                  <a:srgbClr val="FFFFFF"/>
+                </a:solidFill>
+              </a14:hiddenFill>
+            </a:ext>
+          </a:extLst>
+        </p:spPr>
+      </p:pic>
+      <p:sp>
+        <p:nvSpPr>
+          <p:cNvPr id="6" name="Right Brace 5">
+            <a:extLst>
+              <a:ext uri="{FF2B5EF4-FFF2-40B4-BE49-F238E27FC236}">
+                <a16:creationId xmlns:a16="http://schemas.microsoft.com/office/drawing/2014/main" id="{D47054B2-4216-4314-AE59-6F9A85FD1998}"/>
+              </a:ext>
+            </a:extLst>
+          </p:cNvPr>
+          <p:cNvSpPr/>
+          <p:nvPr/>
+        </p:nvSpPr>
+        <p:spPr>
+          <a:xfrm rot="5400000">
+            <a:off x="6621294" y="668643"/>
+            <a:ext cx="277676" cy="8691088"/>
+          </a:xfrm>
+          <a:prstGeom prst="rightBrace">
+            <a:avLst/>
+          </a:prstGeom>
+          <a:ln w="28575"/>
+        </p:spPr>
+        <p:style>
+          <a:lnRef idx="1">
+            <a:schemeClr val="accent1"/>
+          </a:lnRef>
+          <a:fillRef idx="0">
+            <a:schemeClr val="accent1"/>
+          </a:fillRef>
+          <a:effectRef idx="0">
+            <a:schemeClr val="accent1"/>
+          </a:effectRef>
+          <a:fontRef idx="minor">
+            <a:schemeClr val="tx1"/>
+          </a:fontRef>
+        </p:style>
+        <p:txBody>
+          <a:bodyPr rtlCol="0" anchor="ctr"/>
+          <a:lstStyle/>
+          <a:p>
+            <a:pPr algn="ctr"/>
+            <a:endParaRPr lang="en-US"/>
+          </a:p>
+        </p:txBody>
+      </p:sp>
+      <p:sp>
+        <p:nvSpPr>
+          <p:cNvPr id="8" name="TextBox 7">
+            <a:extLst>
+              <a:ext uri="{FF2B5EF4-FFF2-40B4-BE49-F238E27FC236}">
+                <a16:creationId xmlns:a16="http://schemas.microsoft.com/office/drawing/2014/main" id="{DC3DA3BB-567D-449E-B614-989F3CE2EE85}"/>
+              </a:ext>
+            </a:extLst>
+          </p:cNvPr>
+          <p:cNvSpPr txBox="1"/>
+          <p:nvPr/>
+        </p:nvSpPr>
+        <p:spPr>
+          <a:xfrm>
+            <a:off x="5187754" y="5355872"/>
+            <a:ext cx="3663339" cy="369332"/>
+          </a:xfrm>
+          <a:prstGeom prst="rect">
+            <a:avLst/>
+          </a:prstGeom>
+          <a:noFill/>
+        </p:spPr>
+        <p:txBody>
+          <a:bodyPr wrap="square" rtlCol="0">
+            <a:spAutoFit/>
+          </a:bodyPr>
+          <a:lstStyle/>
+          <a:p>
+            <a:r>
+              <a:rPr lang="en-US" dirty="0"/>
+              <a:t>These values are field-shifted!</a:t>
+            </a:r>
+          </a:p>
+        </p:txBody>
+      </p:sp>
+    </p:spTree>
+    <p:extLst>
+      <p:ext uri="{BB962C8B-B14F-4D97-AF65-F5344CB8AC3E}">
+        <p14:creationId xmlns:p14="http://schemas.microsoft.com/office/powerpoint/2010/main" val="3389152842"/>
+      </p:ext>
+    </p:extLst>
+  </p:cSld>
+  <p:clrMapOvr>
+    <a:masterClrMapping/>
+  </p:clrMapOvr>
+</p:sld>
+</file>
+
+<file path=ppt/slides/slide15.xml><?xml version="1.0" encoding="utf-8"?>
+<p:sld xmlns:a="http://schemas.openxmlformats.org/drawingml/2006/main" xmlns:r="http://schemas.openxmlformats.org/officeDocument/2006/relationships" xmlns:p="http://schemas.openxmlformats.org/presentationml/2006/main">
+  <p:cSld>
+    <p:spTree>
+      <p:nvGrpSpPr>
+        <p:cNvPr id="1" name=""/>
+        <p:cNvGrpSpPr/>
+        <p:nvPr/>
+      </p:nvGrpSpPr>
+      <p:grpSpPr>
+        <a:xfrm>
+          <a:off x="0" y="0"/>
+          <a:ext cx="0" cy="0"/>
+          <a:chOff x="0" y="0"/>
+          <a:chExt cx="0" cy="0"/>
+        </a:xfrm>
+      </p:grpSpPr>
+      <p:sp>
+        <p:nvSpPr>
+          <p:cNvPr id="2" name="Title 1">
+            <a:extLst>
+              <a:ext uri="{FF2B5EF4-FFF2-40B4-BE49-F238E27FC236}">
+                <a16:creationId xmlns:a16="http://schemas.microsoft.com/office/drawing/2014/main" id="{F617B170-8C51-4CE9-ADEA-B8F0931130E1}"/>
+              </a:ext>
+            </a:extLst>
+          </p:cNvPr>
+          <p:cNvSpPr>
+            <a:spLocks noGrp="1"/>
+          </p:cNvSpPr>
+          <p:nvPr>
+            <p:ph type="title"/>
+          </p:nvPr>
+        </p:nvSpPr>
+        <p:spPr>
+          <a:xfrm>
+            <a:off x="1303866" y="332681"/>
+            <a:ext cx="10241280" cy="1234440"/>
+          </a:xfrm>
+        </p:spPr>
+        <p:txBody>
+          <a:bodyPr/>
+          <a:lstStyle/>
+          <a:p>
+            <a:r>
+              <a:rPr lang="en-US" dirty="0"/>
+              <a:t>Lessons learned</a:t>
+            </a:r>
+          </a:p>
+        </p:txBody>
+      </p:sp>
+      <p:sp>
+        <p:nvSpPr>
+          <p:cNvPr id="3" name="Content Placeholder 2">
+            <a:extLst>
+              <a:ext uri="{FF2B5EF4-FFF2-40B4-BE49-F238E27FC236}">
+                <a16:creationId xmlns:a16="http://schemas.microsoft.com/office/drawing/2014/main" id="{5D24522A-DC7F-47E4-8239-0C80702F4782}"/>
+              </a:ext>
+            </a:extLst>
+          </p:cNvPr>
+          <p:cNvSpPr>
+            <a:spLocks noGrp="1"/>
+          </p:cNvSpPr>
+          <p:nvPr>
+            <p:ph idx="1"/>
+          </p:nvPr>
+        </p:nvSpPr>
+        <p:spPr>
+          <a:xfrm>
+            <a:off x="1303866" y="1649416"/>
+            <a:ext cx="10241280" cy="4336161"/>
+          </a:xfrm>
+        </p:spPr>
+        <p:txBody>
+          <a:bodyPr>
+            <a:normAutofit fontScale="92500" lnSpcReduction="10000"/>
+          </a:bodyPr>
+          <a:lstStyle/>
+          <a:p>
+            <a:r>
+              <a:rPr lang="en-US" dirty="0"/>
+              <a:t>DOCUMENT EVERYTHING</a:t>
+            </a:r>
+          </a:p>
+          <a:p>
+            <a:r>
+              <a:rPr lang="en-US" dirty="0"/>
+              <a:t>At least 2 people</a:t>
+            </a:r>
+          </a:p>
+          <a:p>
+            <a:r>
+              <a:rPr lang="en-US" dirty="0"/>
+              <a:t>Mistakes exist on every level</a:t>
+            </a:r>
+          </a:p>
+          <a:p>
+            <a:r>
+              <a:rPr lang="en-US" b="1" dirty="0">
+                <a:solidFill>
+                  <a:schemeClr val="accent1">
+                    <a:lumMod val="60000"/>
+                    <a:lumOff val="40000"/>
+                  </a:schemeClr>
+                </a:solidFill>
+              </a:rPr>
+              <a:t>Build code to last</a:t>
+            </a:r>
+          </a:p>
+          <a:p>
+            <a:pPr lvl="1"/>
+            <a:r>
+              <a:rPr lang="en-US" dirty="0">
+                <a:solidFill>
+                  <a:schemeClr val="accent1">
+                    <a:lumMod val="75000"/>
+                  </a:schemeClr>
+                </a:solidFill>
+              </a:rPr>
+              <a:t>Write code as if you’re going to have to run it again</a:t>
+            </a:r>
+          </a:p>
+          <a:p>
+            <a:pPr lvl="1"/>
+            <a:r>
+              <a:rPr lang="en-US" dirty="0">
+                <a:solidFill>
+                  <a:schemeClr val="accent1">
+                    <a:lumMod val="75000"/>
+                  </a:schemeClr>
+                </a:solidFill>
+              </a:rPr>
+              <a:t>Write code as if SOMEONE ELSE will have to run it next time</a:t>
+            </a:r>
+          </a:p>
+          <a:p>
+            <a:pPr lvl="1"/>
+            <a:r>
+              <a:rPr lang="en-US" dirty="0">
+                <a:solidFill>
+                  <a:schemeClr val="accent1">
+                    <a:lumMod val="75000"/>
+                  </a:schemeClr>
+                </a:solidFill>
+              </a:rPr>
+              <a:t>Minimize cases where you have to manually do anything – anything that CAN be automated SHOULD be automated</a:t>
+            </a:r>
+          </a:p>
+          <a:p>
+            <a:pPr lvl="1"/>
+            <a:r>
+              <a:rPr lang="en-US" dirty="0">
+                <a:solidFill>
+                  <a:schemeClr val="accent1">
+                    <a:lumMod val="75000"/>
+                  </a:schemeClr>
+                </a:solidFill>
+              </a:rPr>
+              <a:t>EXTREMELY CLEAR TABLE AND VARIABLE NAMES</a:t>
+            </a:r>
+          </a:p>
+          <a:p>
+            <a:pPr lvl="1"/>
+            <a:r>
+              <a:rPr lang="en-US" dirty="0">
+                <a:solidFill>
+                  <a:schemeClr val="accent1">
+                    <a:lumMod val="75000"/>
+                  </a:schemeClr>
+                </a:solidFill>
+              </a:rPr>
+              <a:t>Any part of code where someone might not understand why you chose to write it that way requires a comment explaining rationale</a:t>
+            </a:r>
+          </a:p>
+        </p:txBody>
+      </p:sp>
+    </p:spTree>
+    <p:extLst>
+      <p:ext uri="{BB962C8B-B14F-4D97-AF65-F5344CB8AC3E}">
+        <p14:creationId xmlns:p14="http://schemas.microsoft.com/office/powerpoint/2010/main" val="18028095"/>
+      </p:ext>
+    </p:extLst>
+  </p:cSld>
+  <p:clrMapOvr>
+    <a:masterClrMapping/>
+  </p:clrMapOvr>
+</p:sld>
+</file>
+
+<file path=ppt/slides/slide16.xml><?xml version="1.0" encoding="utf-8"?>
+<p:sld xmlns:a="http://schemas.openxmlformats.org/drawingml/2006/main" xmlns:r="http://schemas.openxmlformats.org/officeDocument/2006/relationships" xmlns:p="http://schemas.openxmlformats.org/presentationml/2006/main">
+  <p:cSld>
+    <p:spTree>
+      <p:nvGrpSpPr>
+        <p:cNvPr id="1" name=""/>
+        <p:cNvGrpSpPr/>
+        <p:nvPr/>
+      </p:nvGrpSpPr>
+      <p:grpSpPr>
+        <a:xfrm>
+          <a:off x="0" y="0"/>
+          <a:ext cx="0" cy="0"/>
+          <a:chOff x="0" y="0"/>
+          <a:chExt cx="0" cy="0"/>
+        </a:xfrm>
+      </p:grpSpPr>
+      <p:sp>
+        <p:nvSpPr>
+          <p:cNvPr id="2" name="Title 1">
+            <a:extLst>
+              <a:ext uri="{FF2B5EF4-FFF2-40B4-BE49-F238E27FC236}">
+                <a16:creationId xmlns:a16="http://schemas.microsoft.com/office/drawing/2014/main" id="{F617B170-8C51-4CE9-ADEA-B8F0931130E1}"/>
+              </a:ext>
+            </a:extLst>
+          </p:cNvPr>
+          <p:cNvSpPr>
+            <a:spLocks noGrp="1"/>
+          </p:cNvSpPr>
+          <p:nvPr>
+            <p:ph type="title"/>
+          </p:nvPr>
+        </p:nvSpPr>
+        <p:spPr>
+          <a:xfrm>
+            <a:off x="4148667" y="2026017"/>
+            <a:ext cx="3894666" cy="1234440"/>
+          </a:xfrm>
+        </p:spPr>
+        <p:txBody>
+          <a:bodyPr/>
+          <a:lstStyle/>
+          <a:p>
+            <a:r>
+              <a:rPr lang="en-US" dirty="0"/>
+              <a:t>DISCUSSION</a:t>
+            </a:r>
+          </a:p>
+        </p:txBody>
+      </p:sp>
+    </p:spTree>
+    <p:extLst>
+      <p:ext uri="{BB962C8B-B14F-4D97-AF65-F5344CB8AC3E}">
+        <p14:creationId xmlns:p14="http://schemas.microsoft.com/office/powerpoint/2010/main" val="2498599427"/>
+      </p:ext>
+    </p:extLst>
+  </p:cSld>
+  <p:clrMapOvr>
+    <a:masterClrMapping/>
+  </p:clrMapOvr>
+</p:sld>
+</file>
+
+<file path=ppt/slides/slide17.xml><?xml version="1.0" encoding="utf-8"?>
+<p:sld xmlns:a="http://schemas.openxmlformats.org/drawingml/2006/main" xmlns:r="http://schemas.openxmlformats.org/officeDocument/2006/relationships" xmlns:p="http://schemas.openxmlformats.org/presentationml/2006/main">
+  <p:cSld>
+    <p:spTree>
+      <p:nvGrpSpPr>
+        <p:cNvPr id="1" name=""/>
+        <p:cNvGrpSpPr/>
+        <p:nvPr/>
+      </p:nvGrpSpPr>
+      <p:grpSpPr>
+        <a:xfrm>
+          <a:off x="0" y="0"/>
+          <a:ext cx="0" cy="0"/>
+          <a:chOff x="0" y="0"/>
+          <a:chExt cx="0" cy="0"/>
+        </a:xfrm>
+      </p:grpSpPr>
+      <p:sp>
+        <p:nvSpPr>
+          <p:cNvPr id="4" name="Title 3">
+            <a:extLst>
+              <a:ext uri="{FF2B5EF4-FFF2-40B4-BE49-F238E27FC236}">
+                <a16:creationId xmlns:a16="http://schemas.microsoft.com/office/drawing/2014/main" id="{03319D42-247E-4BFB-A24E-FB9C76917492}"/>
+              </a:ext>
+            </a:extLst>
+          </p:cNvPr>
+          <p:cNvSpPr>
+            <a:spLocks noGrp="1"/>
+          </p:cNvSpPr>
+          <p:nvPr>
+            <p:ph type="title"/>
+          </p:nvPr>
+        </p:nvSpPr>
+        <p:spPr>
+          <a:xfrm>
+            <a:off x="4605867" y="366551"/>
+            <a:ext cx="6905413" cy="1234440"/>
+          </a:xfrm>
+        </p:spPr>
+        <p:txBody>
+          <a:bodyPr/>
+          <a:lstStyle/>
+          <a:p>
+            <a:r>
+              <a:rPr lang="en-US" dirty="0"/>
+              <a:t>Data validity</a:t>
+            </a:r>
+          </a:p>
+        </p:txBody>
+      </p:sp>
+      <p:pic>
+        <p:nvPicPr>
+          <p:cNvPr id="6" name="Picture 5">
+            <a:extLst>
+              <a:ext uri="{FF2B5EF4-FFF2-40B4-BE49-F238E27FC236}">
+                <a16:creationId xmlns:a16="http://schemas.microsoft.com/office/drawing/2014/main" id="{A2DCE0D8-D1FE-4FB4-8E90-9663A4565A59}"/>
+              </a:ext>
+            </a:extLst>
+          </p:cNvPr>
+          <p:cNvPicPr>
+            <a:picLocks noChangeAspect="1"/>
+          </p:cNvPicPr>
+          <p:nvPr/>
+        </p:nvPicPr>
+        <p:blipFill>
+          <a:blip r:embed="rId2"/>
+          <a:stretch>
+            <a:fillRect/>
+          </a:stretch>
+        </p:blipFill>
+        <p:spPr>
+          <a:xfrm>
+            <a:off x="299281" y="0"/>
+            <a:ext cx="3668638" cy="6858000"/>
+          </a:xfrm>
+          <a:prstGeom prst="rect">
+            <a:avLst/>
+          </a:prstGeom>
+        </p:spPr>
+      </p:pic>
+      <p:sp>
+        <p:nvSpPr>
+          <p:cNvPr id="7" name="TextBox 6">
+            <a:extLst>
+              <a:ext uri="{FF2B5EF4-FFF2-40B4-BE49-F238E27FC236}">
+                <a16:creationId xmlns:a16="http://schemas.microsoft.com/office/drawing/2014/main" id="{09B58D36-3A72-48EC-BC50-78D599DB40E4}"/>
+              </a:ext>
+            </a:extLst>
+          </p:cNvPr>
+          <p:cNvSpPr txBox="1"/>
+          <p:nvPr/>
+        </p:nvSpPr>
+        <p:spPr>
+          <a:xfrm>
+            <a:off x="4605867" y="1912582"/>
+            <a:ext cx="5452533" cy="1200329"/>
+          </a:xfrm>
+          <a:prstGeom prst="rect">
+            <a:avLst/>
+          </a:prstGeom>
+          <a:noFill/>
+        </p:spPr>
+        <p:txBody>
+          <a:bodyPr wrap="square" rtlCol="0">
+            <a:spAutoFit/>
+          </a:bodyPr>
+          <a:lstStyle/>
+          <a:p>
+            <a:r>
+              <a:rPr lang="en-US" dirty="0"/>
+              <a:t>We didn’t do this in a systematic manner for DW but I did also take a look at lengths of incoming data to get an idea of what the valid range is supposed to be</a:t>
+            </a:r>
+          </a:p>
+        </p:txBody>
+      </p:sp>
+    </p:spTree>
+    <p:extLst>
+      <p:ext uri="{BB962C8B-B14F-4D97-AF65-F5344CB8AC3E}">
+        <p14:creationId xmlns:p14="http://schemas.microsoft.com/office/powerpoint/2010/main" val="3173018415"/>
       </p:ext>
     </p:extLst>
   </p:cSld>
@@ -4052,6 +6409,171 @@
       </p:grpSpPr>
       <p:sp>
         <p:nvSpPr>
+          <p:cNvPr id="4" name="Rectangle 3">
+            <a:extLst>
+              <a:ext uri="{FF2B5EF4-FFF2-40B4-BE49-F238E27FC236}">
+                <a16:creationId xmlns:a16="http://schemas.microsoft.com/office/drawing/2014/main" id="{22941AC7-E16D-4D66-A5AE-B78BC0752CF7}"/>
+              </a:ext>
+            </a:extLst>
+          </p:cNvPr>
+          <p:cNvSpPr/>
+          <p:nvPr/>
+        </p:nvSpPr>
+        <p:spPr>
+          <a:xfrm>
+            <a:off x="-112889" y="0"/>
+            <a:ext cx="4120445" cy="6412089"/>
+          </a:xfrm>
+          <a:prstGeom prst="rect">
+            <a:avLst/>
+          </a:prstGeom>
+          <a:solidFill>
+            <a:schemeClr val="accent1">
+              <a:lumMod val="20000"/>
+              <a:lumOff val="80000"/>
+            </a:schemeClr>
+          </a:solidFill>
+          <a:ln>
+            <a:noFill/>
+          </a:ln>
+        </p:spPr>
+        <p:style>
+          <a:lnRef idx="2">
+            <a:schemeClr val="accent1">
+              <a:shade val="50000"/>
+            </a:schemeClr>
+          </a:lnRef>
+          <a:fillRef idx="1">
+            <a:schemeClr val="accent1"/>
+          </a:fillRef>
+          <a:effectRef idx="0">
+            <a:schemeClr val="accent1"/>
+          </a:effectRef>
+          <a:fontRef idx="minor">
+            <a:schemeClr val="lt1"/>
+          </a:fontRef>
+        </p:style>
+        <p:txBody>
+          <a:bodyPr rtlCol="0" anchor="ctr"/>
+          <a:lstStyle/>
+          <a:p>
+            <a:pPr algn="ctr"/>
+            <a:endParaRPr lang="en-US"/>
+          </a:p>
+        </p:txBody>
+      </p:sp>
+      <p:sp>
+        <p:nvSpPr>
+          <p:cNvPr id="5" name="Rectangle 4">
+            <a:extLst>
+              <a:ext uri="{FF2B5EF4-FFF2-40B4-BE49-F238E27FC236}">
+                <a16:creationId xmlns:a16="http://schemas.microsoft.com/office/drawing/2014/main" id="{6B92C2F9-F511-4531-8650-71B2FBBD5FFE}"/>
+              </a:ext>
+            </a:extLst>
+          </p:cNvPr>
+          <p:cNvSpPr/>
+          <p:nvPr/>
+        </p:nvSpPr>
+        <p:spPr>
+          <a:xfrm>
+            <a:off x="4007556" y="0"/>
+            <a:ext cx="4120445" cy="6412089"/>
+          </a:xfrm>
+          <a:prstGeom prst="rect">
+            <a:avLst/>
+          </a:prstGeom>
+          <a:solidFill>
+            <a:schemeClr val="accent1">
+              <a:lumMod val="40000"/>
+              <a:lumOff val="60000"/>
+            </a:schemeClr>
+          </a:solidFill>
+          <a:ln>
+            <a:noFill/>
+          </a:ln>
+        </p:spPr>
+        <p:style>
+          <a:lnRef idx="2">
+            <a:schemeClr val="accent1">
+              <a:shade val="50000"/>
+            </a:schemeClr>
+          </a:lnRef>
+          <a:fillRef idx="1">
+            <a:schemeClr val="accent1"/>
+          </a:fillRef>
+          <a:effectRef idx="0">
+            <a:schemeClr val="accent1"/>
+          </a:effectRef>
+          <a:fontRef idx="minor">
+            <a:schemeClr val="lt1"/>
+          </a:fontRef>
+        </p:style>
+        <p:txBody>
+          <a:bodyPr rtlCol="0" anchor="ctr"/>
+          <a:lstStyle/>
+          <a:p>
+            <a:pPr algn="ctr"/>
+            <a:endParaRPr lang="en-US" dirty="0"/>
+          </a:p>
+        </p:txBody>
+      </p:sp>
+      <p:sp>
+        <p:nvSpPr>
+          <p:cNvPr id="6" name="Rectangle 5">
+            <a:extLst>
+              <a:ext uri="{FF2B5EF4-FFF2-40B4-BE49-F238E27FC236}">
+                <a16:creationId xmlns:a16="http://schemas.microsoft.com/office/drawing/2014/main" id="{20755967-F669-44D2-A407-AD2A5E1D92C3}"/>
+              </a:ext>
+            </a:extLst>
+          </p:cNvPr>
+          <p:cNvSpPr/>
+          <p:nvPr/>
+        </p:nvSpPr>
+        <p:spPr>
+          <a:xfrm>
+            <a:off x="8128001" y="0"/>
+            <a:ext cx="4120445" cy="6412089"/>
+          </a:xfrm>
+          <a:prstGeom prst="rect">
+            <a:avLst/>
+          </a:prstGeom>
+          <a:solidFill>
+            <a:schemeClr val="accent1">
+              <a:lumMod val="60000"/>
+              <a:lumOff val="40000"/>
+            </a:schemeClr>
+          </a:solidFill>
+          <a:ln>
+            <a:noFill/>
+          </a:ln>
+        </p:spPr>
+        <p:style>
+          <a:lnRef idx="2">
+            <a:schemeClr val="accent1">
+              <a:shade val="50000"/>
+            </a:schemeClr>
+          </a:lnRef>
+          <a:fillRef idx="1">
+            <a:schemeClr val="accent1"/>
+          </a:fillRef>
+          <a:effectRef idx="0">
+            <a:schemeClr val="accent1"/>
+          </a:effectRef>
+          <a:fontRef idx="minor">
+            <a:schemeClr val="lt1"/>
+          </a:fontRef>
+        </p:style>
+        <p:txBody>
+          <a:bodyPr rtlCol="0" anchor="ctr"/>
+          <a:lstStyle/>
+          <a:p>
+            <a:pPr algn="ctr"/>
+            <a:endParaRPr lang="en-US"/>
+          </a:p>
+        </p:txBody>
+      </p:sp>
+      <p:sp>
+        <p:nvSpPr>
           <p:cNvPr id="2" name="Title 1">
             <a:extLst>
               <a:ext uri="{FF2B5EF4-FFF2-40B4-BE49-F238E27FC236}">
@@ -4066,11 +6588,17 @@
             <p:ph type="title"/>
           </p:nvPr>
         </p:nvSpPr>
-        <p:spPr/>
-        <p:txBody>
-          <a:bodyPr/>
-          <a:lstStyle/>
-          <a:p>
+        <p:spPr>
+          <a:xfrm>
+            <a:off x="694267" y="1959638"/>
+            <a:ext cx="2873022" cy="675301"/>
+          </a:xfrm>
+        </p:spPr>
+        <p:txBody>
+          <a:bodyPr anchor="ctr"/>
+          <a:lstStyle/>
+          <a:p>
+            <a:pPr algn="ctr"/>
             <a:r>
               <a:rPr lang="en-US" dirty="0"/>
               <a:t>Method</a:t>
@@ -4080,41 +6608,120 @@
       </p:sp>
       <p:sp>
         <p:nvSpPr>
-          <p:cNvPr id="3" name="Content Placeholder 2">
-            <a:extLst>
-              <a:ext uri="{FF2B5EF4-FFF2-40B4-BE49-F238E27FC236}">
-                <a16:creationId xmlns:a16="http://schemas.microsoft.com/office/drawing/2014/main" id="{5D24522A-DC7F-47E4-8239-0C80702F4782}"/>
-              </a:ext>
-            </a:extLst>
-          </p:cNvPr>
-          <p:cNvSpPr>
-            <a:spLocks noGrp="1"/>
-          </p:cNvSpPr>
-          <p:nvPr>
-            <p:ph idx="1"/>
-          </p:nvPr>
-        </p:nvSpPr>
-        <p:spPr/>
-        <p:txBody>
-          <a:bodyPr/>
-          <a:lstStyle/>
-          <a:p>
+          <p:cNvPr id="9" name="Title 1">
+            <a:extLst>
+              <a:ext uri="{FF2B5EF4-FFF2-40B4-BE49-F238E27FC236}">
+                <a16:creationId xmlns:a16="http://schemas.microsoft.com/office/drawing/2014/main" id="{4B6E8BD5-C800-4526-AED5-4616139F6222}"/>
+              </a:ext>
+            </a:extLst>
+          </p:cNvPr>
+          <p:cNvSpPr txBox="1">
+            <a:spLocks/>
+          </p:cNvSpPr>
+          <p:nvPr/>
+        </p:nvSpPr>
+        <p:spPr>
+          <a:xfrm>
+            <a:off x="4814712" y="1591733"/>
+            <a:ext cx="2873022" cy="1411111"/>
+          </a:xfrm>
+          <a:prstGeom prst="rect">
+            <a:avLst/>
+          </a:prstGeom>
+        </p:spPr>
+        <p:txBody>
+          <a:bodyPr vert="horz" lIns="0" tIns="0" rIns="0" bIns="0" rtlCol="0" anchor="ctr">
+            <a:normAutofit/>
+          </a:bodyPr>
+          <a:lstStyle>
+            <a:lvl1pPr algn="l" defTabSz="914400" rtl="0" eaLnBrk="1" latinLnBrk="0" hangingPunct="1">
+              <a:lnSpc>
+                <a:spcPct val="100000"/>
+              </a:lnSpc>
+              <a:spcBef>
+                <a:spcPct val="0"/>
+              </a:spcBef>
+              <a:buNone/>
+              <a:defRPr sz="3600" b="1" i="0" kern="1200" cap="all" spc="700" baseline="0">
+                <a:solidFill>
+                  <a:schemeClr val="tx1"/>
+                </a:solidFill>
+                <a:latin typeface="+mj-lt"/>
+                <a:ea typeface="+mj-ea"/>
+                <a:cs typeface="+mj-cs"/>
+              </a:defRPr>
+            </a:lvl1pPr>
+          </a:lstStyle>
+          <a:p>
+            <a:pPr algn="ctr"/>
             <a:r>
               <a:rPr lang="en-US" dirty="0"/>
-              <a:t>Check raw row counts</a:t>
-            </a:r>
-          </a:p>
-          <a:p>
-            <a:r>
-              <a:rPr lang="en-US" dirty="0"/>
-              <a:t>Check distinct key counts</a:t>
-            </a:r>
-          </a:p>
-          <a:p>
-            <a:r>
-              <a:rPr lang="en-US" dirty="0"/>
-              <a:t>Spot-check individual values</a:t>
-            </a:r>
+              <a:t>Lessons learned</a:t>
+            </a:r>
+          </a:p>
+        </p:txBody>
+      </p:sp>
+      <p:sp>
+        <p:nvSpPr>
+          <p:cNvPr id="10" name="Title 1">
+            <a:extLst>
+              <a:ext uri="{FF2B5EF4-FFF2-40B4-BE49-F238E27FC236}">
+                <a16:creationId xmlns:a16="http://schemas.microsoft.com/office/drawing/2014/main" id="{A31E505A-3275-4A6B-B88E-743DC8AD89E8}"/>
+              </a:ext>
+            </a:extLst>
+          </p:cNvPr>
+          <p:cNvSpPr txBox="1">
+            <a:spLocks/>
+          </p:cNvSpPr>
+          <p:nvPr/>
+        </p:nvSpPr>
+        <p:spPr>
+          <a:xfrm>
+            <a:off x="9160932" y="1715910"/>
+            <a:ext cx="2336801" cy="1162757"/>
+          </a:xfrm>
+          <a:prstGeom prst="rect">
+            <a:avLst/>
+          </a:prstGeom>
+        </p:spPr>
+        <p:txBody>
+          <a:bodyPr vert="horz" lIns="0" tIns="0" rIns="0" bIns="0" rtlCol="0" anchor="ctr">
+            <a:normAutofit/>
+          </a:bodyPr>
+          <a:lstStyle>
+            <a:lvl1pPr algn="l" defTabSz="914400" rtl="0" eaLnBrk="1" latinLnBrk="0" hangingPunct="1">
+              <a:lnSpc>
+                <a:spcPct val="100000"/>
+              </a:lnSpc>
+              <a:spcBef>
+                <a:spcPct val="0"/>
+              </a:spcBef>
+              <a:buNone/>
+              <a:defRPr sz="3600" b="1" i="0" kern="1200" cap="all" spc="700" baseline="0">
+                <a:solidFill>
+                  <a:schemeClr val="tx1"/>
+                </a:solidFill>
+                <a:latin typeface="+mj-lt"/>
+                <a:ea typeface="+mj-ea"/>
+                <a:cs typeface="+mj-cs"/>
+              </a:defRPr>
+            </a:lvl1pPr>
+          </a:lstStyle>
+          <a:p>
+            <a:pPr algn="ctr"/>
+            <a:r>
+              <a:rPr lang="en-US" dirty="0" err="1"/>
+              <a:t>qa</a:t>
+            </a:r>
+            <a:endParaRPr lang="en-US" dirty="0"/>
+          </a:p>
+          <a:p>
+            <a:pPr algn="ctr"/>
+            <a:r>
+              <a:rPr lang="en-US" dirty="0" err="1"/>
+              <a:t>Q&amp;a</a:t>
+            </a:r>
+            <a:endParaRPr lang="en-US" dirty="0"/>
           </a:p>
         </p:txBody>
       </p:sp>
@@ -4148,167 +6755,233 @@
           <a:chExt cx="0" cy="0"/>
         </a:xfrm>
       </p:grpSpPr>
+      <p:sp>
+        <p:nvSpPr>
+          <p:cNvPr id="2" name="Title 1">
+            <a:extLst>
+              <a:ext uri="{FF2B5EF4-FFF2-40B4-BE49-F238E27FC236}">
+                <a16:creationId xmlns:a16="http://schemas.microsoft.com/office/drawing/2014/main" id="{F617B170-8C51-4CE9-ADEA-B8F0931130E1}"/>
+              </a:ext>
+            </a:extLst>
+          </p:cNvPr>
+          <p:cNvSpPr>
+            <a:spLocks noGrp="1"/>
+          </p:cNvSpPr>
+          <p:nvPr>
+            <p:ph type="title"/>
+          </p:nvPr>
+        </p:nvSpPr>
+        <p:spPr>
+          <a:xfrm>
+            <a:off x="1107193" y="434284"/>
+            <a:ext cx="10241280" cy="751050"/>
+          </a:xfrm>
+        </p:spPr>
+        <p:txBody>
+          <a:bodyPr/>
+          <a:lstStyle/>
+          <a:p>
+            <a:r>
+              <a:rPr lang="en-US" dirty="0"/>
+              <a:t>Goal:</a:t>
+            </a:r>
+          </a:p>
+        </p:txBody>
+      </p:sp>
       <p:pic>
         <p:nvPicPr>
-          <p:cNvPr id="5" name="Content Placeholder 4">
-            <a:extLst>
-              <a:ext uri="{FF2B5EF4-FFF2-40B4-BE49-F238E27FC236}">
-                <a16:creationId xmlns:a16="http://schemas.microsoft.com/office/drawing/2014/main" id="{90693AA0-BF2A-481F-9E65-F7F23FF2ECA7}"/>
+          <p:cNvPr id="2050" name="Picture 2" descr="Csv - Free files and folders icons">
+            <a:extLst>
+              <a:ext uri="{FF2B5EF4-FFF2-40B4-BE49-F238E27FC236}">
+                <a16:creationId xmlns:a16="http://schemas.microsoft.com/office/drawing/2014/main" id="{8ACE8D96-5188-4BA1-BBF7-6D5F6A7D62F0}"/>
               </a:ext>
             </a:extLst>
           </p:cNvPr>
           <p:cNvPicPr>
-            <a:picLocks noGrp="1" noChangeAspect="1"/>
+            <a:picLocks noChangeAspect="1" noChangeArrowheads="1"/>
           </p:cNvPicPr>
-          <p:nvPr>
-            <p:ph idx="1"/>
-          </p:nvPr>
+          <p:nvPr/>
         </p:nvPicPr>
         <p:blipFill>
-          <a:blip r:embed="rId2"/>
+          <a:blip r:embed="rId3">
+            <a:extLst>
+              <a:ext uri="{28A0092B-C50C-407E-A947-70E740481C1C}">
+                <a14:useLocalDpi xmlns:a14="http://schemas.microsoft.com/office/drawing/2010/main" val="0"/>
+              </a:ext>
+            </a:extLst>
+          </a:blip>
+          <a:srcRect/>
           <a:stretch>
             <a:fillRect/>
           </a:stretch>
         </p:blipFill>
-        <p:spPr>
+        <p:spPr bwMode="auto">
           <a:xfrm>
-            <a:off x="209257" y="169863"/>
-            <a:ext cx="8802044" cy="6126162"/>
-          </a:xfrm>
-        </p:spPr>
-      </p:pic>
-      <p:sp>
-        <p:nvSpPr>
-          <p:cNvPr id="6" name="Rectangle 5">
-            <a:extLst>
-              <a:ext uri="{FF2B5EF4-FFF2-40B4-BE49-F238E27FC236}">
-                <a16:creationId xmlns:a16="http://schemas.microsoft.com/office/drawing/2014/main" id="{9DCD6416-28D5-4A6F-B915-373E6B58F826}"/>
-              </a:ext>
-            </a:extLst>
-          </p:cNvPr>
-          <p:cNvSpPr/>
-          <p:nvPr/>
-        </p:nvSpPr>
-        <p:spPr>
-          <a:xfrm>
-            <a:off x="605623" y="1481617"/>
-            <a:ext cx="5490377" cy="1642573"/>
+            <a:off x="1491068" y="1941064"/>
+            <a:ext cx="1099302" cy="1099302"/>
           </a:xfrm>
           <a:prstGeom prst="rect">
             <a:avLst/>
           </a:prstGeom>
           <a:noFill/>
-          <a:ln w="19050">
-            <a:solidFill>
-              <a:schemeClr val="accent5"/>
-            </a:solidFill>
-          </a:ln>
-        </p:spPr>
-        <p:style>
-          <a:lnRef idx="2">
-            <a:schemeClr val="accent1">
-              <a:shade val="50000"/>
-            </a:schemeClr>
-          </a:lnRef>
-          <a:fillRef idx="1">
-            <a:schemeClr val="accent1"/>
-          </a:fillRef>
-          <a:effectRef idx="0">
-            <a:schemeClr val="accent1"/>
-          </a:effectRef>
-          <a:fontRef idx="minor">
-            <a:schemeClr val="lt1"/>
-          </a:fontRef>
-        </p:style>
-        <p:txBody>
-          <a:bodyPr rtlCol="0" anchor="ctr"/>
-          <a:lstStyle/>
-          <a:p>
-            <a:pPr algn="ctr"/>
-            <a:endParaRPr lang="en-US"/>
-          </a:p>
-        </p:txBody>
-      </p:sp>
-      <p:cxnSp>
-        <p:nvCxnSpPr>
-          <p:cNvPr id="7" name="Straight Connector 6">
-            <a:extLst>
-              <a:ext uri="{FF2B5EF4-FFF2-40B4-BE49-F238E27FC236}">
-                <a16:creationId xmlns:a16="http://schemas.microsoft.com/office/drawing/2014/main" id="{D0A07AB3-88A7-492F-BC96-04FEE636642C}"/>
-              </a:ext>
-            </a:extLst>
-          </p:cNvPr>
-          <p:cNvCxnSpPr>
-            <a:cxnSpLocks/>
-          </p:cNvCxnSpPr>
+          <a:extLst>
+            <a:ext uri="{909E8E84-426E-40DD-AFC4-6F175D3DCCD1}">
+              <a14:hiddenFill xmlns:a14="http://schemas.microsoft.com/office/drawing/2010/main">
+                <a:solidFill>
+                  <a:srgbClr val="FFFFFF"/>
+                </a:solidFill>
+              </a14:hiddenFill>
+            </a:ext>
+          </a:extLst>
+        </p:spPr>
+      </p:pic>
+      <p:pic>
+        <p:nvPicPr>
+          <p:cNvPr id="2052" name="Picture 4" descr="SQL Database (Generic)&quot; Icon - Download for free – Iconduck">
+            <a:extLst>
+              <a:ext uri="{FF2B5EF4-FFF2-40B4-BE49-F238E27FC236}">
+                <a16:creationId xmlns:a16="http://schemas.microsoft.com/office/drawing/2014/main" id="{F4E41481-0A84-49E9-909E-5B61B5D5C4EA}"/>
+              </a:ext>
+            </a:extLst>
+          </p:cNvPr>
+          <p:cNvPicPr>
+            <a:picLocks noChangeAspect="1" noChangeArrowheads="1"/>
+          </p:cNvPicPr>
           <p:nvPr/>
-        </p:nvCxnSpPr>
-        <p:spPr>
-          <a:xfrm flipV="1">
-            <a:off x="6096000" y="1646401"/>
-            <a:ext cx="542925" cy="1"/>
-          </a:xfrm>
-          <a:prstGeom prst="line">
-            <a:avLst/>
-          </a:prstGeom>
-          <a:ln w="19050"/>
-        </p:spPr>
-        <p:style>
-          <a:lnRef idx="1">
-            <a:schemeClr val="accent5"/>
-          </a:lnRef>
-          <a:fillRef idx="0">
-            <a:schemeClr val="accent5"/>
-          </a:fillRef>
-          <a:effectRef idx="0">
-            <a:schemeClr val="accent5"/>
-          </a:effectRef>
-          <a:fontRef idx="minor">
-            <a:schemeClr val="tx1"/>
-          </a:fontRef>
-        </p:style>
-      </p:cxnSp>
-      <p:sp>
-        <p:nvSpPr>
-          <p:cNvPr id="13" name="TextBox 12">
-            <a:extLst>
-              <a:ext uri="{FF2B5EF4-FFF2-40B4-BE49-F238E27FC236}">
-                <a16:creationId xmlns:a16="http://schemas.microsoft.com/office/drawing/2014/main" id="{36F994A5-96BB-43E2-A1A0-80776405E8A0}"/>
-              </a:ext>
-            </a:extLst>
-          </p:cNvPr>
-          <p:cNvSpPr txBox="1"/>
-          <p:nvPr/>
-        </p:nvSpPr>
-        <p:spPr>
+        </p:nvPicPr>
+        <p:blipFill>
+          <a:blip r:embed="rId4">
+            <a:extLst>
+              <a:ext uri="{28A0092B-C50C-407E-A947-70E740481C1C}">
+                <a14:useLocalDpi xmlns:a14="http://schemas.microsoft.com/office/drawing/2010/main" val="0"/>
+              </a:ext>
+            </a:extLst>
+          </a:blip>
+          <a:srcRect/>
+          <a:stretch>
+            <a:fillRect/>
+          </a:stretch>
+        </p:blipFill>
+        <p:spPr bwMode="auto">
           <a:xfrm>
-            <a:off x="9554226" y="238809"/>
-            <a:ext cx="2428517" cy="646331"/>
+            <a:off x="4440977" y="2443953"/>
+            <a:ext cx="1838325" cy="2486025"/>
           </a:xfrm>
           <a:prstGeom prst="rect">
             <a:avLst/>
           </a:prstGeom>
           <a:noFill/>
-        </p:spPr>
-        <p:txBody>
-          <a:bodyPr wrap="square" rtlCol="0">
-            <a:spAutoFit/>
-          </a:bodyPr>
-          <a:lstStyle/>
-          <a:p>
-            <a:r>
-              <a:rPr lang="en-US" dirty="0"/>
-              <a:t>What’s being counted and runtime</a:t>
-            </a:r>
-          </a:p>
-        </p:txBody>
-      </p:sp>
+          <a:extLst>
+            <a:ext uri="{909E8E84-426E-40DD-AFC4-6F175D3DCCD1}">
+              <a14:hiddenFill xmlns:a14="http://schemas.microsoft.com/office/drawing/2010/main">
+                <a:solidFill>
+                  <a:srgbClr val="FFFFFF"/>
+                </a:solidFill>
+              </a14:hiddenFill>
+            </a:ext>
+          </a:extLst>
+        </p:spPr>
+      </p:pic>
+      <p:pic>
+        <p:nvPicPr>
+          <p:cNvPr id="2054" name="Picture 6" descr="SAS Software (@SASsoftware) / Twitter">
+            <a:extLst>
+              <a:ext uri="{FF2B5EF4-FFF2-40B4-BE49-F238E27FC236}">
+                <a16:creationId xmlns:a16="http://schemas.microsoft.com/office/drawing/2014/main" id="{0E523786-82FF-4159-A988-C8DA9303DAC2}"/>
+              </a:ext>
+            </a:extLst>
+          </p:cNvPr>
+          <p:cNvPicPr>
+            <a:picLocks noChangeAspect="1" noChangeArrowheads="1"/>
+          </p:cNvPicPr>
+          <p:nvPr/>
+        </p:nvPicPr>
+        <p:blipFill>
+          <a:blip r:embed="rId5">
+            <a:extLst>
+              <a:ext uri="{28A0092B-C50C-407E-A947-70E740481C1C}">
+                <a14:useLocalDpi xmlns:a14="http://schemas.microsoft.com/office/drawing/2010/main" val="0"/>
+              </a:ext>
+            </a:extLst>
+          </a:blip>
+          <a:srcRect/>
+          <a:stretch>
+            <a:fillRect/>
+          </a:stretch>
+        </p:blipFill>
+        <p:spPr bwMode="auto">
+          <a:xfrm>
+            <a:off x="1576209" y="3186639"/>
+            <a:ext cx="870695" cy="870695"/>
+          </a:xfrm>
+          <a:prstGeom prst="rect">
+            <a:avLst/>
+          </a:prstGeom>
+          <a:noFill/>
+          <a:extLst>
+            <a:ext uri="{909E8E84-426E-40DD-AFC4-6F175D3DCCD1}">
+              <a14:hiddenFill xmlns:a14="http://schemas.microsoft.com/office/drawing/2010/main">
+                <a:solidFill>
+                  <a:srgbClr val="FFFFFF"/>
+                </a:solidFill>
+              </a14:hiddenFill>
+            </a:ext>
+          </a:extLst>
+        </p:spPr>
+      </p:pic>
+      <p:pic>
+        <p:nvPicPr>
+          <p:cNvPr id="2056" name="Picture 8" descr="Txt text file extension symbol - Free interface icons">
+            <a:extLst>
+              <a:ext uri="{FF2B5EF4-FFF2-40B4-BE49-F238E27FC236}">
+                <a16:creationId xmlns:a16="http://schemas.microsoft.com/office/drawing/2014/main" id="{9FA5FDFD-133A-4D51-908B-68A03D7693ED}"/>
+              </a:ext>
+            </a:extLst>
+          </p:cNvPr>
+          <p:cNvPicPr>
+            <a:picLocks noChangeAspect="1" noChangeArrowheads="1"/>
+          </p:cNvPicPr>
+          <p:nvPr/>
+        </p:nvPicPr>
+        <p:blipFill>
+          <a:blip r:embed="rId6">
+            <a:extLst>
+              <a:ext uri="{28A0092B-C50C-407E-A947-70E740481C1C}">
+                <a14:useLocalDpi xmlns:a14="http://schemas.microsoft.com/office/drawing/2010/main" val="0"/>
+              </a:ext>
+            </a:extLst>
+          </a:blip>
+          <a:srcRect/>
+          <a:stretch>
+            <a:fillRect/>
+          </a:stretch>
+        </p:blipFill>
+        <p:spPr bwMode="auto">
+          <a:xfrm>
+            <a:off x="1546059" y="4251047"/>
+            <a:ext cx="989320" cy="989320"/>
+          </a:xfrm>
+          <a:prstGeom prst="rect">
+            <a:avLst/>
+          </a:prstGeom>
+          <a:noFill/>
+          <a:extLst>
+            <a:ext uri="{909E8E84-426E-40DD-AFC4-6F175D3DCCD1}">
+              <a14:hiddenFill xmlns:a14="http://schemas.microsoft.com/office/drawing/2010/main">
+                <a:solidFill>
+                  <a:srgbClr val="FFFFFF"/>
+                </a:solidFill>
+              </a14:hiddenFill>
+            </a:ext>
+          </a:extLst>
+        </p:spPr>
+      </p:pic>
       <p:cxnSp>
         <p:nvCxnSpPr>
-          <p:cNvPr id="17" name="Straight Connector 16">
-            <a:extLst>
-              <a:ext uri="{FF2B5EF4-FFF2-40B4-BE49-F238E27FC236}">
-                <a16:creationId xmlns:a16="http://schemas.microsoft.com/office/drawing/2014/main" id="{CA6D6F9E-BB93-40A7-857E-D5F61BEC65C2}"/>
+          <p:cNvPr id="7" name="Straight Arrow Connector 6">
+            <a:extLst>
+              <a:ext uri="{FF2B5EF4-FFF2-40B4-BE49-F238E27FC236}">
+                <a16:creationId xmlns:a16="http://schemas.microsoft.com/office/drawing/2014/main" id="{95C55F9B-31E0-442C-BEE3-E44C66449B47}"/>
               </a:ext>
             </a:extLst>
           </p:cNvPr>
@@ -4319,13 +6992,15 @@
         </p:nvCxnSpPr>
         <p:spPr>
           <a:xfrm>
-            <a:off x="6638925" y="561975"/>
-            <a:ext cx="1" cy="1084426"/>
-          </a:xfrm>
-          <a:prstGeom prst="line">
+            <a:off x="2613547" y="2757752"/>
+            <a:ext cx="1265465" cy="428887"/>
+          </a:xfrm>
+          <a:prstGeom prst="straightConnector1">
             <a:avLst/>
           </a:prstGeom>
-          <a:ln w="19050"/>
+          <a:ln w="28575">
+            <a:tailEnd type="triangle"/>
+          </a:ln>
         </p:spPr>
         <p:style>
           <a:lnRef idx="1">
@@ -4344,28 +7019,29 @@
       </p:cxnSp>
       <p:cxnSp>
         <p:nvCxnSpPr>
-          <p:cNvPr id="21" name="Straight Connector 20">
-            <a:extLst>
-              <a:ext uri="{FF2B5EF4-FFF2-40B4-BE49-F238E27FC236}">
-                <a16:creationId xmlns:a16="http://schemas.microsoft.com/office/drawing/2014/main" id="{7C57A004-6BD5-46EC-9AB6-24D259A3B925}"/>
+          <p:cNvPr id="12" name="Straight Arrow Connector 11">
+            <a:extLst>
+              <a:ext uri="{FF2B5EF4-FFF2-40B4-BE49-F238E27FC236}">
+                <a16:creationId xmlns:a16="http://schemas.microsoft.com/office/drawing/2014/main" id="{2FB34C65-65D6-4C4B-9943-C5283F93E341}"/>
               </a:ext>
             </a:extLst>
           </p:cNvPr>
           <p:cNvCxnSpPr>
             <a:cxnSpLocks/>
-            <a:endCxn id="13" idx="1"/>
           </p:cNvCxnSpPr>
           <p:nvPr/>
         </p:nvCxnSpPr>
         <p:spPr>
           <a:xfrm>
-            <a:off x="6638925" y="561975"/>
-            <a:ext cx="2915301" cy="0"/>
-          </a:xfrm>
-          <a:prstGeom prst="line">
+            <a:off x="2590370" y="3686966"/>
+            <a:ext cx="1348217" cy="0"/>
+          </a:xfrm>
+          <a:prstGeom prst="straightConnector1">
             <a:avLst/>
           </a:prstGeom>
-          <a:ln w="19050"/>
+          <a:ln w="28575">
+            <a:tailEnd type="triangle"/>
+          </a:ln>
         </p:spPr>
         <p:style>
           <a:lnRef idx="1">
@@ -4382,81 +7058,32 @@
           </a:fontRef>
         </p:style>
       </p:cxnSp>
-      <p:sp>
-        <p:nvSpPr>
-          <p:cNvPr id="24" name="Rectangle 23">
-            <a:extLst>
-              <a:ext uri="{FF2B5EF4-FFF2-40B4-BE49-F238E27FC236}">
-                <a16:creationId xmlns:a16="http://schemas.microsoft.com/office/drawing/2014/main" id="{7F59C2CB-89F0-46EB-B951-85A45402C258}"/>
-              </a:ext>
-            </a:extLst>
-          </p:cNvPr>
-          <p:cNvSpPr/>
-          <p:nvPr/>
-        </p:nvSpPr>
-        <p:spPr>
-          <a:xfrm>
-            <a:off x="6905627" y="704853"/>
-            <a:ext cx="2105671" cy="2419333"/>
-          </a:xfrm>
-          <a:prstGeom prst="rect">
-            <a:avLst/>
-          </a:prstGeom>
-          <a:noFill/>
-          <a:ln w="19050">
-            <a:solidFill>
-              <a:schemeClr val="accent5"/>
-            </a:solidFill>
-          </a:ln>
-        </p:spPr>
-        <p:style>
-          <a:lnRef idx="2">
-            <a:schemeClr val="accent1">
-              <a:shade val="50000"/>
-            </a:schemeClr>
-          </a:lnRef>
-          <a:fillRef idx="1">
-            <a:schemeClr val="accent1"/>
-          </a:fillRef>
-          <a:effectRef idx="0">
-            <a:schemeClr val="accent1"/>
-          </a:effectRef>
-          <a:fontRef idx="minor">
-            <a:schemeClr val="lt1"/>
-          </a:fontRef>
-        </p:style>
-        <p:txBody>
-          <a:bodyPr rtlCol="0" anchor="ctr"/>
-          <a:lstStyle/>
-          <a:p>
-            <a:pPr algn="ctr"/>
-            <a:endParaRPr lang="en-US"/>
-          </a:p>
-        </p:txBody>
-      </p:sp>
       <p:cxnSp>
         <p:nvCxnSpPr>
-          <p:cNvPr id="25" name="Straight Connector 24">
-            <a:extLst>
-              <a:ext uri="{FF2B5EF4-FFF2-40B4-BE49-F238E27FC236}">
-                <a16:creationId xmlns:a16="http://schemas.microsoft.com/office/drawing/2014/main" id="{1AE32268-A30E-4426-A258-CDF8A7FF40F2}"/>
+          <p:cNvPr id="14" name="Straight Arrow Connector 13">
+            <a:extLst>
+              <a:ext uri="{FF2B5EF4-FFF2-40B4-BE49-F238E27FC236}">
+                <a16:creationId xmlns:a16="http://schemas.microsoft.com/office/drawing/2014/main" id="{691E90E0-EAF6-4495-8264-3FF5A04461C2}"/>
               </a:ext>
             </a:extLst>
           </p:cNvPr>
           <p:cNvCxnSpPr>
             <a:cxnSpLocks/>
+            <a:stCxn id="2056" idx="3"/>
           </p:cNvCxnSpPr>
           <p:nvPr/>
         </p:nvCxnSpPr>
         <p:spPr>
-          <a:xfrm>
-            <a:off x="9011298" y="1181100"/>
-            <a:ext cx="466077" cy="0"/>
-          </a:xfrm>
-          <a:prstGeom prst="line">
+          <a:xfrm flipV="1">
+            <a:off x="2535379" y="4251047"/>
+            <a:ext cx="1415132" cy="494660"/>
+          </a:xfrm>
+          <a:prstGeom prst="straightConnector1">
             <a:avLst/>
           </a:prstGeom>
-          <a:ln w="19050"/>
+          <a:ln w="28575">
+            <a:tailEnd type="triangle"/>
+          </a:ln>
         </p:spPr>
         <p:style>
           <a:lnRef idx="1">
@@ -4473,129 +7100,12 @@
           </a:fontRef>
         </p:style>
       </p:cxnSp>
-      <p:sp>
-        <p:nvSpPr>
-          <p:cNvPr id="27" name="TextBox 26">
-            <a:extLst>
-              <a:ext uri="{FF2B5EF4-FFF2-40B4-BE49-F238E27FC236}">
-                <a16:creationId xmlns:a16="http://schemas.microsoft.com/office/drawing/2014/main" id="{104C133E-F8BD-4790-978A-87B77329D758}"/>
-              </a:ext>
-            </a:extLst>
-          </p:cNvPr>
-          <p:cNvSpPr txBox="1"/>
-          <p:nvPr/>
-        </p:nvSpPr>
-        <p:spPr>
-          <a:xfrm>
-            <a:off x="9528715" y="1000070"/>
-            <a:ext cx="2600587" cy="369332"/>
-          </a:xfrm>
-          <a:prstGeom prst="rect">
-            <a:avLst/>
-          </a:prstGeom>
-          <a:noFill/>
-        </p:spPr>
-        <p:txBody>
-          <a:bodyPr wrap="square" rtlCol="0">
-            <a:spAutoFit/>
-          </a:bodyPr>
-          <a:lstStyle/>
-          <a:p>
-            <a:r>
-              <a:rPr lang="en-US" dirty="0"/>
-              <a:t>Code has sections</a:t>
-            </a:r>
-          </a:p>
-        </p:txBody>
-      </p:sp>
-      <p:pic>
-        <p:nvPicPr>
-          <p:cNvPr id="29" name="Picture 28">
-            <a:extLst>
-              <a:ext uri="{FF2B5EF4-FFF2-40B4-BE49-F238E27FC236}">
-                <a16:creationId xmlns:a16="http://schemas.microsoft.com/office/drawing/2014/main" id="{2E48BE0D-6B5D-4E86-8E7D-CF117C6A7FFB}"/>
-              </a:ext>
-            </a:extLst>
-          </p:cNvPr>
-          <p:cNvPicPr>
-            <a:picLocks noChangeAspect="1"/>
-          </p:cNvPicPr>
-          <p:nvPr/>
-        </p:nvPicPr>
-        <p:blipFill>
-          <a:blip r:embed="rId3"/>
-          <a:stretch>
-            <a:fillRect/>
-          </a:stretch>
-        </p:blipFill>
-        <p:spPr>
-          <a:xfrm>
-            <a:off x="605623" y="4278982"/>
-            <a:ext cx="6300004" cy="2361928"/>
-          </a:xfrm>
-          <a:prstGeom prst="rect">
-            <a:avLst/>
-          </a:prstGeom>
-        </p:spPr>
-      </p:pic>
-      <p:sp>
-        <p:nvSpPr>
-          <p:cNvPr id="30" name="Rectangle 29">
-            <a:extLst>
-              <a:ext uri="{FF2B5EF4-FFF2-40B4-BE49-F238E27FC236}">
-                <a16:creationId xmlns:a16="http://schemas.microsoft.com/office/drawing/2014/main" id="{5A1FC883-5A7B-4306-957C-3412679A86D3}"/>
-              </a:ext>
-            </a:extLst>
-          </p:cNvPr>
-          <p:cNvSpPr/>
-          <p:nvPr/>
-        </p:nvSpPr>
-        <p:spPr>
-          <a:xfrm>
-            <a:off x="605623" y="4278982"/>
-            <a:ext cx="6300003" cy="2361928"/>
-          </a:xfrm>
-          <a:prstGeom prst="rect">
-            <a:avLst/>
-          </a:prstGeom>
-          <a:noFill/>
-          <a:ln w="19050">
-            <a:solidFill>
-              <a:schemeClr val="accent5"/>
-            </a:solidFill>
-          </a:ln>
-        </p:spPr>
-        <p:style>
-          <a:lnRef idx="2">
-            <a:schemeClr val="accent1">
-              <a:shade val="50000"/>
-            </a:schemeClr>
-          </a:lnRef>
-          <a:fillRef idx="1">
-            <a:schemeClr val="accent1"/>
-          </a:fillRef>
-          <a:effectRef idx="0">
-            <a:schemeClr val="accent1"/>
-          </a:effectRef>
-          <a:fontRef idx="minor">
-            <a:schemeClr val="lt1"/>
-          </a:fontRef>
-        </p:style>
-        <p:txBody>
-          <a:bodyPr rtlCol="0" anchor="ctr"/>
-          <a:lstStyle/>
-          <a:p>
-            <a:pPr algn="ctr"/>
-            <a:endParaRPr lang="en-US"/>
-          </a:p>
-        </p:txBody>
-      </p:sp>
       <p:cxnSp>
         <p:nvCxnSpPr>
-          <p:cNvPr id="31" name="Straight Connector 30">
-            <a:extLst>
-              <a:ext uri="{FF2B5EF4-FFF2-40B4-BE49-F238E27FC236}">
-                <a16:creationId xmlns:a16="http://schemas.microsoft.com/office/drawing/2014/main" id="{538F04D5-1E10-46B0-81AA-3C5BD2BEDCA0}"/>
+          <p:cNvPr id="17" name="Straight Arrow Connector 16">
+            <a:extLst>
+              <a:ext uri="{FF2B5EF4-FFF2-40B4-BE49-F238E27FC236}">
+                <a16:creationId xmlns:a16="http://schemas.microsoft.com/office/drawing/2014/main" id="{2B09A0E3-673E-40C6-9544-0CCFE6510A00}"/>
               </a:ext>
             </a:extLst>
           </p:cNvPr>
@@ -4606,13 +7116,15 @@
         </p:nvCxnSpPr>
         <p:spPr>
           <a:xfrm>
-            <a:off x="6905626" y="5648325"/>
-            <a:ext cx="2371724" cy="0"/>
-          </a:xfrm>
-          <a:prstGeom prst="line">
+            <a:off x="6647543" y="3545855"/>
+            <a:ext cx="2298902" cy="0"/>
+          </a:xfrm>
+          <a:prstGeom prst="straightConnector1">
             <a:avLst/>
           </a:prstGeom>
-          <a:ln w="19050"/>
+          <a:ln w="28575">
+            <a:tailEnd type="triangle"/>
+          </a:ln>
         </p:spPr>
         <p:style>
           <a:lnRef idx="1">
@@ -4629,62 +7141,230 @@
           </a:fontRef>
         </p:style>
       </p:cxnSp>
-      <p:sp>
-        <p:nvSpPr>
-          <p:cNvPr id="33" name="TextBox 32">
-            <a:extLst>
-              <a:ext uri="{FF2B5EF4-FFF2-40B4-BE49-F238E27FC236}">
-                <a16:creationId xmlns:a16="http://schemas.microsoft.com/office/drawing/2014/main" id="{F198773B-6C09-4DE8-BCF5-EA92337406D2}"/>
-              </a:ext>
-            </a:extLst>
-          </p:cNvPr>
-          <p:cNvSpPr txBox="1"/>
+      <p:pic>
+        <p:nvPicPr>
+          <p:cNvPr id="2060" name="Picture 12" descr="Data warehouse vector gradient Icon Design illustration. Web Analytics  Symbol on White background EPS 10 File Stock Vector | Adobe Stock">
+            <a:extLst>
+              <a:ext uri="{FF2B5EF4-FFF2-40B4-BE49-F238E27FC236}">
+                <a16:creationId xmlns:a16="http://schemas.microsoft.com/office/drawing/2014/main" id="{817BE4D5-F40B-4C21-A1AA-C92D9790EEF9}"/>
+              </a:ext>
+            </a:extLst>
+          </p:cNvPr>
+          <p:cNvPicPr>
+            <a:picLocks noChangeAspect="1" noChangeArrowheads="1"/>
+          </p:cNvPicPr>
           <p:nvPr/>
-        </p:nvSpPr>
-        <p:spPr>
+        </p:nvPicPr>
+        <p:blipFill>
+          <a:blip r:embed="rId7">
+            <a:clrChange>
+              <a:clrFrom>
+                <a:srgbClr val="FFFFFF"/>
+              </a:clrFrom>
+              <a:clrTo>
+                <a:srgbClr val="FFFFFF">
+                  <a:alpha val="0"/>
+                </a:srgbClr>
+              </a:clrTo>
+            </a:clrChange>
+            <a:extLst>
+              <a:ext uri="{28A0092B-C50C-407E-A947-70E740481C1C}">
+                <a14:useLocalDpi xmlns:a14="http://schemas.microsoft.com/office/drawing/2010/main" val="0"/>
+              </a:ext>
+            </a:extLst>
+          </a:blip>
+          <a:srcRect/>
+          <a:stretch>
+            <a:fillRect/>
+          </a:stretch>
+        </p:blipFill>
+        <p:spPr bwMode="auto">
           <a:xfrm>
-            <a:off x="9277350" y="5463659"/>
-            <a:ext cx="2600587" cy="646331"/>
+            <a:off x="8997912" y="2185986"/>
+            <a:ext cx="2864555" cy="2864555"/>
           </a:xfrm>
           <a:prstGeom prst="rect">
             <a:avLst/>
           </a:prstGeom>
           <a:noFill/>
-        </p:spPr>
-        <p:txBody>
-          <a:bodyPr wrap="square" rtlCol="0">
-            <a:spAutoFit/>
-          </a:bodyPr>
-          <a:lstStyle/>
-          <a:p>
-            <a:r>
-              <a:rPr lang="en-US" dirty="0"/>
-              <a:t>Export directly to .xlsx with formatting</a:t>
-            </a:r>
-          </a:p>
-        </p:txBody>
-      </p:sp>
-      <p:sp>
-        <p:nvSpPr>
-          <p:cNvPr id="34" name="TextBox 33">
-            <a:extLst>
-              <a:ext uri="{FF2B5EF4-FFF2-40B4-BE49-F238E27FC236}">
-                <a16:creationId xmlns:a16="http://schemas.microsoft.com/office/drawing/2014/main" id="{90ABC5D1-2196-4D8C-9D95-CA8269B93506}"/>
-              </a:ext>
-            </a:extLst>
-          </p:cNvPr>
-          <p:cNvSpPr txBox="1"/>
+          <a:extLst>
+            <a:ext uri="{909E8E84-426E-40DD-AFC4-6F175D3DCCD1}">
+              <a14:hiddenFill xmlns:a14="http://schemas.microsoft.com/office/drawing/2010/main">
+                <a:solidFill>
+                  <a:srgbClr val="FFFFFF"/>
+                </a:solidFill>
+              </a14:hiddenFill>
+            </a:ext>
+          </a:extLst>
+        </p:spPr>
+      </p:pic>
+      <p:sp>
+        <p:nvSpPr>
+          <p:cNvPr id="20" name="Arc 19">
+            <a:extLst>
+              <a:ext uri="{FF2B5EF4-FFF2-40B4-BE49-F238E27FC236}">
+                <a16:creationId xmlns:a16="http://schemas.microsoft.com/office/drawing/2014/main" id="{A17E7731-2391-4393-ABD1-46BB9560524D}"/>
+              </a:ext>
+            </a:extLst>
+          </p:cNvPr>
+          <p:cNvSpPr/>
           <p:nvPr/>
         </p:nvSpPr>
         <p:spPr>
+          <a:xfrm rot="19862928">
+            <a:off x="311979" y="1572919"/>
+            <a:ext cx="10250247" cy="5648312"/>
+          </a:xfrm>
+          <a:prstGeom prst="arc">
+            <a:avLst>
+              <a:gd name="adj1" fmla="val 16048196"/>
+              <a:gd name="adj2" fmla="val 301461"/>
+            </a:avLst>
+          </a:prstGeom>
+          <a:ln w="28575"/>
+        </p:spPr>
+        <p:style>
+          <a:lnRef idx="1">
+            <a:schemeClr val="accent1"/>
+          </a:lnRef>
+          <a:fillRef idx="0">
+            <a:schemeClr val="accent1"/>
+          </a:fillRef>
+          <a:effectRef idx="0">
+            <a:schemeClr val="accent1"/>
+          </a:effectRef>
+          <a:fontRef idx="minor">
+            <a:schemeClr val="tx1"/>
+          </a:fontRef>
+        </p:style>
+        <p:txBody>
+          <a:bodyPr rtlCol="0" anchor="ctr"/>
+          <a:lstStyle/>
+          <a:p>
+            <a:pPr algn="ctr"/>
+            <a:endParaRPr lang="en-US"/>
+          </a:p>
+        </p:txBody>
+      </p:sp>
+      <p:cxnSp>
+        <p:nvCxnSpPr>
+          <p:cNvPr id="22" name="Straight Arrow Connector 21">
+            <a:extLst>
+              <a:ext uri="{FF2B5EF4-FFF2-40B4-BE49-F238E27FC236}">
+                <a16:creationId xmlns:a16="http://schemas.microsoft.com/office/drawing/2014/main" id="{CB836F70-65B3-4666-825A-5FD5EEB0D038}"/>
+              </a:ext>
+            </a:extLst>
+          </p:cNvPr>
+          <p:cNvCxnSpPr>
+            <a:cxnSpLocks/>
+          </p:cNvCxnSpPr>
+          <p:nvPr/>
+        </p:nvCxnSpPr>
+        <p:spPr>
+          <a:xfrm flipH="1">
+            <a:off x="3819437" y="2024062"/>
+            <a:ext cx="119150" cy="90486"/>
+          </a:xfrm>
+          <a:prstGeom prst="straightConnector1">
+            <a:avLst/>
+          </a:prstGeom>
+          <a:ln w="57150">
+            <a:tailEnd type="triangle"/>
+          </a:ln>
+        </p:spPr>
+        <p:style>
+          <a:lnRef idx="1">
+            <a:schemeClr val="accent1"/>
+          </a:lnRef>
+          <a:fillRef idx="0">
+            <a:schemeClr val="accent1"/>
+          </a:fillRef>
+          <a:effectRef idx="0">
+            <a:schemeClr val="accent1"/>
+          </a:effectRef>
+          <a:fontRef idx="minor">
+            <a:schemeClr val="tx1"/>
+          </a:fontRef>
+        </p:style>
+      </p:cxnSp>
+      <p:pic>
+        <p:nvPicPr>
+          <p:cNvPr id="2062" name="Picture 14" descr="Transformation Icon Vector Art, Icons, and Graphics for Free Download">
+            <a:extLst>
+              <a:ext uri="{FF2B5EF4-FFF2-40B4-BE49-F238E27FC236}">
+                <a16:creationId xmlns:a16="http://schemas.microsoft.com/office/drawing/2014/main" id="{E7EFEBF9-CD99-4808-93FC-3AFE3AD64FE9}"/>
+              </a:ext>
+            </a:extLst>
+          </p:cNvPr>
+          <p:cNvPicPr>
+            <a:picLocks noChangeAspect="1" noChangeArrowheads="1"/>
+          </p:cNvPicPr>
+          <p:nvPr/>
+        </p:nvPicPr>
+        <p:blipFill>
+          <a:blip r:embed="rId8">
+            <a:clrChange>
+              <a:clrFrom>
+                <a:srgbClr val="FFFFFF"/>
+              </a:clrFrom>
+              <a:clrTo>
+                <a:srgbClr val="FFFFFF">
+                  <a:alpha val="0"/>
+                </a:srgbClr>
+              </a:clrTo>
+            </a:clrChange>
+            <a:extLst>
+              <a:ext uri="{28A0092B-C50C-407E-A947-70E740481C1C}">
+                <a14:useLocalDpi xmlns:a14="http://schemas.microsoft.com/office/drawing/2010/main" val="0"/>
+              </a:ext>
+            </a:extLst>
+          </a:blip>
+          <a:srcRect/>
+          <a:stretch>
+            <a:fillRect/>
+          </a:stretch>
+        </p:blipFill>
+        <p:spPr bwMode="auto">
           <a:xfrm>
-            <a:off x="9277350" y="1988526"/>
-            <a:ext cx="2600587" cy="3139321"/>
+            <a:off x="6841267" y="2809792"/>
+            <a:ext cx="1838326" cy="1472126"/>
           </a:xfrm>
           <a:prstGeom prst="rect">
             <a:avLst/>
           </a:prstGeom>
           <a:noFill/>
+          <a:extLst>
+            <a:ext uri="{909E8E84-426E-40DD-AFC4-6F175D3DCCD1}">
+              <a14:hiddenFill xmlns:a14="http://schemas.microsoft.com/office/drawing/2010/main">
+                <a:solidFill>
+                  <a:srgbClr val="FFFFFF"/>
+                </a:solidFill>
+              </a14:hiddenFill>
+            </a:ext>
+          </a:extLst>
+        </p:spPr>
+      </p:pic>
+      <p:sp>
+        <p:nvSpPr>
+          <p:cNvPr id="24" name="TextBox 23">
+            <a:extLst>
+              <a:ext uri="{FF2B5EF4-FFF2-40B4-BE49-F238E27FC236}">
+                <a16:creationId xmlns:a16="http://schemas.microsoft.com/office/drawing/2014/main" id="{45091046-29DD-4F20-A7CB-6F0B1A6EAB99}"/>
+              </a:ext>
+            </a:extLst>
+          </p:cNvPr>
+          <p:cNvSpPr txBox="1"/>
+          <p:nvPr/>
+        </p:nvSpPr>
+        <p:spPr>
+          <a:xfrm>
+            <a:off x="1491068" y="5428445"/>
+            <a:ext cx="1310189" cy="400110"/>
+          </a:xfrm>
+          <a:prstGeom prst="rect">
+            <a:avLst/>
+          </a:prstGeom>
+          <a:noFill/>
         </p:spPr>
         <p:txBody>
           <a:bodyPr wrap="square" rtlCol="0">
@@ -4693,77 +7373,116 @@
           <a:lstStyle/>
           <a:p>
             <a:r>
-              <a:rPr lang="en-US" dirty="0"/>
-              <a:t>Written in R markdown because:</a:t>
-            </a:r>
-          </a:p>
-          <a:p>
-            <a:pPr marL="342900" indent="-342900">
-              <a:buAutoNum type="arabicParenR"/>
-            </a:pPr>
-            <a:r>
-              <a:rPr lang="en-US" dirty="0"/>
-              <a:t>Can talk to both Greenplum and local SQL server in the same script</a:t>
-            </a:r>
-          </a:p>
-          <a:p>
-            <a:pPr marL="342900" indent="-342900">
-              <a:buAutoNum type="arabicParenR"/>
-            </a:pPr>
-            <a:r>
-              <a:rPr lang="en-US" dirty="0"/>
-              <a:t>Can export data to excel</a:t>
-            </a:r>
-          </a:p>
-          <a:p>
-            <a:pPr marL="342900" indent="-342900">
-              <a:buAutoNum type="arabicParenR"/>
-            </a:pPr>
-            <a:endParaRPr lang="en-US" dirty="0"/>
-          </a:p>
-          <a:p>
-            <a:r>
-              <a:rPr lang="en-US" dirty="0"/>
-              <a:t>Note that Python can do this too</a:t>
-            </a:r>
-          </a:p>
-        </p:txBody>
-      </p:sp>
-      <p:sp>
-        <p:nvSpPr>
-          <p:cNvPr id="35" name="Title 1">
-            <a:extLst>
-              <a:ext uri="{FF2B5EF4-FFF2-40B4-BE49-F238E27FC236}">
-                <a16:creationId xmlns:a16="http://schemas.microsoft.com/office/drawing/2014/main" id="{9A359222-0A05-4472-B71E-D24C089839BD}"/>
-              </a:ext>
-            </a:extLst>
-          </p:cNvPr>
-          <p:cNvSpPr>
-            <a:spLocks noGrp="1"/>
-          </p:cNvSpPr>
-          <p:nvPr>
-            <p:ph type="title"/>
-          </p:nvPr>
+              <a:rPr lang="en-US" sz="2000" b="1" dirty="0"/>
+              <a:t>Raw data</a:t>
+            </a:r>
+          </a:p>
+        </p:txBody>
+      </p:sp>
+      <p:sp>
+        <p:nvSpPr>
+          <p:cNvPr id="43" name="TextBox 42">
+            <a:extLst>
+              <a:ext uri="{FF2B5EF4-FFF2-40B4-BE49-F238E27FC236}">
+                <a16:creationId xmlns:a16="http://schemas.microsoft.com/office/drawing/2014/main" id="{89E160FD-D4E7-4719-BEB3-DF81F0B95507}"/>
+              </a:ext>
+            </a:extLst>
+          </p:cNvPr>
+          <p:cNvSpPr txBox="1"/>
+          <p:nvPr/>
         </p:nvSpPr>
         <p:spPr>
           <a:xfrm>
-            <a:off x="3324227" y="-129914"/>
-            <a:ext cx="2228849" cy="834767"/>
-          </a:xfrm>
-        </p:spPr>
-        <p:txBody>
-          <a:bodyPr>
-            <a:normAutofit/>
+            <a:off x="4711588" y="5050541"/>
+            <a:ext cx="1297101" cy="1015663"/>
+          </a:xfrm>
+          <a:prstGeom prst="rect">
+            <a:avLst/>
+          </a:prstGeom>
+          <a:noFill/>
+        </p:spPr>
+        <p:txBody>
+          <a:bodyPr wrap="square" rtlCol="0">
+            <a:spAutoFit/>
           </a:bodyPr>
           <a:lstStyle/>
           <a:p>
-            <a:r>
-              <a:rPr lang="en-US" sz="4400" dirty="0">
-                <a:solidFill>
-                  <a:schemeClr val="accent3"/>
-                </a:solidFill>
-              </a:rPr>
-              <a:t>code</a:t>
+            <a:pPr algn="ctr"/>
+            <a:r>
+              <a:rPr lang="en-US" sz="2000" b="1" dirty="0"/>
+              <a:t>Raw data on SQL server</a:t>
+            </a:r>
+          </a:p>
+        </p:txBody>
+      </p:sp>
+      <p:sp>
+        <p:nvSpPr>
+          <p:cNvPr id="45" name="TextBox 44">
+            <a:extLst>
+              <a:ext uri="{FF2B5EF4-FFF2-40B4-BE49-F238E27FC236}">
+                <a16:creationId xmlns:a16="http://schemas.microsoft.com/office/drawing/2014/main" id="{542D1539-57C0-4613-97DF-64F32CB1C84E}"/>
+              </a:ext>
+            </a:extLst>
+          </p:cNvPr>
+          <p:cNvSpPr txBox="1"/>
+          <p:nvPr/>
+        </p:nvSpPr>
+        <p:spPr>
+          <a:xfrm>
+            <a:off x="6810573" y="4144434"/>
+            <a:ext cx="2068135" cy="707886"/>
+          </a:xfrm>
+          <a:prstGeom prst="rect">
+            <a:avLst/>
+          </a:prstGeom>
+          <a:noFill/>
+        </p:spPr>
+        <p:txBody>
+          <a:bodyPr wrap="square" rtlCol="0">
+            <a:spAutoFit/>
+          </a:bodyPr>
+          <a:lstStyle/>
+          <a:p>
+            <a:pPr algn="ctr"/>
+            <a:r>
+              <a:rPr lang="en-US" sz="2000" b="1" dirty="0"/>
+              <a:t>Cleaning and Transformations</a:t>
+            </a:r>
+          </a:p>
+        </p:txBody>
+      </p:sp>
+      <p:sp>
+        <p:nvSpPr>
+          <p:cNvPr id="46" name="TextBox 45">
+            <a:extLst>
+              <a:ext uri="{FF2B5EF4-FFF2-40B4-BE49-F238E27FC236}">
+                <a16:creationId xmlns:a16="http://schemas.microsoft.com/office/drawing/2014/main" id="{0848537B-2FF0-4799-B91B-FB3E3E5D2A2F}"/>
+              </a:ext>
+            </a:extLst>
+          </p:cNvPr>
+          <p:cNvSpPr txBox="1"/>
+          <p:nvPr/>
+        </p:nvSpPr>
+        <p:spPr>
+          <a:xfrm>
+            <a:off x="6008689" y="1057915"/>
+            <a:ext cx="3323771" cy="707886"/>
+          </a:xfrm>
+          <a:prstGeom prst="rect">
+            <a:avLst/>
+          </a:prstGeom>
+          <a:noFill/>
+        </p:spPr>
+        <p:txBody>
+          <a:bodyPr wrap="square" rtlCol="0">
+            <a:spAutoFit/>
+          </a:bodyPr>
+          <a:lstStyle/>
+          <a:p>
+            <a:pPr algn="ctr"/>
+            <a:r>
+              <a:rPr lang="en-US" sz="2000" b="1" dirty="0"/>
+              <a:t>Final product is representative of raw data</a:t>
             </a:r>
           </a:p>
         </p:txBody>
@@ -4771,7 +7490,7 @@
     </p:spTree>
     <p:extLst>
       <p:ext uri="{BB962C8B-B14F-4D97-AF65-F5344CB8AC3E}">
-        <p14:creationId xmlns:p14="http://schemas.microsoft.com/office/powerpoint/2010/main" val="2694840156"/>
+        <p14:creationId xmlns:p14="http://schemas.microsoft.com/office/powerpoint/2010/main" val="2981735200"/>
       </p:ext>
     </p:extLst>
   </p:cSld>
@@ -4798,702 +7517,119 @@
           <a:chExt cx="0" cy="0"/>
         </a:xfrm>
       </p:grpSpPr>
-      <p:pic>
-        <p:nvPicPr>
-          <p:cNvPr id="5" name="Picture 4">
-            <a:extLst>
-              <a:ext uri="{FF2B5EF4-FFF2-40B4-BE49-F238E27FC236}">
-                <a16:creationId xmlns:a16="http://schemas.microsoft.com/office/drawing/2014/main" id="{DA1F2B2C-846A-4AA1-8982-C02E28CD2C75}"/>
-              </a:ext>
-            </a:extLst>
-          </p:cNvPr>
-          <p:cNvPicPr>
-            <a:picLocks noChangeAspect="1"/>
-          </p:cNvPicPr>
-          <p:nvPr/>
-        </p:nvPicPr>
-        <p:blipFill>
-          <a:blip r:embed="rId2"/>
-          <a:stretch>
-            <a:fillRect/>
-          </a:stretch>
-        </p:blipFill>
-        <p:spPr>
-          <a:xfrm>
-            <a:off x="1018633" y="726628"/>
-            <a:ext cx="6187815" cy="5688939"/>
-          </a:xfrm>
-          <a:prstGeom prst="rect">
-            <a:avLst/>
-          </a:prstGeom>
-        </p:spPr>
-      </p:pic>
-      <p:sp>
-        <p:nvSpPr>
-          <p:cNvPr id="6" name="TextBox 5">
-            <a:extLst>
-              <a:ext uri="{FF2B5EF4-FFF2-40B4-BE49-F238E27FC236}">
-                <a16:creationId xmlns:a16="http://schemas.microsoft.com/office/drawing/2014/main" id="{B95B654E-DB1D-49B6-BA00-D547B8698998}"/>
-              </a:ext>
-            </a:extLst>
-          </p:cNvPr>
-          <p:cNvSpPr txBox="1"/>
-          <p:nvPr/>
-        </p:nvSpPr>
-        <p:spPr>
-          <a:xfrm>
-            <a:off x="7665422" y="604033"/>
-            <a:ext cx="2389595" cy="646331"/>
-          </a:xfrm>
-          <a:prstGeom prst="rect">
-            <a:avLst/>
-          </a:prstGeom>
-          <a:noFill/>
-        </p:spPr>
-        <p:txBody>
-          <a:bodyPr wrap="square" rtlCol="0">
-            <a:spAutoFit/>
-          </a:bodyPr>
+      <p:sp>
+        <p:nvSpPr>
+          <p:cNvPr id="2" name="Title 1">
+            <a:extLst>
+              <a:ext uri="{FF2B5EF4-FFF2-40B4-BE49-F238E27FC236}">
+                <a16:creationId xmlns:a16="http://schemas.microsoft.com/office/drawing/2014/main" id="{F617B170-8C51-4CE9-ADEA-B8F0931130E1}"/>
+              </a:ext>
+            </a:extLst>
+          </p:cNvPr>
+          <p:cNvSpPr>
+            <a:spLocks noGrp="1"/>
+          </p:cNvSpPr>
+          <p:nvPr>
+            <p:ph type="title"/>
+          </p:nvPr>
+        </p:nvSpPr>
+        <p:spPr/>
+        <p:txBody>
+          <a:bodyPr/>
           <a:lstStyle/>
           <a:p>
             <a:r>
               <a:rPr lang="en-US" dirty="0"/>
-              <a:t>What’s being counted and runtime</a:t>
-            </a:r>
-          </a:p>
-        </p:txBody>
-      </p:sp>
-      <p:sp>
-        <p:nvSpPr>
-          <p:cNvPr id="7" name="Rectangle 6">
-            <a:extLst>
-              <a:ext uri="{FF2B5EF4-FFF2-40B4-BE49-F238E27FC236}">
-                <a16:creationId xmlns:a16="http://schemas.microsoft.com/office/drawing/2014/main" id="{D04B12D0-4259-4455-ACE5-63A9DAE31E01}"/>
-              </a:ext>
-            </a:extLst>
-          </p:cNvPr>
-          <p:cNvSpPr/>
-          <p:nvPr/>
-        </p:nvSpPr>
-        <p:spPr>
-          <a:xfrm>
-            <a:off x="1018633" y="682316"/>
-            <a:ext cx="2880271" cy="339451"/>
-          </a:xfrm>
-          <a:prstGeom prst="rect">
-            <a:avLst/>
-          </a:prstGeom>
-          <a:noFill/>
-          <a:ln w="19050">
-            <a:solidFill>
-              <a:schemeClr val="accent5"/>
-            </a:solidFill>
-          </a:ln>
-        </p:spPr>
-        <p:style>
-          <a:lnRef idx="2">
-            <a:schemeClr val="accent1">
-              <a:shade val="50000"/>
-            </a:schemeClr>
-          </a:lnRef>
-          <a:fillRef idx="1">
-            <a:schemeClr val="accent1"/>
-          </a:fillRef>
-          <a:effectRef idx="0">
-            <a:schemeClr val="accent1"/>
-          </a:effectRef>
-          <a:fontRef idx="minor">
-            <a:schemeClr val="lt1"/>
-          </a:fontRef>
-        </p:style>
-        <p:txBody>
-          <a:bodyPr rtlCol="0" anchor="ctr"/>
-          <a:lstStyle/>
-          <a:p>
-            <a:pPr algn="ctr"/>
-            <a:endParaRPr lang="en-US"/>
-          </a:p>
-        </p:txBody>
-      </p:sp>
-      <p:cxnSp>
-        <p:nvCxnSpPr>
-          <p:cNvPr id="9" name="Straight Connector 8">
-            <a:extLst>
-              <a:ext uri="{FF2B5EF4-FFF2-40B4-BE49-F238E27FC236}">
-                <a16:creationId xmlns:a16="http://schemas.microsoft.com/office/drawing/2014/main" id="{D5FAC38E-E9ED-4C43-B01A-EF75B85479A5}"/>
-              </a:ext>
-            </a:extLst>
-          </p:cNvPr>
-          <p:cNvCxnSpPr>
-            <a:cxnSpLocks/>
-          </p:cNvCxnSpPr>
-          <p:nvPr/>
-        </p:nvCxnSpPr>
-        <p:spPr>
-          <a:xfrm>
-            <a:off x="3880465" y="846878"/>
-            <a:ext cx="3682996" cy="652"/>
-          </a:xfrm>
-          <a:prstGeom prst="line">
-            <a:avLst/>
-          </a:prstGeom>
-          <a:ln w="19050"/>
-        </p:spPr>
-        <p:style>
-          <a:lnRef idx="1">
-            <a:schemeClr val="accent5"/>
-          </a:lnRef>
-          <a:fillRef idx="0">
-            <a:schemeClr val="accent5"/>
-          </a:fillRef>
-          <a:effectRef idx="0">
-            <a:schemeClr val="accent5"/>
-          </a:effectRef>
-          <a:fontRef idx="minor">
-            <a:schemeClr val="tx1"/>
-          </a:fontRef>
-        </p:style>
-      </p:cxnSp>
-      <p:sp>
-        <p:nvSpPr>
-          <p:cNvPr id="10" name="Rectangle 9">
-            <a:extLst>
-              <a:ext uri="{FF2B5EF4-FFF2-40B4-BE49-F238E27FC236}">
-                <a16:creationId xmlns:a16="http://schemas.microsoft.com/office/drawing/2014/main" id="{96A0B91A-86C2-4F83-AE6B-3CEA4AC8A2E5}"/>
-              </a:ext>
-            </a:extLst>
-          </p:cNvPr>
-          <p:cNvSpPr/>
-          <p:nvPr/>
-        </p:nvSpPr>
-        <p:spPr>
-          <a:xfrm>
-            <a:off x="1004994" y="1111342"/>
-            <a:ext cx="6033366" cy="1644558"/>
-          </a:xfrm>
-          <a:prstGeom prst="rect">
-            <a:avLst/>
-          </a:prstGeom>
-          <a:noFill/>
-          <a:ln w="19050">
-            <a:solidFill>
-              <a:schemeClr val="accent5"/>
-            </a:solidFill>
-          </a:ln>
-        </p:spPr>
-        <p:style>
-          <a:lnRef idx="2">
-            <a:schemeClr val="accent1">
-              <a:shade val="50000"/>
-            </a:schemeClr>
-          </a:lnRef>
-          <a:fillRef idx="1">
-            <a:schemeClr val="accent1"/>
-          </a:fillRef>
-          <a:effectRef idx="0">
-            <a:schemeClr val="accent1"/>
-          </a:effectRef>
-          <a:fontRef idx="minor">
-            <a:schemeClr val="lt1"/>
-          </a:fontRef>
-        </p:style>
-        <p:txBody>
-          <a:bodyPr rtlCol="0" anchor="ctr"/>
-          <a:lstStyle/>
-          <a:p>
-            <a:pPr algn="ctr"/>
-            <a:endParaRPr lang="en-US"/>
-          </a:p>
-        </p:txBody>
-      </p:sp>
-      <p:cxnSp>
-        <p:nvCxnSpPr>
-          <p:cNvPr id="11" name="Straight Connector 10">
-            <a:extLst>
-              <a:ext uri="{FF2B5EF4-FFF2-40B4-BE49-F238E27FC236}">
-                <a16:creationId xmlns:a16="http://schemas.microsoft.com/office/drawing/2014/main" id="{BBD886A3-BDC8-4338-BAE9-A105BF74471F}"/>
-              </a:ext>
-            </a:extLst>
-          </p:cNvPr>
-          <p:cNvCxnSpPr>
-            <a:cxnSpLocks/>
-            <a:stCxn id="10" idx="3"/>
-          </p:cNvCxnSpPr>
-          <p:nvPr/>
-        </p:nvCxnSpPr>
-        <p:spPr>
-          <a:xfrm>
-            <a:off x="7038360" y="1933621"/>
-            <a:ext cx="525101" cy="0"/>
-          </a:xfrm>
-          <a:prstGeom prst="line">
-            <a:avLst/>
-          </a:prstGeom>
-          <a:ln w="19050"/>
-        </p:spPr>
-        <p:style>
-          <a:lnRef idx="1">
-            <a:schemeClr val="accent5"/>
-          </a:lnRef>
-          <a:fillRef idx="0">
-            <a:schemeClr val="accent5"/>
-          </a:fillRef>
-          <a:effectRef idx="0">
-            <a:schemeClr val="accent5"/>
-          </a:effectRef>
-          <a:fontRef idx="minor">
-            <a:schemeClr val="tx1"/>
-          </a:fontRef>
-        </p:style>
-      </p:cxnSp>
-      <p:sp>
-        <p:nvSpPr>
-          <p:cNvPr id="14" name="TextBox 13">
-            <a:extLst>
-              <a:ext uri="{FF2B5EF4-FFF2-40B4-BE49-F238E27FC236}">
-                <a16:creationId xmlns:a16="http://schemas.microsoft.com/office/drawing/2014/main" id="{739113D0-2C9D-4F23-8529-711A4BEBF432}"/>
-              </a:ext>
-            </a:extLst>
-          </p:cNvPr>
-          <p:cNvSpPr txBox="1"/>
-          <p:nvPr/>
-        </p:nvSpPr>
-        <p:spPr>
-          <a:xfrm>
-            <a:off x="7563461" y="1764872"/>
-            <a:ext cx="2389595" cy="369332"/>
-          </a:xfrm>
-          <a:prstGeom prst="rect">
-            <a:avLst/>
-          </a:prstGeom>
-          <a:noFill/>
-        </p:spPr>
-        <p:txBody>
-          <a:bodyPr wrap="square" rtlCol="0">
-            <a:spAutoFit/>
-          </a:bodyPr>
+              <a:t>Method</a:t>
+            </a:r>
+          </a:p>
+        </p:txBody>
+      </p:sp>
+      <p:sp>
+        <p:nvSpPr>
+          <p:cNvPr id="3" name="Content Placeholder 2">
+            <a:extLst>
+              <a:ext uri="{FF2B5EF4-FFF2-40B4-BE49-F238E27FC236}">
+                <a16:creationId xmlns:a16="http://schemas.microsoft.com/office/drawing/2014/main" id="{5D24522A-DC7F-47E4-8239-0C80702F4782}"/>
+              </a:ext>
+            </a:extLst>
+          </p:cNvPr>
+          <p:cNvSpPr>
+            <a:spLocks noGrp="1"/>
+          </p:cNvSpPr>
+          <p:nvPr>
+            <p:ph idx="1"/>
+          </p:nvPr>
+        </p:nvSpPr>
+        <p:spPr/>
+        <p:txBody>
+          <a:bodyPr/>
           <a:lstStyle/>
           <a:p>
             <a:r>
               <a:rPr lang="en-US" dirty="0"/>
-              <a:t>Raw numbers</a:t>
-            </a:r>
-          </a:p>
-        </p:txBody>
-      </p:sp>
-      <p:sp>
-        <p:nvSpPr>
-          <p:cNvPr id="15" name="Rectangle 14">
-            <a:extLst>
-              <a:ext uri="{FF2B5EF4-FFF2-40B4-BE49-F238E27FC236}">
-                <a16:creationId xmlns:a16="http://schemas.microsoft.com/office/drawing/2014/main" id="{8EB7D04B-1308-46A9-95BF-20B153A52CA6}"/>
-              </a:ext>
-            </a:extLst>
-          </p:cNvPr>
-          <p:cNvSpPr/>
-          <p:nvPr/>
-        </p:nvSpPr>
-        <p:spPr>
-          <a:xfrm>
-            <a:off x="1004994" y="2797407"/>
-            <a:ext cx="6033368" cy="1751315"/>
-          </a:xfrm>
-          <a:prstGeom prst="rect">
-            <a:avLst/>
-          </a:prstGeom>
-          <a:noFill/>
-          <a:ln w="19050">
-            <a:solidFill>
-              <a:schemeClr val="accent5"/>
-            </a:solidFill>
-          </a:ln>
-        </p:spPr>
-        <p:style>
-          <a:lnRef idx="2">
-            <a:schemeClr val="accent1">
-              <a:shade val="50000"/>
-            </a:schemeClr>
-          </a:lnRef>
-          <a:fillRef idx="1">
-            <a:schemeClr val="accent1"/>
-          </a:fillRef>
-          <a:effectRef idx="0">
-            <a:schemeClr val="accent1"/>
-          </a:effectRef>
-          <a:fontRef idx="minor">
-            <a:schemeClr val="lt1"/>
-          </a:fontRef>
-        </p:style>
-        <p:txBody>
-          <a:bodyPr rtlCol="0" anchor="ctr"/>
-          <a:lstStyle/>
-          <a:p>
-            <a:pPr algn="ctr"/>
-            <a:endParaRPr lang="en-US"/>
-          </a:p>
-        </p:txBody>
-      </p:sp>
-      <p:cxnSp>
-        <p:nvCxnSpPr>
-          <p:cNvPr id="16" name="Straight Connector 15">
-            <a:extLst>
-              <a:ext uri="{FF2B5EF4-FFF2-40B4-BE49-F238E27FC236}">
-                <a16:creationId xmlns:a16="http://schemas.microsoft.com/office/drawing/2014/main" id="{BA246102-1FA2-4B4A-B65D-8284CA65E8B6}"/>
-              </a:ext>
-            </a:extLst>
-          </p:cNvPr>
-          <p:cNvCxnSpPr>
-            <a:cxnSpLocks/>
-          </p:cNvCxnSpPr>
-          <p:nvPr/>
-        </p:nvCxnSpPr>
-        <p:spPr>
-          <a:xfrm flipV="1">
-            <a:off x="7048752" y="3429000"/>
-            <a:ext cx="616670" cy="2"/>
-          </a:xfrm>
-          <a:prstGeom prst="line">
-            <a:avLst/>
-          </a:prstGeom>
-          <a:ln w="19050"/>
-        </p:spPr>
-        <p:style>
-          <a:lnRef idx="1">
-            <a:schemeClr val="accent5"/>
-          </a:lnRef>
-          <a:fillRef idx="0">
-            <a:schemeClr val="accent5"/>
-          </a:fillRef>
-          <a:effectRef idx="0">
-            <a:schemeClr val="accent5"/>
-          </a:effectRef>
-          <a:fontRef idx="minor">
-            <a:schemeClr val="tx1"/>
-          </a:fontRef>
-        </p:style>
-      </p:cxnSp>
-      <p:sp>
-        <p:nvSpPr>
-          <p:cNvPr id="19" name="TextBox 18">
-            <a:extLst>
-              <a:ext uri="{FF2B5EF4-FFF2-40B4-BE49-F238E27FC236}">
-                <a16:creationId xmlns:a16="http://schemas.microsoft.com/office/drawing/2014/main" id="{6453EE13-B138-4FEF-9E35-CBB5D10ADE32}"/>
-              </a:ext>
-            </a:extLst>
-          </p:cNvPr>
-          <p:cNvSpPr txBox="1"/>
-          <p:nvPr/>
-        </p:nvSpPr>
-        <p:spPr>
-          <a:xfrm>
-            <a:off x="7675812" y="3113330"/>
-            <a:ext cx="2389595" cy="923330"/>
-          </a:xfrm>
-          <a:prstGeom prst="rect">
-            <a:avLst/>
-          </a:prstGeom>
-          <a:noFill/>
-        </p:spPr>
-        <p:txBody>
-          <a:bodyPr wrap="square" rtlCol="0">
-            <a:spAutoFit/>
-          </a:bodyPr>
-          <a:lstStyle/>
+              <a:t>Check raw row counts</a:t>
+            </a:r>
+          </a:p>
           <a:p>
             <a:r>
               <a:rPr lang="en-US" dirty="0"/>
-              <a:t>Differences (highlight discrepancies)</a:t>
-            </a:r>
-          </a:p>
-        </p:txBody>
-      </p:sp>
-      <p:sp>
-        <p:nvSpPr>
-          <p:cNvPr id="20" name="Rectangle 19">
-            <a:extLst>
-              <a:ext uri="{FF2B5EF4-FFF2-40B4-BE49-F238E27FC236}">
-                <a16:creationId xmlns:a16="http://schemas.microsoft.com/office/drawing/2014/main" id="{D2A75AE2-3FB9-4E7A-92FA-1FD36B10C8BE}"/>
-              </a:ext>
-            </a:extLst>
-          </p:cNvPr>
-          <p:cNvSpPr/>
-          <p:nvPr/>
-        </p:nvSpPr>
-        <p:spPr>
-          <a:xfrm>
-            <a:off x="1004993" y="4639552"/>
-            <a:ext cx="6033368" cy="1069342"/>
-          </a:xfrm>
-          <a:prstGeom prst="rect">
-            <a:avLst/>
-          </a:prstGeom>
-          <a:noFill/>
-          <a:ln w="19050">
-            <a:solidFill>
-              <a:schemeClr val="accent5"/>
-            </a:solidFill>
-          </a:ln>
-        </p:spPr>
-        <p:style>
-          <a:lnRef idx="2">
-            <a:schemeClr val="accent1">
-              <a:shade val="50000"/>
-            </a:schemeClr>
-          </a:lnRef>
-          <a:fillRef idx="1">
-            <a:schemeClr val="accent1"/>
-          </a:fillRef>
-          <a:effectRef idx="0">
-            <a:schemeClr val="accent1"/>
-          </a:effectRef>
-          <a:fontRef idx="minor">
-            <a:schemeClr val="lt1"/>
-          </a:fontRef>
-        </p:style>
-        <p:txBody>
-          <a:bodyPr rtlCol="0" anchor="ctr"/>
-          <a:lstStyle/>
-          <a:p>
-            <a:pPr algn="ctr"/>
-            <a:endParaRPr lang="en-US"/>
-          </a:p>
-        </p:txBody>
-      </p:sp>
-      <p:cxnSp>
-        <p:nvCxnSpPr>
-          <p:cNvPr id="21" name="Straight Connector 20">
-            <a:extLst>
-              <a:ext uri="{FF2B5EF4-FFF2-40B4-BE49-F238E27FC236}">
-                <a16:creationId xmlns:a16="http://schemas.microsoft.com/office/drawing/2014/main" id="{97AF2CEB-2632-4314-BE89-DA289A9A82E9}"/>
-              </a:ext>
-            </a:extLst>
-          </p:cNvPr>
-          <p:cNvCxnSpPr>
-            <a:cxnSpLocks/>
-          </p:cNvCxnSpPr>
-          <p:nvPr/>
-        </p:nvCxnSpPr>
-        <p:spPr>
-          <a:xfrm flipV="1">
-            <a:off x="7038360" y="5165518"/>
-            <a:ext cx="616670" cy="2"/>
-          </a:xfrm>
-          <a:prstGeom prst="line">
-            <a:avLst/>
-          </a:prstGeom>
-          <a:ln w="19050"/>
-        </p:spPr>
-        <p:style>
-          <a:lnRef idx="1">
-            <a:schemeClr val="accent5"/>
-          </a:lnRef>
-          <a:fillRef idx="0">
-            <a:schemeClr val="accent5"/>
-          </a:fillRef>
-          <a:effectRef idx="0">
-            <a:schemeClr val="accent5"/>
-          </a:effectRef>
-          <a:fontRef idx="minor">
-            <a:schemeClr val="tx1"/>
-          </a:fontRef>
-        </p:style>
-      </p:cxnSp>
-      <p:sp>
-        <p:nvSpPr>
-          <p:cNvPr id="22" name="TextBox 21">
-            <a:extLst>
-              <a:ext uri="{FF2B5EF4-FFF2-40B4-BE49-F238E27FC236}">
-                <a16:creationId xmlns:a16="http://schemas.microsoft.com/office/drawing/2014/main" id="{6A8D6EB9-A8CF-42C8-87A2-4ACB3D42AE85}"/>
-              </a:ext>
-            </a:extLst>
-          </p:cNvPr>
-          <p:cNvSpPr txBox="1"/>
-          <p:nvPr/>
-        </p:nvSpPr>
-        <p:spPr>
-          <a:xfrm>
-            <a:off x="7655030" y="4885707"/>
-            <a:ext cx="2389595" cy="646331"/>
-          </a:xfrm>
-          <a:prstGeom prst="rect">
-            <a:avLst/>
-          </a:prstGeom>
-          <a:noFill/>
-        </p:spPr>
-        <p:txBody>
-          <a:bodyPr wrap="square" rtlCol="0">
-            <a:spAutoFit/>
-          </a:bodyPr>
-          <a:lstStyle/>
-          <a:p>
+              <a:t>Check distinct key counts</a:t>
+            </a:r>
+          </a:p>
+          <a:p>
+            <a:pPr lvl="1"/>
             <a:r>
               <a:rPr lang="en-US" dirty="0"/>
-              <a:t>Explanation of columns</a:t>
-            </a:r>
-          </a:p>
-        </p:txBody>
-      </p:sp>
-      <p:sp>
-        <p:nvSpPr>
-          <p:cNvPr id="23" name="Rectangle 22">
-            <a:extLst>
-              <a:ext uri="{FF2B5EF4-FFF2-40B4-BE49-F238E27FC236}">
-                <a16:creationId xmlns:a16="http://schemas.microsoft.com/office/drawing/2014/main" id="{B8FE55E5-1D31-4CBF-9480-C32192C5651A}"/>
-              </a:ext>
-            </a:extLst>
-          </p:cNvPr>
-          <p:cNvSpPr/>
-          <p:nvPr/>
-        </p:nvSpPr>
-        <p:spPr>
-          <a:xfrm>
-            <a:off x="1004993" y="5867406"/>
-            <a:ext cx="6033368" cy="592473"/>
-          </a:xfrm>
-          <a:prstGeom prst="rect">
-            <a:avLst/>
-          </a:prstGeom>
-          <a:noFill/>
-          <a:ln w="19050">
-            <a:solidFill>
-              <a:schemeClr val="accent5"/>
-            </a:solidFill>
-          </a:ln>
-        </p:spPr>
-        <p:style>
-          <a:lnRef idx="2">
-            <a:schemeClr val="accent1">
-              <a:shade val="50000"/>
-            </a:schemeClr>
-          </a:lnRef>
-          <a:fillRef idx="1">
-            <a:schemeClr val="accent1"/>
-          </a:fillRef>
-          <a:effectRef idx="0">
-            <a:schemeClr val="accent1"/>
-          </a:effectRef>
-          <a:fontRef idx="minor">
-            <a:schemeClr val="lt1"/>
-          </a:fontRef>
-        </p:style>
-        <p:txBody>
-          <a:bodyPr rtlCol="0" anchor="ctr"/>
-          <a:lstStyle/>
-          <a:p>
-            <a:pPr algn="ctr"/>
-            <a:endParaRPr lang="en-US"/>
-          </a:p>
-        </p:txBody>
-      </p:sp>
-      <p:cxnSp>
-        <p:nvCxnSpPr>
-          <p:cNvPr id="24" name="Straight Connector 23">
-            <a:extLst>
-              <a:ext uri="{FF2B5EF4-FFF2-40B4-BE49-F238E27FC236}">
-                <a16:creationId xmlns:a16="http://schemas.microsoft.com/office/drawing/2014/main" id="{C3474C8E-A05D-4CAE-8651-D6BF73E01866}"/>
-              </a:ext>
-            </a:extLst>
-          </p:cNvPr>
-          <p:cNvCxnSpPr>
-            <a:cxnSpLocks/>
-          </p:cNvCxnSpPr>
-          <p:nvPr/>
-        </p:nvCxnSpPr>
-        <p:spPr>
-          <a:xfrm flipV="1">
-            <a:off x="7038360" y="6180505"/>
-            <a:ext cx="616670" cy="2"/>
-          </a:xfrm>
-          <a:prstGeom prst="line">
-            <a:avLst/>
-          </a:prstGeom>
-          <a:ln w="19050"/>
-        </p:spPr>
-        <p:style>
-          <a:lnRef idx="1">
-            <a:schemeClr val="accent5"/>
-          </a:lnRef>
-          <a:fillRef idx="0">
-            <a:schemeClr val="accent5"/>
-          </a:fillRef>
-          <a:effectRef idx="0">
-            <a:schemeClr val="accent5"/>
-          </a:effectRef>
-          <a:fontRef idx="minor">
-            <a:schemeClr val="tx1"/>
-          </a:fontRef>
-        </p:style>
-      </p:cxnSp>
-      <p:sp>
-        <p:nvSpPr>
-          <p:cNvPr id="26" name="TextBox 25">
-            <a:extLst>
-              <a:ext uri="{FF2B5EF4-FFF2-40B4-BE49-F238E27FC236}">
-                <a16:creationId xmlns:a16="http://schemas.microsoft.com/office/drawing/2014/main" id="{83C5768A-2E69-4D7A-A947-EAEFE2E6388D}"/>
-              </a:ext>
-            </a:extLst>
-          </p:cNvPr>
-          <p:cNvSpPr txBox="1"/>
-          <p:nvPr/>
-        </p:nvSpPr>
-        <p:spPr>
-          <a:xfrm>
-            <a:off x="7655029" y="6001115"/>
-            <a:ext cx="2389595" cy="646331"/>
-          </a:xfrm>
-          <a:prstGeom prst="rect">
-            <a:avLst/>
-          </a:prstGeom>
-          <a:noFill/>
-        </p:spPr>
-        <p:txBody>
-          <a:bodyPr wrap="square" rtlCol="0">
-            <a:spAutoFit/>
-          </a:bodyPr>
-          <a:lstStyle/>
-          <a:p>
+              <a:t>Ex: </a:t>
+            </a:r>
+            <a:r>
+              <a:rPr lang="en-US" dirty="0" err="1"/>
+              <a:t>Member_ID</a:t>
+            </a:r>
             <a:r>
               <a:rPr lang="en-US" dirty="0"/>
-              <a:t>Notes (explain discrepancies)</a:t>
-            </a:r>
-          </a:p>
-        </p:txBody>
-      </p:sp>
-      <p:sp>
-        <p:nvSpPr>
-          <p:cNvPr id="28" name="Title 1">
-            <a:extLst>
-              <a:ext uri="{FF2B5EF4-FFF2-40B4-BE49-F238E27FC236}">
-                <a16:creationId xmlns:a16="http://schemas.microsoft.com/office/drawing/2014/main" id="{BE1B1887-23F4-415E-880B-0E5EAD2E4E0D}"/>
-              </a:ext>
-            </a:extLst>
-          </p:cNvPr>
-          <p:cNvSpPr>
-            <a:spLocks noGrp="1"/>
-          </p:cNvSpPr>
-          <p:nvPr>
-            <p:ph type="title"/>
-          </p:nvPr>
-        </p:nvSpPr>
-        <p:spPr>
-          <a:xfrm>
-            <a:off x="137139" y="-77066"/>
-            <a:ext cx="7486651" cy="719569"/>
-          </a:xfrm>
-        </p:spPr>
-        <p:txBody>
-          <a:bodyPr>
-            <a:normAutofit/>
-          </a:bodyPr>
-          <a:lstStyle/>
-          <a:p>
-            <a:r>
-              <a:rPr lang="en-US" sz="4400" dirty="0">
-                <a:solidFill>
-                  <a:schemeClr val="accent3"/>
-                </a:solidFill>
-              </a:rPr>
-              <a:t>OUTPUT: COUNTING</a:t>
+              <a:t>, </a:t>
+            </a:r>
+            <a:r>
+              <a:rPr lang="en-US" dirty="0" err="1"/>
+              <a:t>Claim_ID</a:t>
+            </a:r>
+            <a:endParaRPr lang="en-US" dirty="0"/>
+          </a:p>
+          <a:p>
+            <a:r>
+              <a:rPr lang="en-US" dirty="0"/>
+              <a:t>Check important combinations</a:t>
+            </a:r>
+          </a:p>
+          <a:p>
+            <a:pPr lvl="1"/>
+            <a:r>
+              <a:rPr lang="en-US" dirty="0"/>
+              <a:t>Ex: Distinct </a:t>
+            </a:r>
+            <a:r>
+              <a:rPr lang="en-US" dirty="0" err="1"/>
+              <a:t>member_id</a:t>
+            </a:r>
+            <a:r>
+              <a:rPr lang="en-US" dirty="0"/>
+              <a:t> – </a:t>
+            </a:r>
+            <a:r>
+              <a:rPr lang="en-US" dirty="0" err="1"/>
+              <a:t>enroll_month_year</a:t>
+            </a:r>
+            <a:r>
+              <a:rPr lang="en-US" dirty="0"/>
+              <a:t> combinations</a:t>
+            </a:r>
+          </a:p>
+          <a:p>
+            <a:r>
+              <a:rPr lang="en-US" dirty="0"/>
+              <a:t>Spot-check individual values</a:t>
             </a:r>
           </a:p>
         </p:txBody>
@@ -5501,7 +7637,7 @@
     </p:spTree>
     <p:extLst>
       <p:ext uri="{BB962C8B-B14F-4D97-AF65-F5344CB8AC3E}">
-        <p14:creationId xmlns:p14="http://schemas.microsoft.com/office/powerpoint/2010/main" val="523766733"/>
+        <p14:creationId xmlns:p14="http://schemas.microsoft.com/office/powerpoint/2010/main" val="3039937994"/>
       </p:ext>
     </p:extLst>
   </p:cSld>
@@ -5530,10 +7666,391 @@
       </p:grpSpPr>
       <p:pic>
         <p:nvPicPr>
-          <p:cNvPr id="5" name="Picture 4">
-            <a:extLst>
-              <a:ext uri="{FF2B5EF4-FFF2-40B4-BE49-F238E27FC236}">
-                <a16:creationId xmlns:a16="http://schemas.microsoft.com/office/drawing/2014/main" id="{09F8D823-57ED-4907-8BF2-C59AD8A339E6}"/>
+          <p:cNvPr id="5" name="Content Placeholder 4">
+            <a:extLst>
+              <a:ext uri="{FF2B5EF4-FFF2-40B4-BE49-F238E27FC236}">
+                <a16:creationId xmlns:a16="http://schemas.microsoft.com/office/drawing/2014/main" id="{90693AA0-BF2A-481F-9E65-F7F23FF2ECA7}"/>
+              </a:ext>
+            </a:extLst>
+          </p:cNvPr>
+          <p:cNvPicPr>
+            <a:picLocks noGrp="1" noChangeAspect="1"/>
+          </p:cNvPicPr>
+          <p:nvPr>
+            <p:ph idx="1"/>
+          </p:nvPr>
+        </p:nvPicPr>
+        <p:blipFill>
+          <a:blip r:embed="rId3"/>
+          <a:stretch>
+            <a:fillRect/>
+          </a:stretch>
+        </p:blipFill>
+        <p:spPr>
+          <a:xfrm>
+            <a:off x="209257" y="169863"/>
+            <a:ext cx="8802044" cy="6126162"/>
+          </a:xfrm>
+        </p:spPr>
+      </p:pic>
+      <p:sp>
+        <p:nvSpPr>
+          <p:cNvPr id="13" name="TextBox 12">
+            <a:extLst>
+              <a:ext uri="{FF2B5EF4-FFF2-40B4-BE49-F238E27FC236}">
+                <a16:creationId xmlns:a16="http://schemas.microsoft.com/office/drawing/2014/main" id="{36F994A5-96BB-43E2-A1A0-80776405E8A0}"/>
+              </a:ext>
+            </a:extLst>
+          </p:cNvPr>
+          <p:cNvSpPr txBox="1"/>
+          <p:nvPr/>
+        </p:nvSpPr>
+        <p:spPr>
+          <a:xfrm>
+            <a:off x="9554226" y="238809"/>
+            <a:ext cx="2428517" cy="646331"/>
+          </a:xfrm>
+          <a:prstGeom prst="rect">
+            <a:avLst/>
+          </a:prstGeom>
+          <a:noFill/>
+        </p:spPr>
+        <p:txBody>
+          <a:bodyPr wrap="square" rtlCol="0">
+            <a:spAutoFit/>
+          </a:bodyPr>
+          <a:lstStyle/>
+          <a:p>
+            <a:r>
+              <a:rPr lang="en-US" dirty="0"/>
+              <a:t>What’s being counted and runtime</a:t>
+            </a:r>
+          </a:p>
+        </p:txBody>
+      </p:sp>
+      <p:grpSp>
+        <p:nvGrpSpPr>
+          <p:cNvPr id="37" name="Group 36">
+            <a:extLst>
+              <a:ext uri="{FF2B5EF4-FFF2-40B4-BE49-F238E27FC236}">
+                <a16:creationId xmlns:a16="http://schemas.microsoft.com/office/drawing/2014/main" id="{32B8119E-F214-4B6E-B76D-916C95386C87}"/>
+              </a:ext>
+            </a:extLst>
+          </p:cNvPr>
+          <p:cNvGrpSpPr/>
+          <p:nvPr/>
+        </p:nvGrpSpPr>
+        <p:grpSpPr>
+          <a:xfrm>
+            <a:off x="605623" y="561975"/>
+            <a:ext cx="8948603" cy="2562215"/>
+            <a:chOff x="605623" y="561975"/>
+            <a:chExt cx="8948603" cy="2562215"/>
+          </a:xfrm>
+        </p:grpSpPr>
+        <p:sp>
+          <p:nvSpPr>
+            <p:cNvPr id="6" name="Rectangle 5">
+              <a:extLst>
+                <a:ext uri="{FF2B5EF4-FFF2-40B4-BE49-F238E27FC236}">
+                  <a16:creationId xmlns:a16="http://schemas.microsoft.com/office/drawing/2014/main" id="{9DCD6416-28D5-4A6F-B915-373E6B58F826}"/>
+                </a:ext>
+              </a:extLst>
+            </p:cNvPr>
+            <p:cNvSpPr/>
+            <p:nvPr/>
+          </p:nvSpPr>
+          <p:spPr>
+            <a:xfrm>
+              <a:off x="605623" y="1481617"/>
+              <a:ext cx="5490377" cy="1642573"/>
+            </a:xfrm>
+            <a:prstGeom prst="rect">
+              <a:avLst/>
+            </a:prstGeom>
+            <a:noFill/>
+            <a:ln w="19050">
+              <a:solidFill>
+                <a:schemeClr val="accent5"/>
+              </a:solidFill>
+            </a:ln>
+          </p:spPr>
+          <p:style>
+            <a:lnRef idx="2">
+              <a:schemeClr val="accent1">
+                <a:shade val="50000"/>
+              </a:schemeClr>
+            </a:lnRef>
+            <a:fillRef idx="1">
+              <a:schemeClr val="accent1"/>
+            </a:fillRef>
+            <a:effectRef idx="0">
+              <a:schemeClr val="accent1"/>
+            </a:effectRef>
+            <a:fontRef idx="minor">
+              <a:schemeClr val="lt1"/>
+            </a:fontRef>
+          </p:style>
+          <p:txBody>
+            <a:bodyPr rtlCol="0" anchor="ctr"/>
+            <a:lstStyle/>
+            <a:p>
+              <a:pPr algn="ctr"/>
+              <a:endParaRPr lang="en-US"/>
+            </a:p>
+          </p:txBody>
+        </p:sp>
+        <p:cxnSp>
+          <p:nvCxnSpPr>
+            <p:cNvPr id="7" name="Straight Connector 6">
+              <a:extLst>
+                <a:ext uri="{FF2B5EF4-FFF2-40B4-BE49-F238E27FC236}">
+                  <a16:creationId xmlns:a16="http://schemas.microsoft.com/office/drawing/2014/main" id="{D0A07AB3-88A7-492F-BC96-04FEE636642C}"/>
+                </a:ext>
+              </a:extLst>
+            </p:cNvPr>
+            <p:cNvCxnSpPr>
+              <a:cxnSpLocks/>
+            </p:cNvCxnSpPr>
+            <p:nvPr/>
+          </p:nvCxnSpPr>
+          <p:spPr>
+            <a:xfrm flipV="1">
+              <a:off x="6096000" y="1646401"/>
+              <a:ext cx="542925" cy="1"/>
+            </a:xfrm>
+            <a:prstGeom prst="line">
+              <a:avLst/>
+            </a:prstGeom>
+            <a:ln w="19050"/>
+          </p:spPr>
+          <p:style>
+            <a:lnRef idx="1">
+              <a:schemeClr val="accent5"/>
+            </a:lnRef>
+            <a:fillRef idx="0">
+              <a:schemeClr val="accent5"/>
+            </a:fillRef>
+            <a:effectRef idx="0">
+              <a:schemeClr val="accent5"/>
+            </a:effectRef>
+            <a:fontRef idx="minor">
+              <a:schemeClr val="tx1"/>
+            </a:fontRef>
+          </p:style>
+        </p:cxnSp>
+        <p:cxnSp>
+          <p:nvCxnSpPr>
+            <p:cNvPr id="17" name="Straight Connector 16">
+              <a:extLst>
+                <a:ext uri="{FF2B5EF4-FFF2-40B4-BE49-F238E27FC236}">
+                  <a16:creationId xmlns:a16="http://schemas.microsoft.com/office/drawing/2014/main" id="{CA6D6F9E-BB93-40A7-857E-D5F61BEC65C2}"/>
+                </a:ext>
+              </a:extLst>
+            </p:cNvPr>
+            <p:cNvCxnSpPr>
+              <a:cxnSpLocks/>
+            </p:cNvCxnSpPr>
+            <p:nvPr/>
+          </p:nvCxnSpPr>
+          <p:spPr>
+            <a:xfrm>
+              <a:off x="6638925" y="561975"/>
+              <a:ext cx="1" cy="1084426"/>
+            </a:xfrm>
+            <a:prstGeom prst="line">
+              <a:avLst/>
+            </a:prstGeom>
+            <a:ln w="19050"/>
+          </p:spPr>
+          <p:style>
+            <a:lnRef idx="1">
+              <a:schemeClr val="accent5"/>
+            </a:lnRef>
+            <a:fillRef idx="0">
+              <a:schemeClr val="accent5"/>
+            </a:fillRef>
+            <a:effectRef idx="0">
+              <a:schemeClr val="accent5"/>
+            </a:effectRef>
+            <a:fontRef idx="minor">
+              <a:schemeClr val="tx1"/>
+            </a:fontRef>
+          </p:style>
+        </p:cxnSp>
+        <p:cxnSp>
+          <p:nvCxnSpPr>
+            <p:cNvPr id="21" name="Straight Connector 20">
+              <a:extLst>
+                <a:ext uri="{FF2B5EF4-FFF2-40B4-BE49-F238E27FC236}">
+                  <a16:creationId xmlns:a16="http://schemas.microsoft.com/office/drawing/2014/main" id="{7C57A004-6BD5-46EC-9AB6-24D259A3B925}"/>
+                </a:ext>
+              </a:extLst>
+            </p:cNvPr>
+            <p:cNvCxnSpPr>
+              <a:cxnSpLocks/>
+              <a:endCxn id="13" idx="1"/>
+            </p:cNvCxnSpPr>
+            <p:nvPr/>
+          </p:nvCxnSpPr>
+          <p:spPr>
+            <a:xfrm>
+              <a:off x="6638925" y="561975"/>
+              <a:ext cx="2915301" cy="0"/>
+            </a:xfrm>
+            <a:prstGeom prst="line">
+              <a:avLst/>
+            </a:prstGeom>
+            <a:ln w="19050"/>
+          </p:spPr>
+          <p:style>
+            <a:lnRef idx="1">
+              <a:schemeClr val="accent5"/>
+            </a:lnRef>
+            <a:fillRef idx="0">
+              <a:schemeClr val="accent5"/>
+            </a:fillRef>
+            <a:effectRef idx="0">
+              <a:schemeClr val="accent5"/>
+            </a:effectRef>
+            <a:fontRef idx="minor">
+              <a:schemeClr val="tx1"/>
+            </a:fontRef>
+          </p:style>
+        </p:cxnSp>
+      </p:grpSp>
+      <p:sp>
+        <p:nvSpPr>
+          <p:cNvPr id="24" name="Rectangle 23">
+            <a:extLst>
+              <a:ext uri="{FF2B5EF4-FFF2-40B4-BE49-F238E27FC236}">
+                <a16:creationId xmlns:a16="http://schemas.microsoft.com/office/drawing/2014/main" id="{7F59C2CB-89F0-46EB-B951-85A45402C258}"/>
+              </a:ext>
+            </a:extLst>
+          </p:cNvPr>
+          <p:cNvSpPr/>
+          <p:nvPr/>
+        </p:nvSpPr>
+        <p:spPr>
+          <a:xfrm>
+            <a:off x="6905627" y="704853"/>
+            <a:ext cx="2105671" cy="2419333"/>
+          </a:xfrm>
+          <a:prstGeom prst="rect">
+            <a:avLst/>
+          </a:prstGeom>
+          <a:noFill/>
+          <a:ln w="19050">
+            <a:solidFill>
+              <a:schemeClr val="accent5"/>
+            </a:solidFill>
+          </a:ln>
+        </p:spPr>
+        <p:style>
+          <a:lnRef idx="2">
+            <a:schemeClr val="accent1">
+              <a:shade val="50000"/>
+            </a:schemeClr>
+          </a:lnRef>
+          <a:fillRef idx="1">
+            <a:schemeClr val="accent1"/>
+          </a:fillRef>
+          <a:effectRef idx="0">
+            <a:schemeClr val="accent1"/>
+          </a:effectRef>
+          <a:fontRef idx="minor">
+            <a:schemeClr val="lt1"/>
+          </a:fontRef>
+        </p:style>
+        <p:txBody>
+          <a:bodyPr rtlCol="0" anchor="ctr"/>
+          <a:lstStyle/>
+          <a:p>
+            <a:pPr algn="ctr"/>
+            <a:endParaRPr lang="en-US"/>
+          </a:p>
+        </p:txBody>
+      </p:sp>
+      <p:cxnSp>
+        <p:nvCxnSpPr>
+          <p:cNvPr id="25" name="Straight Connector 24">
+            <a:extLst>
+              <a:ext uri="{FF2B5EF4-FFF2-40B4-BE49-F238E27FC236}">
+                <a16:creationId xmlns:a16="http://schemas.microsoft.com/office/drawing/2014/main" id="{1AE32268-A30E-4426-A258-CDF8A7FF40F2}"/>
+              </a:ext>
+            </a:extLst>
+          </p:cNvPr>
+          <p:cNvCxnSpPr>
+            <a:cxnSpLocks/>
+          </p:cNvCxnSpPr>
+          <p:nvPr/>
+        </p:nvCxnSpPr>
+        <p:spPr>
+          <a:xfrm>
+            <a:off x="9011298" y="1181100"/>
+            <a:ext cx="466077" cy="0"/>
+          </a:xfrm>
+          <a:prstGeom prst="line">
+            <a:avLst/>
+          </a:prstGeom>
+          <a:ln w="19050"/>
+        </p:spPr>
+        <p:style>
+          <a:lnRef idx="1">
+            <a:schemeClr val="accent5"/>
+          </a:lnRef>
+          <a:fillRef idx="0">
+            <a:schemeClr val="accent5"/>
+          </a:fillRef>
+          <a:effectRef idx="0">
+            <a:schemeClr val="accent5"/>
+          </a:effectRef>
+          <a:fontRef idx="minor">
+            <a:schemeClr val="tx1"/>
+          </a:fontRef>
+        </p:style>
+      </p:cxnSp>
+      <p:sp>
+        <p:nvSpPr>
+          <p:cNvPr id="27" name="TextBox 26">
+            <a:extLst>
+              <a:ext uri="{FF2B5EF4-FFF2-40B4-BE49-F238E27FC236}">
+                <a16:creationId xmlns:a16="http://schemas.microsoft.com/office/drawing/2014/main" id="{104C133E-F8BD-4790-978A-87B77329D758}"/>
+              </a:ext>
+            </a:extLst>
+          </p:cNvPr>
+          <p:cNvSpPr txBox="1"/>
+          <p:nvPr/>
+        </p:nvSpPr>
+        <p:spPr>
+          <a:xfrm>
+            <a:off x="9528715" y="1000070"/>
+            <a:ext cx="2600587" cy="369332"/>
+          </a:xfrm>
+          <a:prstGeom prst="rect">
+            <a:avLst/>
+          </a:prstGeom>
+          <a:noFill/>
+        </p:spPr>
+        <p:txBody>
+          <a:bodyPr wrap="square" rtlCol="0">
+            <a:spAutoFit/>
+          </a:bodyPr>
+          <a:lstStyle/>
+          <a:p>
+            <a:r>
+              <a:rPr lang="en-US" dirty="0"/>
+              <a:t>Code has sections</a:t>
+            </a:r>
+          </a:p>
+        </p:txBody>
+      </p:sp>
+      <p:pic>
+        <p:nvPicPr>
+          <p:cNvPr id="29" name="Picture 28">
+            <a:extLst>
+              <a:ext uri="{FF2B5EF4-FFF2-40B4-BE49-F238E27FC236}">
+                <a16:creationId xmlns:a16="http://schemas.microsoft.com/office/drawing/2014/main" id="{2E48BE0D-6B5D-4E86-8E7D-CF117C6A7FFB}"/>
               </a:ext>
             </a:extLst>
           </p:cNvPr>
@@ -5543,7 +8060,1870 @@
           <p:nvPr/>
         </p:nvPicPr>
         <p:blipFill>
-          <a:blip r:embed="rId2"/>
+          <a:blip r:embed="rId4"/>
+          <a:stretch>
+            <a:fillRect/>
+          </a:stretch>
+        </p:blipFill>
+        <p:spPr>
+          <a:xfrm>
+            <a:off x="605623" y="4278982"/>
+            <a:ext cx="6300004" cy="2361928"/>
+          </a:xfrm>
+          <a:prstGeom prst="rect">
+            <a:avLst/>
+          </a:prstGeom>
+        </p:spPr>
+      </p:pic>
+      <p:sp>
+        <p:nvSpPr>
+          <p:cNvPr id="30" name="Rectangle 29">
+            <a:extLst>
+              <a:ext uri="{FF2B5EF4-FFF2-40B4-BE49-F238E27FC236}">
+                <a16:creationId xmlns:a16="http://schemas.microsoft.com/office/drawing/2014/main" id="{5A1FC883-5A7B-4306-957C-3412679A86D3}"/>
+              </a:ext>
+            </a:extLst>
+          </p:cNvPr>
+          <p:cNvSpPr/>
+          <p:nvPr/>
+        </p:nvSpPr>
+        <p:spPr>
+          <a:xfrm>
+            <a:off x="605623" y="4278982"/>
+            <a:ext cx="6300003" cy="2361928"/>
+          </a:xfrm>
+          <a:prstGeom prst="rect">
+            <a:avLst/>
+          </a:prstGeom>
+          <a:noFill/>
+          <a:ln w="19050">
+            <a:solidFill>
+              <a:schemeClr val="accent5"/>
+            </a:solidFill>
+          </a:ln>
+        </p:spPr>
+        <p:style>
+          <a:lnRef idx="2">
+            <a:schemeClr val="accent1">
+              <a:shade val="50000"/>
+            </a:schemeClr>
+          </a:lnRef>
+          <a:fillRef idx="1">
+            <a:schemeClr val="accent1"/>
+          </a:fillRef>
+          <a:effectRef idx="0">
+            <a:schemeClr val="accent1"/>
+          </a:effectRef>
+          <a:fontRef idx="minor">
+            <a:schemeClr val="lt1"/>
+          </a:fontRef>
+        </p:style>
+        <p:txBody>
+          <a:bodyPr rtlCol="0" anchor="ctr"/>
+          <a:lstStyle/>
+          <a:p>
+            <a:pPr algn="ctr"/>
+            <a:endParaRPr lang="en-US"/>
+          </a:p>
+        </p:txBody>
+      </p:sp>
+      <p:cxnSp>
+        <p:nvCxnSpPr>
+          <p:cNvPr id="31" name="Straight Connector 30">
+            <a:extLst>
+              <a:ext uri="{FF2B5EF4-FFF2-40B4-BE49-F238E27FC236}">
+                <a16:creationId xmlns:a16="http://schemas.microsoft.com/office/drawing/2014/main" id="{538F04D5-1E10-46B0-81AA-3C5BD2BEDCA0}"/>
+              </a:ext>
+            </a:extLst>
+          </p:cNvPr>
+          <p:cNvCxnSpPr>
+            <a:cxnSpLocks/>
+          </p:cNvCxnSpPr>
+          <p:nvPr/>
+        </p:nvCxnSpPr>
+        <p:spPr>
+          <a:xfrm>
+            <a:off x="6905626" y="5648325"/>
+            <a:ext cx="2371724" cy="0"/>
+          </a:xfrm>
+          <a:prstGeom prst="line">
+            <a:avLst/>
+          </a:prstGeom>
+          <a:ln w="19050"/>
+        </p:spPr>
+        <p:style>
+          <a:lnRef idx="1">
+            <a:schemeClr val="accent5"/>
+          </a:lnRef>
+          <a:fillRef idx="0">
+            <a:schemeClr val="accent5"/>
+          </a:fillRef>
+          <a:effectRef idx="0">
+            <a:schemeClr val="accent5"/>
+          </a:effectRef>
+          <a:fontRef idx="minor">
+            <a:schemeClr val="tx1"/>
+          </a:fontRef>
+        </p:style>
+      </p:cxnSp>
+      <p:sp>
+        <p:nvSpPr>
+          <p:cNvPr id="33" name="TextBox 32">
+            <a:extLst>
+              <a:ext uri="{FF2B5EF4-FFF2-40B4-BE49-F238E27FC236}">
+                <a16:creationId xmlns:a16="http://schemas.microsoft.com/office/drawing/2014/main" id="{F198773B-6C09-4DE8-BCF5-EA92337406D2}"/>
+              </a:ext>
+            </a:extLst>
+          </p:cNvPr>
+          <p:cNvSpPr txBox="1"/>
+          <p:nvPr/>
+        </p:nvSpPr>
+        <p:spPr>
+          <a:xfrm>
+            <a:off x="9277350" y="5463659"/>
+            <a:ext cx="2600587" cy="646331"/>
+          </a:xfrm>
+          <a:prstGeom prst="rect">
+            <a:avLst/>
+          </a:prstGeom>
+          <a:noFill/>
+        </p:spPr>
+        <p:txBody>
+          <a:bodyPr wrap="square" rtlCol="0">
+            <a:spAutoFit/>
+          </a:bodyPr>
+          <a:lstStyle/>
+          <a:p>
+            <a:r>
+              <a:rPr lang="en-US" dirty="0"/>
+              <a:t>Export directly to .xlsx with formatting</a:t>
+            </a:r>
+          </a:p>
+        </p:txBody>
+      </p:sp>
+      <p:sp>
+        <p:nvSpPr>
+          <p:cNvPr id="34" name="TextBox 33">
+            <a:extLst>
+              <a:ext uri="{FF2B5EF4-FFF2-40B4-BE49-F238E27FC236}">
+                <a16:creationId xmlns:a16="http://schemas.microsoft.com/office/drawing/2014/main" id="{90ABC5D1-2196-4D8C-9D95-CA8269B93506}"/>
+              </a:ext>
+            </a:extLst>
+          </p:cNvPr>
+          <p:cNvSpPr txBox="1"/>
+          <p:nvPr/>
+        </p:nvSpPr>
+        <p:spPr>
+          <a:xfrm>
+            <a:off x="9277350" y="1988526"/>
+            <a:ext cx="2600587" cy="3139321"/>
+          </a:xfrm>
+          <a:prstGeom prst="rect">
+            <a:avLst/>
+          </a:prstGeom>
+          <a:noFill/>
+        </p:spPr>
+        <p:txBody>
+          <a:bodyPr wrap="square" rtlCol="0">
+            <a:spAutoFit/>
+          </a:bodyPr>
+          <a:lstStyle/>
+          <a:p>
+            <a:r>
+              <a:rPr lang="en-US" dirty="0"/>
+              <a:t>Written in R markdown because:</a:t>
+            </a:r>
+          </a:p>
+          <a:p>
+            <a:pPr marL="342900" indent="-342900">
+              <a:buAutoNum type="arabicParenR"/>
+            </a:pPr>
+            <a:r>
+              <a:rPr lang="en-US" dirty="0"/>
+              <a:t>Can talk to both Greenplum and local SQL server in the same script</a:t>
+            </a:r>
+          </a:p>
+          <a:p>
+            <a:pPr marL="342900" indent="-342900">
+              <a:buAutoNum type="arabicParenR"/>
+            </a:pPr>
+            <a:r>
+              <a:rPr lang="en-US" dirty="0"/>
+              <a:t>Can export data to excel</a:t>
+            </a:r>
+          </a:p>
+          <a:p>
+            <a:pPr marL="342900" indent="-342900">
+              <a:buAutoNum type="arabicParenR"/>
+            </a:pPr>
+            <a:endParaRPr lang="en-US" dirty="0"/>
+          </a:p>
+          <a:p>
+            <a:r>
+              <a:rPr lang="en-US" dirty="0"/>
+              <a:t>**Note that Python can do this too</a:t>
+            </a:r>
+          </a:p>
+        </p:txBody>
+      </p:sp>
+      <p:sp>
+        <p:nvSpPr>
+          <p:cNvPr id="35" name="Title 1">
+            <a:extLst>
+              <a:ext uri="{FF2B5EF4-FFF2-40B4-BE49-F238E27FC236}">
+                <a16:creationId xmlns:a16="http://schemas.microsoft.com/office/drawing/2014/main" id="{9A359222-0A05-4472-B71E-D24C089839BD}"/>
+              </a:ext>
+            </a:extLst>
+          </p:cNvPr>
+          <p:cNvSpPr>
+            <a:spLocks noGrp="1"/>
+          </p:cNvSpPr>
+          <p:nvPr>
+            <p:ph type="title"/>
+          </p:nvPr>
+        </p:nvSpPr>
+        <p:spPr>
+          <a:xfrm>
+            <a:off x="3324227" y="-129914"/>
+            <a:ext cx="2228849" cy="834767"/>
+          </a:xfrm>
+        </p:spPr>
+        <p:txBody>
+          <a:bodyPr>
+            <a:normAutofit/>
+          </a:bodyPr>
+          <a:lstStyle/>
+          <a:p>
+            <a:r>
+              <a:rPr lang="en-US" sz="4400" dirty="0">
+                <a:solidFill>
+                  <a:schemeClr val="accent3"/>
+                </a:solidFill>
+              </a:rPr>
+              <a:t>code</a:t>
+            </a:r>
+          </a:p>
+        </p:txBody>
+      </p:sp>
+    </p:spTree>
+    <p:extLst>
+      <p:ext uri="{BB962C8B-B14F-4D97-AF65-F5344CB8AC3E}">
+        <p14:creationId xmlns:p14="http://schemas.microsoft.com/office/powerpoint/2010/main" val="2694840156"/>
+      </p:ext>
+    </p:extLst>
+  </p:cSld>
+  <p:clrMapOvr>
+    <a:masterClrMapping/>
+  </p:clrMapOvr>
+  <p:timing>
+    <p:tnLst>
+      <p:par>
+        <p:cTn id="1" dur="indefinite" restart="never" nodeType="tmRoot">
+          <p:childTnLst>
+            <p:seq concurrent="1" nextAc="seek">
+              <p:cTn id="2" dur="indefinite" nodeType="mainSeq">
+                <p:childTnLst>
+                  <p:par>
+                    <p:cTn id="3" fill="hold">
+                      <p:stCondLst>
+                        <p:cond delay="indefinite"/>
+                      </p:stCondLst>
+                      <p:childTnLst>
+                        <p:par>
+                          <p:cTn id="4" fill="hold">
+                            <p:stCondLst>
+                              <p:cond delay="0"/>
+                            </p:stCondLst>
+                            <p:childTnLst>
+                              <p:par>
+                                <p:cTn id="5" presetID="1" presetClass="entr" presetSubtype="0" fill="hold" nodeType="clickEffect">
+                                  <p:stCondLst>
+                                    <p:cond delay="0"/>
+                                  </p:stCondLst>
+                                  <p:childTnLst>
+                                    <p:set>
+                                      <p:cBhvr>
+                                        <p:cTn id="6" dur="1" fill="hold">
+                                          <p:stCondLst>
+                                            <p:cond delay="0"/>
+                                          </p:stCondLst>
+                                        </p:cTn>
+                                        <p:tgtEl>
+                                          <p:spTgt spid="37"/>
+                                        </p:tgtEl>
+                                        <p:attrNameLst>
+                                          <p:attrName>style.visibility</p:attrName>
+                                        </p:attrNameLst>
+                                      </p:cBhvr>
+                                      <p:to>
+                                        <p:strVal val="visible"/>
+                                      </p:to>
+                                    </p:set>
+                                  </p:childTnLst>
+                                </p:cTn>
+                              </p:par>
+                              <p:par>
+                                <p:cTn id="7" presetID="1" presetClass="entr" presetSubtype="0" fill="hold" grpId="0" nodeType="withEffect">
+                                  <p:stCondLst>
+                                    <p:cond delay="0"/>
+                                  </p:stCondLst>
+                                  <p:childTnLst>
+                                    <p:set>
+                                      <p:cBhvr>
+                                        <p:cTn id="8" dur="1" fill="hold">
+                                          <p:stCondLst>
+                                            <p:cond delay="0"/>
+                                          </p:stCondLst>
+                                        </p:cTn>
+                                        <p:tgtEl>
+                                          <p:spTgt spid="13"/>
+                                        </p:tgtEl>
+                                        <p:attrNameLst>
+                                          <p:attrName>style.visibility</p:attrName>
+                                        </p:attrNameLst>
+                                      </p:cBhvr>
+                                      <p:to>
+                                        <p:strVal val="visible"/>
+                                      </p:to>
+                                    </p:set>
+                                  </p:childTnLst>
+                                </p:cTn>
+                              </p:par>
+                            </p:childTnLst>
+                          </p:cTn>
+                        </p:par>
+                      </p:childTnLst>
+                    </p:cTn>
+                  </p:par>
+                  <p:par>
+                    <p:cTn id="9" fill="hold">
+                      <p:stCondLst>
+                        <p:cond delay="indefinite"/>
+                      </p:stCondLst>
+                      <p:childTnLst>
+                        <p:par>
+                          <p:cTn id="10" fill="hold">
+                            <p:stCondLst>
+                              <p:cond delay="0"/>
+                            </p:stCondLst>
+                            <p:childTnLst>
+                              <p:par>
+                                <p:cTn id="11" presetID="1" presetClass="entr" presetSubtype="0" fill="hold" grpId="0" nodeType="clickEffect">
+                                  <p:stCondLst>
+                                    <p:cond delay="0"/>
+                                  </p:stCondLst>
+                                  <p:childTnLst>
+                                    <p:set>
+                                      <p:cBhvr>
+                                        <p:cTn id="12" dur="1" fill="hold">
+                                          <p:stCondLst>
+                                            <p:cond delay="0"/>
+                                          </p:stCondLst>
+                                        </p:cTn>
+                                        <p:tgtEl>
+                                          <p:spTgt spid="24"/>
+                                        </p:tgtEl>
+                                        <p:attrNameLst>
+                                          <p:attrName>style.visibility</p:attrName>
+                                        </p:attrNameLst>
+                                      </p:cBhvr>
+                                      <p:to>
+                                        <p:strVal val="visible"/>
+                                      </p:to>
+                                    </p:set>
+                                  </p:childTnLst>
+                                </p:cTn>
+                              </p:par>
+                              <p:par>
+                                <p:cTn id="13" presetID="1" presetClass="entr" presetSubtype="0" fill="hold" nodeType="withEffect">
+                                  <p:stCondLst>
+                                    <p:cond delay="0"/>
+                                  </p:stCondLst>
+                                  <p:childTnLst>
+                                    <p:set>
+                                      <p:cBhvr>
+                                        <p:cTn id="14" dur="1" fill="hold">
+                                          <p:stCondLst>
+                                            <p:cond delay="0"/>
+                                          </p:stCondLst>
+                                        </p:cTn>
+                                        <p:tgtEl>
+                                          <p:spTgt spid="25"/>
+                                        </p:tgtEl>
+                                        <p:attrNameLst>
+                                          <p:attrName>style.visibility</p:attrName>
+                                        </p:attrNameLst>
+                                      </p:cBhvr>
+                                      <p:to>
+                                        <p:strVal val="visible"/>
+                                      </p:to>
+                                    </p:set>
+                                  </p:childTnLst>
+                                </p:cTn>
+                              </p:par>
+                              <p:par>
+                                <p:cTn id="15" presetID="1" presetClass="entr" presetSubtype="0" fill="hold" grpId="0" nodeType="withEffect">
+                                  <p:stCondLst>
+                                    <p:cond delay="0"/>
+                                  </p:stCondLst>
+                                  <p:childTnLst>
+                                    <p:set>
+                                      <p:cBhvr>
+                                        <p:cTn id="16" dur="1" fill="hold">
+                                          <p:stCondLst>
+                                            <p:cond delay="0"/>
+                                          </p:stCondLst>
+                                        </p:cTn>
+                                        <p:tgtEl>
+                                          <p:spTgt spid="27"/>
+                                        </p:tgtEl>
+                                        <p:attrNameLst>
+                                          <p:attrName>style.visibility</p:attrName>
+                                        </p:attrNameLst>
+                                      </p:cBhvr>
+                                      <p:to>
+                                        <p:strVal val="visible"/>
+                                      </p:to>
+                                    </p:set>
+                                  </p:childTnLst>
+                                </p:cTn>
+                              </p:par>
+                            </p:childTnLst>
+                          </p:cTn>
+                        </p:par>
+                      </p:childTnLst>
+                    </p:cTn>
+                  </p:par>
+                  <p:par>
+                    <p:cTn id="17" fill="hold">
+                      <p:stCondLst>
+                        <p:cond delay="indefinite"/>
+                      </p:stCondLst>
+                      <p:childTnLst>
+                        <p:par>
+                          <p:cTn id="18" fill="hold">
+                            <p:stCondLst>
+                              <p:cond delay="0"/>
+                            </p:stCondLst>
+                            <p:childTnLst>
+                              <p:par>
+                                <p:cTn id="19" presetID="1" presetClass="entr" presetSubtype="0" fill="hold" nodeType="clickEffect">
+                                  <p:stCondLst>
+                                    <p:cond delay="0"/>
+                                  </p:stCondLst>
+                                  <p:childTnLst>
+                                    <p:set>
+                                      <p:cBhvr>
+                                        <p:cTn id="20" dur="1" fill="hold">
+                                          <p:stCondLst>
+                                            <p:cond delay="0"/>
+                                          </p:stCondLst>
+                                        </p:cTn>
+                                        <p:tgtEl>
+                                          <p:spTgt spid="29"/>
+                                        </p:tgtEl>
+                                        <p:attrNameLst>
+                                          <p:attrName>style.visibility</p:attrName>
+                                        </p:attrNameLst>
+                                      </p:cBhvr>
+                                      <p:to>
+                                        <p:strVal val="visible"/>
+                                      </p:to>
+                                    </p:set>
+                                  </p:childTnLst>
+                                </p:cTn>
+                              </p:par>
+                              <p:par>
+                                <p:cTn id="21" presetID="1" presetClass="entr" presetSubtype="0" fill="hold" nodeType="withEffect">
+                                  <p:stCondLst>
+                                    <p:cond delay="0"/>
+                                  </p:stCondLst>
+                                  <p:childTnLst>
+                                    <p:set>
+                                      <p:cBhvr>
+                                        <p:cTn id="22" dur="1" fill="hold">
+                                          <p:stCondLst>
+                                            <p:cond delay="0"/>
+                                          </p:stCondLst>
+                                        </p:cTn>
+                                        <p:tgtEl>
+                                          <p:spTgt spid="31"/>
+                                        </p:tgtEl>
+                                        <p:attrNameLst>
+                                          <p:attrName>style.visibility</p:attrName>
+                                        </p:attrNameLst>
+                                      </p:cBhvr>
+                                      <p:to>
+                                        <p:strVal val="visible"/>
+                                      </p:to>
+                                    </p:set>
+                                  </p:childTnLst>
+                                </p:cTn>
+                              </p:par>
+                              <p:par>
+                                <p:cTn id="23" presetID="1" presetClass="entr" presetSubtype="0" fill="hold" grpId="0" nodeType="withEffect">
+                                  <p:stCondLst>
+                                    <p:cond delay="0"/>
+                                  </p:stCondLst>
+                                  <p:childTnLst>
+                                    <p:set>
+                                      <p:cBhvr>
+                                        <p:cTn id="24" dur="1" fill="hold">
+                                          <p:stCondLst>
+                                            <p:cond delay="0"/>
+                                          </p:stCondLst>
+                                        </p:cTn>
+                                        <p:tgtEl>
+                                          <p:spTgt spid="33"/>
+                                        </p:tgtEl>
+                                        <p:attrNameLst>
+                                          <p:attrName>style.visibility</p:attrName>
+                                        </p:attrNameLst>
+                                      </p:cBhvr>
+                                      <p:to>
+                                        <p:strVal val="visible"/>
+                                      </p:to>
+                                    </p:set>
+                                  </p:childTnLst>
+                                </p:cTn>
+                              </p:par>
+                            </p:childTnLst>
+                          </p:cTn>
+                        </p:par>
+                      </p:childTnLst>
+                    </p:cTn>
+                  </p:par>
+                </p:childTnLst>
+              </p:cTn>
+              <p:prevCondLst>
+                <p:cond evt="onPrev" delay="0">
+                  <p:tgtEl>
+                    <p:sldTgt/>
+                  </p:tgtEl>
+                </p:cond>
+              </p:prevCondLst>
+              <p:nextCondLst>
+                <p:cond evt="onNext" delay="0">
+                  <p:tgtEl>
+                    <p:sldTgt/>
+                  </p:tgtEl>
+                </p:cond>
+              </p:nextCondLst>
+            </p:seq>
+          </p:childTnLst>
+        </p:cTn>
+      </p:par>
+    </p:tnLst>
+    <p:bldLst>
+      <p:bldP spid="13" grpId="0"/>
+      <p:bldP spid="24" grpId="0" animBg="1"/>
+      <p:bldP spid="27" grpId="0"/>
+      <p:bldP spid="33" grpId="0"/>
+    </p:bldLst>
+  </p:timing>
+</p:sld>
+</file>
+
+<file path=ppt/slides/slide6.xml><?xml version="1.0" encoding="utf-8"?>
+<p:sld xmlns:a="http://schemas.openxmlformats.org/drawingml/2006/main" xmlns:r="http://schemas.openxmlformats.org/officeDocument/2006/relationships" xmlns:p="http://schemas.openxmlformats.org/presentationml/2006/main">
+  <p:cSld>
+    <p:spTree>
+      <p:nvGrpSpPr>
+        <p:cNvPr id="1" name=""/>
+        <p:cNvGrpSpPr/>
+        <p:nvPr/>
+      </p:nvGrpSpPr>
+      <p:grpSpPr>
+        <a:xfrm>
+          <a:off x="0" y="0"/>
+          <a:ext cx="0" cy="0"/>
+          <a:chOff x="0" y="0"/>
+          <a:chExt cx="0" cy="0"/>
+        </a:xfrm>
+      </p:grpSpPr>
+      <p:pic>
+        <p:nvPicPr>
+          <p:cNvPr id="5" name="Picture 4">
+            <a:extLst>
+              <a:ext uri="{FF2B5EF4-FFF2-40B4-BE49-F238E27FC236}">
+                <a16:creationId xmlns:a16="http://schemas.microsoft.com/office/drawing/2014/main" id="{DA1F2B2C-846A-4AA1-8982-C02E28CD2C75}"/>
+              </a:ext>
+            </a:extLst>
+          </p:cNvPr>
+          <p:cNvPicPr>
+            <a:picLocks noChangeAspect="1"/>
+          </p:cNvPicPr>
+          <p:nvPr/>
+        </p:nvPicPr>
+        <p:blipFill>
+          <a:blip r:embed="rId3"/>
+          <a:stretch>
+            <a:fillRect/>
+          </a:stretch>
+        </p:blipFill>
+        <p:spPr>
+          <a:xfrm>
+            <a:off x="1018633" y="726628"/>
+            <a:ext cx="6187815" cy="5688939"/>
+          </a:xfrm>
+          <a:prstGeom prst="rect">
+            <a:avLst/>
+          </a:prstGeom>
+        </p:spPr>
+      </p:pic>
+      <p:sp>
+        <p:nvSpPr>
+          <p:cNvPr id="6" name="TextBox 5">
+            <a:extLst>
+              <a:ext uri="{FF2B5EF4-FFF2-40B4-BE49-F238E27FC236}">
+                <a16:creationId xmlns:a16="http://schemas.microsoft.com/office/drawing/2014/main" id="{B95B654E-DB1D-49B6-BA00-D547B8698998}"/>
+              </a:ext>
+            </a:extLst>
+          </p:cNvPr>
+          <p:cNvSpPr txBox="1"/>
+          <p:nvPr/>
+        </p:nvSpPr>
+        <p:spPr>
+          <a:xfrm>
+            <a:off x="7665422" y="604033"/>
+            <a:ext cx="2389595" cy="646331"/>
+          </a:xfrm>
+          <a:prstGeom prst="rect">
+            <a:avLst/>
+          </a:prstGeom>
+          <a:noFill/>
+        </p:spPr>
+        <p:txBody>
+          <a:bodyPr wrap="square" rtlCol="0">
+            <a:spAutoFit/>
+          </a:bodyPr>
+          <a:lstStyle/>
+          <a:p>
+            <a:r>
+              <a:rPr lang="en-US" dirty="0"/>
+              <a:t>What’s being counted and runtime</a:t>
+            </a:r>
+          </a:p>
+        </p:txBody>
+      </p:sp>
+      <p:sp>
+        <p:nvSpPr>
+          <p:cNvPr id="7" name="Rectangle 6">
+            <a:extLst>
+              <a:ext uri="{FF2B5EF4-FFF2-40B4-BE49-F238E27FC236}">
+                <a16:creationId xmlns:a16="http://schemas.microsoft.com/office/drawing/2014/main" id="{D04B12D0-4259-4455-ACE5-63A9DAE31E01}"/>
+              </a:ext>
+            </a:extLst>
+          </p:cNvPr>
+          <p:cNvSpPr/>
+          <p:nvPr/>
+        </p:nvSpPr>
+        <p:spPr>
+          <a:xfrm>
+            <a:off x="1018633" y="682316"/>
+            <a:ext cx="2880271" cy="339451"/>
+          </a:xfrm>
+          <a:prstGeom prst="rect">
+            <a:avLst/>
+          </a:prstGeom>
+          <a:noFill/>
+          <a:ln w="19050">
+            <a:solidFill>
+              <a:schemeClr val="accent5"/>
+            </a:solidFill>
+          </a:ln>
+        </p:spPr>
+        <p:style>
+          <a:lnRef idx="2">
+            <a:schemeClr val="accent1">
+              <a:shade val="50000"/>
+            </a:schemeClr>
+          </a:lnRef>
+          <a:fillRef idx="1">
+            <a:schemeClr val="accent1"/>
+          </a:fillRef>
+          <a:effectRef idx="0">
+            <a:schemeClr val="accent1"/>
+          </a:effectRef>
+          <a:fontRef idx="minor">
+            <a:schemeClr val="lt1"/>
+          </a:fontRef>
+        </p:style>
+        <p:txBody>
+          <a:bodyPr rtlCol="0" anchor="ctr"/>
+          <a:lstStyle/>
+          <a:p>
+            <a:pPr algn="ctr"/>
+            <a:endParaRPr lang="en-US"/>
+          </a:p>
+        </p:txBody>
+      </p:sp>
+      <p:cxnSp>
+        <p:nvCxnSpPr>
+          <p:cNvPr id="9" name="Straight Connector 8">
+            <a:extLst>
+              <a:ext uri="{FF2B5EF4-FFF2-40B4-BE49-F238E27FC236}">
+                <a16:creationId xmlns:a16="http://schemas.microsoft.com/office/drawing/2014/main" id="{D5FAC38E-E9ED-4C43-B01A-EF75B85479A5}"/>
+              </a:ext>
+            </a:extLst>
+          </p:cNvPr>
+          <p:cNvCxnSpPr>
+            <a:cxnSpLocks/>
+          </p:cNvCxnSpPr>
+          <p:nvPr/>
+        </p:nvCxnSpPr>
+        <p:spPr>
+          <a:xfrm>
+            <a:off x="3898904" y="847530"/>
+            <a:ext cx="3664557" cy="0"/>
+          </a:xfrm>
+          <a:prstGeom prst="line">
+            <a:avLst/>
+          </a:prstGeom>
+          <a:ln w="19050"/>
+        </p:spPr>
+        <p:style>
+          <a:lnRef idx="1">
+            <a:schemeClr val="accent5"/>
+          </a:lnRef>
+          <a:fillRef idx="0">
+            <a:schemeClr val="accent5"/>
+          </a:fillRef>
+          <a:effectRef idx="0">
+            <a:schemeClr val="accent5"/>
+          </a:effectRef>
+          <a:fontRef idx="minor">
+            <a:schemeClr val="tx1"/>
+          </a:fontRef>
+        </p:style>
+      </p:cxnSp>
+      <p:sp>
+        <p:nvSpPr>
+          <p:cNvPr id="10" name="Rectangle 9">
+            <a:extLst>
+              <a:ext uri="{FF2B5EF4-FFF2-40B4-BE49-F238E27FC236}">
+                <a16:creationId xmlns:a16="http://schemas.microsoft.com/office/drawing/2014/main" id="{96A0B91A-86C2-4F83-AE6B-3CEA4AC8A2E5}"/>
+              </a:ext>
+            </a:extLst>
+          </p:cNvPr>
+          <p:cNvSpPr/>
+          <p:nvPr/>
+        </p:nvSpPr>
+        <p:spPr>
+          <a:xfrm>
+            <a:off x="1004994" y="1111342"/>
+            <a:ext cx="6033366" cy="1644558"/>
+          </a:xfrm>
+          <a:prstGeom prst="rect">
+            <a:avLst/>
+          </a:prstGeom>
+          <a:noFill/>
+          <a:ln w="19050">
+            <a:solidFill>
+              <a:schemeClr val="accent5"/>
+            </a:solidFill>
+          </a:ln>
+        </p:spPr>
+        <p:style>
+          <a:lnRef idx="2">
+            <a:schemeClr val="accent1">
+              <a:shade val="50000"/>
+            </a:schemeClr>
+          </a:lnRef>
+          <a:fillRef idx="1">
+            <a:schemeClr val="accent1"/>
+          </a:fillRef>
+          <a:effectRef idx="0">
+            <a:schemeClr val="accent1"/>
+          </a:effectRef>
+          <a:fontRef idx="minor">
+            <a:schemeClr val="lt1"/>
+          </a:fontRef>
+        </p:style>
+        <p:txBody>
+          <a:bodyPr rtlCol="0" anchor="ctr"/>
+          <a:lstStyle/>
+          <a:p>
+            <a:pPr algn="ctr"/>
+            <a:endParaRPr lang="en-US"/>
+          </a:p>
+        </p:txBody>
+      </p:sp>
+      <p:cxnSp>
+        <p:nvCxnSpPr>
+          <p:cNvPr id="11" name="Straight Connector 10">
+            <a:extLst>
+              <a:ext uri="{FF2B5EF4-FFF2-40B4-BE49-F238E27FC236}">
+                <a16:creationId xmlns:a16="http://schemas.microsoft.com/office/drawing/2014/main" id="{BBD886A3-BDC8-4338-BAE9-A105BF74471F}"/>
+              </a:ext>
+            </a:extLst>
+          </p:cNvPr>
+          <p:cNvCxnSpPr>
+            <a:cxnSpLocks/>
+            <a:stCxn id="10" idx="3"/>
+          </p:cNvCxnSpPr>
+          <p:nvPr/>
+        </p:nvCxnSpPr>
+        <p:spPr>
+          <a:xfrm>
+            <a:off x="7038360" y="1933621"/>
+            <a:ext cx="525101" cy="0"/>
+          </a:xfrm>
+          <a:prstGeom prst="line">
+            <a:avLst/>
+          </a:prstGeom>
+          <a:ln w="19050"/>
+        </p:spPr>
+        <p:style>
+          <a:lnRef idx="1">
+            <a:schemeClr val="accent5"/>
+          </a:lnRef>
+          <a:fillRef idx="0">
+            <a:schemeClr val="accent5"/>
+          </a:fillRef>
+          <a:effectRef idx="0">
+            <a:schemeClr val="accent5"/>
+          </a:effectRef>
+          <a:fontRef idx="minor">
+            <a:schemeClr val="tx1"/>
+          </a:fontRef>
+        </p:style>
+      </p:cxnSp>
+      <p:sp>
+        <p:nvSpPr>
+          <p:cNvPr id="14" name="TextBox 13">
+            <a:extLst>
+              <a:ext uri="{FF2B5EF4-FFF2-40B4-BE49-F238E27FC236}">
+                <a16:creationId xmlns:a16="http://schemas.microsoft.com/office/drawing/2014/main" id="{739113D0-2C9D-4F23-8529-711A4BEBF432}"/>
+              </a:ext>
+            </a:extLst>
+          </p:cNvPr>
+          <p:cNvSpPr txBox="1"/>
+          <p:nvPr/>
+        </p:nvSpPr>
+        <p:spPr>
+          <a:xfrm>
+            <a:off x="7563461" y="1764872"/>
+            <a:ext cx="2389595" cy="369332"/>
+          </a:xfrm>
+          <a:prstGeom prst="rect">
+            <a:avLst/>
+          </a:prstGeom>
+          <a:noFill/>
+        </p:spPr>
+        <p:txBody>
+          <a:bodyPr wrap="square" rtlCol="0">
+            <a:spAutoFit/>
+          </a:bodyPr>
+          <a:lstStyle/>
+          <a:p>
+            <a:r>
+              <a:rPr lang="en-US" dirty="0"/>
+              <a:t>Raw numbers</a:t>
+            </a:r>
+          </a:p>
+        </p:txBody>
+      </p:sp>
+      <p:sp>
+        <p:nvSpPr>
+          <p:cNvPr id="15" name="Rectangle 14">
+            <a:extLst>
+              <a:ext uri="{FF2B5EF4-FFF2-40B4-BE49-F238E27FC236}">
+                <a16:creationId xmlns:a16="http://schemas.microsoft.com/office/drawing/2014/main" id="{8EB7D04B-1308-46A9-95BF-20B153A52CA6}"/>
+              </a:ext>
+            </a:extLst>
+          </p:cNvPr>
+          <p:cNvSpPr/>
+          <p:nvPr/>
+        </p:nvSpPr>
+        <p:spPr>
+          <a:xfrm>
+            <a:off x="1004994" y="2797407"/>
+            <a:ext cx="6033368" cy="1751315"/>
+          </a:xfrm>
+          <a:prstGeom prst="rect">
+            <a:avLst/>
+          </a:prstGeom>
+          <a:noFill/>
+          <a:ln w="19050">
+            <a:solidFill>
+              <a:schemeClr val="accent5"/>
+            </a:solidFill>
+          </a:ln>
+        </p:spPr>
+        <p:style>
+          <a:lnRef idx="2">
+            <a:schemeClr val="accent1">
+              <a:shade val="50000"/>
+            </a:schemeClr>
+          </a:lnRef>
+          <a:fillRef idx="1">
+            <a:schemeClr val="accent1"/>
+          </a:fillRef>
+          <a:effectRef idx="0">
+            <a:schemeClr val="accent1"/>
+          </a:effectRef>
+          <a:fontRef idx="minor">
+            <a:schemeClr val="lt1"/>
+          </a:fontRef>
+        </p:style>
+        <p:txBody>
+          <a:bodyPr rtlCol="0" anchor="ctr"/>
+          <a:lstStyle/>
+          <a:p>
+            <a:pPr algn="ctr"/>
+            <a:endParaRPr lang="en-US"/>
+          </a:p>
+        </p:txBody>
+      </p:sp>
+      <p:cxnSp>
+        <p:nvCxnSpPr>
+          <p:cNvPr id="16" name="Straight Connector 15">
+            <a:extLst>
+              <a:ext uri="{FF2B5EF4-FFF2-40B4-BE49-F238E27FC236}">
+                <a16:creationId xmlns:a16="http://schemas.microsoft.com/office/drawing/2014/main" id="{BA246102-1FA2-4B4A-B65D-8284CA65E8B6}"/>
+              </a:ext>
+            </a:extLst>
+          </p:cNvPr>
+          <p:cNvCxnSpPr>
+            <a:cxnSpLocks/>
+          </p:cNvCxnSpPr>
+          <p:nvPr/>
+        </p:nvCxnSpPr>
+        <p:spPr>
+          <a:xfrm flipV="1">
+            <a:off x="7048752" y="3429000"/>
+            <a:ext cx="616670" cy="2"/>
+          </a:xfrm>
+          <a:prstGeom prst="line">
+            <a:avLst/>
+          </a:prstGeom>
+          <a:ln w="19050"/>
+        </p:spPr>
+        <p:style>
+          <a:lnRef idx="1">
+            <a:schemeClr val="accent5"/>
+          </a:lnRef>
+          <a:fillRef idx="0">
+            <a:schemeClr val="accent5"/>
+          </a:fillRef>
+          <a:effectRef idx="0">
+            <a:schemeClr val="accent5"/>
+          </a:effectRef>
+          <a:fontRef idx="minor">
+            <a:schemeClr val="tx1"/>
+          </a:fontRef>
+        </p:style>
+      </p:cxnSp>
+      <p:sp>
+        <p:nvSpPr>
+          <p:cNvPr id="19" name="TextBox 18">
+            <a:extLst>
+              <a:ext uri="{FF2B5EF4-FFF2-40B4-BE49-F238E27FC236}">
+                <a16:creationId xmlns:a16="http://schemas.microsoft.com/office/drawing/2014/main" id="{6453EE13-B138-4FEF-9E35-CBB5D10ADE32}"/>
+              </a:ext>
+            </a:extLst>
+          </p:cNvPr>
+          <p:cNvSpPr txBox="1"/>
+          <p:nvPr/>
+        </p:nvSpPr>
+        <p:spPr>
+          <a:xfrm>
+            <a:off x="7675812" y="3113330"/>
+            <a:ext cx="2389595" cy="923330"/>
+          </a:xfrm>
+          <a:prstGeom prst="rect">
+            <a:avLst/>
+          </a:prstGeom>
+          <a:noFill/>
+        </p:spPr>
+        <p:txBody>
+          <a:bodyPr wrap="square" rtlCol="0">
+            <a:spAutoFit/>
+          </a:bodyPr>
+          <a:lstStyle/>
+          <a:p>
+            <a:r>
+              <a:rPr lang="en-US" dirty="0"/>
+              <a:t>Differences (highlight discrepancies)</a:t>
+            </a:r>
+          </a:p>
+        </p:txBody>
+      </p:sp>
+      <p:sp>
+        <p:nvSpPr>
+          <p:cNvPr id="20" name="Rectangle 19">
+            <a:extLst>
+              <a:ext uri="{FF2B5EF4-FFF2-40B4-BE49-F238E27FC236}">
+                <a16:creationId xmlns:a16="http://schemas.microsoft.com/office/drawing/2014/main" id="{D2A75AE2-3FB9-4E7A-92FA-1FD36B10C8BE}"/>
+              </a:ext>
+            </a:extLst>
+          </p:cNvPr>
+          <p:cNvSpPr/>
+          <p:nvPr/>
+        </p:nvSpPr>
+        <p:spPr>
+          <a:xfrm>
+            <a:off x="1004993" y="4639552"/>
+            <a:ext cx="6033368" cy="1069342"/>
+          </a:xfrm>
+          <a:prstGeom prst="rect">
+            <a:avLst/>
+          </a:prstGeom>
+          <a:noFill/>
+          <a:ln w="19050">
+            <a:solidFill>
+              <a:schemeClr val="accent5"/>
+            </a:solidFill>
+          </a:ln>
+        </p:spPr>
+        <p:style>
+          <a:lnRef idx="2">
+            <a:schemeClr val="accent1">
+              <a:shade val="50000"/>
+            </a:schemeClr>
+          </a:lnRef>
+          <a:fillRef idx="1">
+            <a:schemeClr val="accent1"/>
+          </a:fillRef>
+          <a:effectRef idx="0">
+            <a:schemeClr val="accent1"/>
+          </a:effectRef>
+          <a:fontRef idx="minor">
+            <a:schemeClr val="lt1"/>
+          </a:fontRef>
+        </p:style>
+        <p:txBody>
+          <a:bodyPr rtlCol="0" anchor="ctr"/>
+          <a:lstStyle/>
+          <a:p>
+            <a:pPr algn="ctr"/>
+            <a:endParaRPr lang="en-US"/>
+          </a:p>
+        </p:txBody>
+      </p:sp>
+      <p:cxnSp>
+        <p:nvCxnSpPr>
+          <p:cNvPr id="21" name="Straight Connector 20">
+            <a:extLst>
+              <a:ext uri="{FF2B5EF4-FFF2-40B4-BE49-F238E27FC236}">
+                <a16:creationId xmlns:a16="http://schemas.microsoft.com/office/drawing/2014/main" id="{97AF2CEB-2632-4314-BE89-DA289A9A82E9}"/>
+              </a:ext>
+            </a:extLst>
+          </p:cNvPr>
+          <p:cNvCxnSpPr>
+            <a:cxnSpLocks/>
+          </p:cNvCxnSpPr>
+          <p:nvPr/>
+        </p:nvCxnSpPr>
+        <p:spPr>
+          <a:xfrm flipV="1">
+            <a:off x="7038360" y="5165518"/>
+            <a:ext cx="616670" cy="2"/>
+          </a:xfrm>
+          <a:prstGeom prst="line">
+            <a:avLst/>
+          </a:prstGeom>
+          <a:ln w="19050"/>
+        </p:spPr>
+        <p:style>
+          <a:lnRef idx="1">
+            <a:schemeClr val="accent5"/>
+          </a:lnRef>
+          <a:fillRef idx="0">
+            <a:schemeClr val="accent5"/>
+          </a:fillRef>
+          <a:effectRef idx="0">
+            <a:schemeClr val="accent5"/>
+          </a:effectRef>
+          <a:fontRef idx="minor">
+            <a:schemeClr val="tx1"/>
+          </a:fontRef>
+        </p:style>
+      </p:cxnSp>
+      <p:sp>
+        <p:nvSpPr>
+          <p:cNvPr id="22" name="TextBox 21">
+            <a:extLst>
+              <a:ext uri="{FF2B5EF4-FFF2-40B4-BE49-F238E27FC236}">
+                <a16:creationId xmlns:a16="http://schemas.microsoft.com/office/drawing/2014/main" id="{6A8D6EB9-A8CF-42C8-87A2-4ACB3D42AE85}"/>
+              </a:ext>
+            </a:extLst>
+          </p:cNvPr>
+          <p:cNvSpPr txBox="1"/>
+          <p:nvPr/>
+        </p:nvSpPr>
+        <p:spPr>
+          <a:xfrm>
+            <a:off x="7655030" y="4885707"/>
+            <a:ext cx="2389595" cy="646331"/>
+          </a:xfrm>
+          <a:prstGeom prst="rect">
+            <a:avLst/>
+          </a:prstGeom>
+          <a:noFill/>
+        </p:spPr>
+        <p:txBody>
+          <a:bodyPr wrap="square" rtlCol="0">
+            <a:spAutoFit/>
+          </a:bodyPr>
+          <a:lstStyle/>
+          <a:p>
+            <a:r>
+              <a:rPr lang="en-US" dirty="0"/>
+              <a:t>Explanation of columns</a:t>
+            </a:r>
+          </a:p>
+        </p:txBody>
+      </p:sp>
+      <p:sp>
+        <p:nvSpPr>
+          <p:cNvPr id="23" name="Rectangle 22">
+            <a:extLst>
+              <a:ext uri="{FF2B5EF4-FFF2-40B4-BE49-F238E27FC236}">
+                <a16:creationId xmlns:a16="http://schemas.microsoft.com/office/drawing/2014/main" id="{B8FE55E5-1D31-4CBF-9480-C32192C5651A}"/>
+              </a:ext>
+            </a:extLst>
+          </p:cNvPr>
+          <p:cNvSpPr/>
+          <p:nvPr/>
+        </p:nvSpPr>
+        <p:spPr>
+          <a:xfrm>
+            <a:off x="1004993" y="5867406"/>
+            <a:ext cx="6033368" cy="592473"/>
+          </a:xfrm>
+          <a:prstGeom prst="rect">
+            <a:avLst/>
+          </a:prstGeom>
+          <a:noFill/>
+          <a:ln w="19050">
+            <a:solidFill>
+              <a:schemeClr val="accent5"/>
+            </a:solidFill>
+          </a:ln>
+        </p:spPr>
+        <p:style>
+          <a:lnRef idx="2">
+            <a:schemeClr val="accent1">
+              <a:shade val="50000"/>
+            </a:schemeClr>
+          </a:lnRef>
+          <a:fillRef idx="1">
+            <a:schemeClr val="accent1"/>
+          </a:fillRef>
+          <a:effectRef idx="0">
+            <a:schemeClr val="accent1"/>
+          </a:effectRef>
+          <a:fontRef idx="minor">
+            <a:schemeClr val="lt1"/>
+          </a:fontRef>
+        </p:style>
+        <p:txBody>
+          <a:bodyPr rtlCol="0" anchor="ctr"/>
+          <a:lstStyle/>
+          <a:p>
+            <a:pPr algn="ctr"/>
+            <a:endParaRPr lang="en-US"/>
+          </a:p>
+        </p:txBody>
+      </p:sp>
+      <p:cxnSp>
+        <p:nvCxnSpPr>
+          <p:cNvPr id="24" name="Straight Connector 23">
+            <a:extLst>
+              <a:ext uri="{FF2B5EF4-FFF2-40B4-BE49-F238E27FC236}">
+                <a16:creationId xmlns:a16="http://schemas.microsoft.com/office/drawing/2014/main" id="{C3474C8E-A05D-4CAE-8651-D6BF73E01866}"/>
+              </a:ext>
+            </a:extLst>
+          </p:cNvPr>
+          <p:cNvCxnSpPr>
+            <a:cxnSpLocks/>
+          </p:cNvCxnSpPr>
+          <p:nvPr/>
+        </p:nvCxnSpPr>
+        <p:spPr>
+          <a:xfrm flipV="1">
+            <a:off x="7038360" y="6180505"/>
+            <a:ext cx="616670" cy="2"/>
+          </a:xfrm>
+          <a:prstGeom prst="line">
+            <a:avLst/>
+          </a:prstGeom>
+          <a:ln w="19050"/>
+        </p:spPr>
+        <p:style>
+          <a:lnRef idx="1">
+            <a:schemeClr val="accent5"/>
+          </a:lnRef>
+          <a:fillRef idx="0">
+            <a:schemeClr val="accent5"/>
+          </a:fillRef>
+          <a:effectRef idx="0">
+            <a:schemeClr val="accent5"/>
+          </a:effectRef>
+          <a:fontRef idx="minor">
+            <a:schemeClr val="tx1"/>
+          </a:fontRef>
+        </p:style>
+      </p:cxnSp>
+      <p:sp>
+        <p:nvSpPr>
+          <p:cNvPr id="26" name="TextBox 25">
+            <a:extLst>
+              <a:ext uri="{FF2B5EF4-FFF2-40B4-BE49-F238E27FC236}">
+                <a16:creationId xmlns:a16="http://schemas.microsoft.com/office/drawing/2014/main" id="{83C5768A-2E69-4D7A-A947-EAEFE2E6388D}"/>
+              </a:ext>
+            </a:extLst>
+          </p:cNvPr>
+          <p:cNvSpPr txBox="1"/>
+          <p:nvPr/>
+        </p:nvSpPr>
+        <p:spPr>
+          <a:xfrm>
+            <a:off x="7655029" y="5773176"/>
+            <a:ext cx="2389595" cy="646331"/>
+          </a:xfrm>
+          <a:prstGeom prst="rect">
+            <a:avLst/>
+          </a:prstGeom>
+          <a:noFill/>
+        </p:spPr>
+        <p:txBody>
+          <a:bodyPr wrap="square" rtlCol="0">
+            <a:spAutoFit/>
+          </a:bodyPr>
+          <a:lstStyle/>
+          <a:p>
+            <a:r>
+              <a:rPr lang="en-US" dirty="0"/>
+              <a:t>Notes (explain discrepancies)</a:t>
+            </a:r>
+          </a:p>
+        </p:txBody>
+      </p:sp>
+      <p:sp>
+        <p:nvSpPr>
+          <p:cNvPr id="28" name="Title 1">
+            <a:extLst>
+              <a:ext uri="{FF2B5EF4-FFF2-40B4-BE49-F238E27FC236}">
+                <a16:creationId xmlns:a16="http://schemas.microsoft.com/office/drawing/2014/main" id="{BE1B1887-23F4-415E-880B-0E5EAD2E4E0D}"/>
+              </a:ext>
+            </a:extLst>
+          </p:cNvPr>
+          <p:cNvSpPr>
+            <a:spLocks noGrp="1"/>
+          </p:cNvSpPr>
+          <p:nvPr>
+            <p:ph type="title"/>
+          </p:nvPr>
+        </p:nvSpPr>
+        <p:spPr>
+          <a:xfrm>
+            <a:off x="137139" y="-77066"/>
+            <a:ext cx="7486651" cy="719569"/>
+          </a:xfrm>
+        </p:spPr>
+        <p:txBody>
+          <a:bodyPr>
+            <a:normAutofit/>
+          </a:bodyPr>
+          <a:lstStyle/>
+          <a:p>
+            <a:r>
+              <a:rPr lang="en-US" sz="4400" dirty="0">
+                <a:solidFill>
+                  <a:schemeClr val="accent3"/>
+                </a:solidFill>
+              </a:rPr>
+              <a:t>OUTPUT: COUNTING</a:t>
+            </a:r>
+          </a:p>
+        </p:txBody>
+      </p:sp>
+    </p:spTree>
+    <p:extLst>
+      <p:ext uri="{BB962C8B-B14F-4D97-AF65-F5344CB8AC3E}">
+        <p14:creationId xmlns:p14="http://schemas.microsoft.com/office/powerpoint/2010/main" val="523766733"/>
+      </p:ext>
+    </p:extLst>
+  </p:cSld>
+  <p:clrMapOvr>
+    <a:masterClrMapping/>
+  </p:clrMapOvr>
+  <p:timing>
+    <p:tnLst>
+      <p:par>
+        <p:cTn id="1" dur="indefinite" restart="never" nodeType="tmRoot">
+          <p:childTnLst>
+            <p:seq concurrent="1" nextAc="seek">
+              <p:cTn id="2" dur="indefinite" nodeType="mainSeq">
+                <p:childTnLst>
+                  <p:par>
+                    <p:cTn id="3" fill="hold">
+                      <p:stCondLst>
+                        <p:cond delay="indefinite"/>
+                      </p:stCondLst>
+                      <p:childTnLst>
+                        <p:par>
+                          <p:cTn id="4" fill="hold">
+                            <p:stCondLst>
+                              <p:cond delay="0"/>
+                            </p:stCondLst>
+                            <p:childTnLst>
+                              <p:par>
+                                <p:cTn id="5" presetID="1" presetClass="entr" presetSubtype="0" fill="hold" grpId="0" nodeType="clickEffect">
+                                  <p:stCondLst>
+                                    <p:cond delay="0"/>
+                                  </p:stCondLst>
+                                  <p:childTnLst>
+                                    <p:set>
+                                      <p:cBhvr>
+                                        <p:cTn id="6" dur="1" fill="hold">
+                                          <p:stCondLst>
+                                            <p:cond delay="0"/>
+                                          </p:stCondLst>
+                                        </p:cTn>
+                                        <p:tgtEl>
+                                          <p:spTgt spid="7"/>
+                                        </p:tgtEl>
+                                        <p:attrNameLst>
+                                          <p:attrName>style.visibility</p:attrName>
+                                        </p:attrNameLst>
+                                      </p:cBhvr>
+                                      <p:to>
+                                        <p:strVal val="visible"/>
+                                      </p:to>
+                                    </p:set>
+                                  </p:childTnLst>
+                                </p:cTn>
+                              </p:par>
+                              <p:par>
+                                <p:cTn id="7" presetID="1" presetClass="entr" presetSubtype="0" fill="hold" nodeType="withEffect">
+                                  <p:stCondLst>
+                                    <p:cond delay="0"/>
+                                  </p:stCondLst>
+                                  <p:childTnLst>
+                                    <p:set>
+                                      <p:cBhvr>
+                                        <p:cTn id="8" dur="1" fill="hold">
+                                          <p:stCondLst>
+                                            <p:cond delay="0"/>
+                                          </p:stCondLst>
+                                        </p:cTn>
+                                        <p:tgtEl>
+                                          <p:spTgt spid="9"/>
+                                        </p:tgtEl>
+                                        <p:attrNameLst>
+                                          <p:attrName>style.visibility</p:attrName>
+                                        </p:attrNameLst>
+                                      </p:cBhvr>
+                                      <p:to>
+                                        <p:strVal val="visible"/>
+                                      </p:to>
+                                    </p:set>
+                                  </p:childTnLst>
+                                </p:cTn>
+                              </p:par>
+                              <p:par>
+                                <p:cTn id="9" presetID="1" presetClass="entr" presetSubtype="0" fill="hold" grpId="0" nodeType="withEffect">
+                                  <p:stCondLst>
+                                    <p:cond delay="0"/>
+                                  </p:stCondLst>
+                                  <p:childTnLst>
+                                    <p:set>
+                                      <p:cBhvr>
+                                        <p:cTn id="10" dur="1" fill="hold">
+                                          <p:stCondLst>
+                                            <p:cond delay="0"/>
+                                          </p:stCondLst>
+                                        </p:cTn>
+                                        <p:tgtEl>
+                                          <p:spTgt spid="6"/>
+                                        </p:tgtEl>
+                                        <p:attrNameLst>
+                                          <p:attrName>style.visibility</p:attrName>
+                                        </p:attrNameLst>
+                                      </p:cBhvr>
+                                      <p:to>
+                                        <p:strVal val="visible"/>
+                                      </p:to>
+                                    </p:set>
+                                  </p:childTnLst>
+                                </p:cTn>
+                              </p:par>
+                            </p:childTnLst>
+                          </p:cTn>
+                        </p:par>
+                      </p:childTnLst>
+                    </p:cTn>
+                  </p:par>
+                  <p:par>
+                    <p:cTn id="11" fill="hold">
+                      <p:stCondLst>
+                        <p:cond delay="indefinite"/>
+                      </p:stCondLst>
+                      <p:childTnLst>
+                        <p:par>
+                          <p:cTn id="12" fill="hold">
+                            <p:stCondLst>
+                              <p:cond delay="0"/>
+                            </p:stCondLst>
+                            <p:childTnLst>
+                              <p:par>
+                                <p:cTn id="13" presetID="1" presetClass="entr" presetSubtype="0" fill="hold" grpId="0" nodeType="clickEffect">
+                                  <p:stCondLst>
+                                    <p:cond delay="0"/>
+                                  </p:stCondLst>
+                                  <p:childTnLst>
+                                    <p:set>
+                                      <p:cBhvr>
+                                        <p:cTn id="14" dur="1" fill="hold">
+                                          <p:stCondLst>
+                                            <p:cond delay="0"/>
+                                          </p:stCondLst>
+                                        </p:cTn>
+                                        <p:tgtEl>
+                                          <p:spTgt spid="10"/>
+                                        </p:tgtEl>
+                                        <p:attrNameLst>
+                                          <p:attrName>style.visibility</p:attrName>
+                                        </p:attrNameLst>
+                                      </p:cBhvr>
+                                      <p:to>
+                                        <p:strVal val="visible"/>
+                                      </p:to>
+                                    </p:set>
+                                  </p:childTnLst>
+                                </p:cTn>
+                              </p:par>
+                              <p:par>
+                                <p:cTn id="15" presetID="1" presetClass="entr" presetSubtype="0" fill="hold" nodeType="withEffect">
+                                  <p:stCondLst>
+                                    <p:cond delay="0"/>
+                                  </p:stCondLst>
+                                  <p:childTnLst>
+                                    <p:set>
+                                      <p:cBhvr>
+                                        <p:cTn id="16" dur="1" fill="hold">
+                                          <p:stCondLst>
+                                            <p:cond delay="0"/>
+                                          </p:stCondLst>
+                                        </p:cTn>
+                                        <p:tgtEl>
+                                          <p:spTgt spid="11"/>
+                                        </p:tgtEl>
+                                        <p:attrNameLst>
+                                          <p:attrName>style.visibility</p:attrName>
+                                        </p:attrNameLst>
+                                      </p:cBhvr>
+                                      <p:to>
+                                        <p:strVal val="visible"/>
+                                      </p:to>
+                                    </p:set>
+                                  </p:childTnLst>
+                                </p:cTn>
+                              </p:par>
+                              <p:par>
+                                <p:cTn id="17" presetID="1" presetClass="entr" presetSubtype="0" fill="hold" grpId="0" nodeType="withEffect">
+                                  <p:stCondLst>
+                                    <p:cond delay="0"/>
+                                  </p:stCondLst>
+                                  <p:childTnLst>
+                                    <p:set>
+                                      <p:cBhvr>
+                                        <p:cTn id="18" dur="1" fill="hold">
+                                          <p:stCondLst>
+                                            <p:cond delay="0"/>
+                                          </p:stCondLst>
+                                        </p:cTn>
+                                        <p:tgtEl>
+                                          <p:spTgt spid="14"/>
+                                        </p:tgtEl>
+                                        <p:attrNameLst>
+                                          <p:attrName>style.visibility</p:attrName>
+                                        </p:attrNameLst>
+                                      </p:cBhvr>
+                                      <p:to>
+                                        <p:strVal val="visible"/>
+                                      </p:to>
+                                    </p:set>
+                                  </p:childTnLst>
+                                </p:cTn>
+                              </p:par>
+                            </p:childTnLst>
+                          </p:cTn>
+                        </p:par>
+                      </p:childTnLst>
+                    </p:cTn>
+                  </p:par>
+                  <p:par>
+                    <p:cTn id="19" fill="hold">
+                      <p:stCondLst>
+                        <p:cond delay="indefinite"/>
+                      </p:stCondLst>
+                      <p:childTnLst>
+                        <p:par>
+                          <p:cTn id="20" fill="hold">
+                            <p:stCondLst>
+                              <p:cond delay="0"/>
+                            </p:stCondLst>
+                            <p:childTnLst>
+                              <p:par>
+                                <p:cTn id="21" presetID="1" presetClass="entr" presetSubtype="0" fill="hold" grpId="0" nodeType="clickEffect">
+                                  <p:stCondLst>
+                                    <p:cond delay="0"/>
+                                  </p:stCondLst>
+                                  <p:childTnLst>
+                                    <p:set>
+                                      <p:cBhvr>
+                                        <p:cTn id="22" dur="1" fill="hold">
+                                          <p:stCondLst>
+                                            <p:cond delay="0"/>
+                                          </p:stCondLst>
+                                        </p:cTn>
+                                        <p:tgtEl>
+                                          <p:spTgt spid="15"/>
+                                        </p:tgtEl>
+                                        <p:attrNameLst>
+                                          <p:attrName>style.visibility</p:attrName>
+                                        </p:attrNameLst>
+                                      </p:cBhvr>
+                                      <p:to>
+                                        <p:strVal val="visible"/>
+                                      </p:to>
+                                    </p:set>
+                                  </p:childTnLst>
+                                </p:cTn>
+                              </p:par>
+                              <p:par>
+                                <p:cTn id="23" presetID="1" presetClass="entr" presetSubtype="0" fill="hold" nodeType="withEffect">
+                                  <p:stCondLst>
+                                    <p:cond delay="0"/>
+                                  </p:stCondLst>
+                                  <p:childTnLst>
+                                    <p:set>
+                                      <p:cBhvr>
+                                        <p:cTn id="24" dur="1" fill="hold">
+                                          <p:stCondLst>
+                                            <p:cond delay="0"/>
+                                          </p:stCondLst>
+                                        </p:cTn>
+                                        <p:tgtEl>
+                                          <p:spTgt spid="16"/>
+                                        </p:tgtEl>
+                                        <p:attrNameLst>
+                                          <p:attrName>style.visibility</p:attrName>
+                                        </p:attrNameLst>
+                                      </p:cBhvr>
+                                      <p:to>
+                                        <p:strVal val="visible"/>
+                                      </p:to>
+                                    </p:set>
+                                  </p:childTnLst>
+                                </p:cTn>
+                              </p:par>
+                              <p:par>
+                                <p:cTn id="25" presetID="1" presetClass="entr" presetSubtype="0" fill="hold" grpId="0" nodeType="withEffect">
+                                  <p:stCondLst>
+                                    <p:cond delay="0"/>
+                                  </p:stCondLst>
+                                  <p:childTnLst>
+                                    <p:set>
+                                      <p:cBhvr>
+                                        <p:cTn id="26" dur="1" fill="hold">
+                                          <p:stCondLst>
+                                            <p:cond delay="0"/>
+                                          </p:stCondLst>
+                                        </p:cTn>
+                                        <p:tgtEl>
+                                          <p:spTgt spid="19"/>
+                                        </p:tgtEl>
+                                        <p:attrNameLst>
+                                          <p:attrName>style.visibility</p:attrName>
+                                        </p:attrNameLst>
+                                      </p:cBhvr>
+                                      <p:to>
+                                        <p:strVal val="visible"/>
+                                      </p:to>
+                                    </p:set>
+                                  </p:childTnLst>
+                                </p:cTn>
+                              </p:par>
+                            </p:childTnLst>
+                          </p:cTn>
+                        </p:par>
+                      </p:childTnLst>
+                    </p:cTn>
+                  </p:par>
+                  <p:par>
+                    <p:cTn id="27" fill="hold">
+                      <p:stCondLst>
+                        <p:cond delay="indefinite"/>
+                      </p:stCondLst>
+                      <p:childTnLst>
+                        <p:par>
+                          <p:cTn id="28" fill="hold">
+                            <p:stCondLst>
+                              <p:cond delay="0"/>
+                            </p:stCondLst>
+                            <p:childTnLst>
+                              <p:par>
+                                <p:cTn id="29" presetID="1" presetClass="entr" presetSubtype="0" fill="hold" grpId="0" nodeType="clickEffect">
+                                  <p:stCondLst>
+                                    <p:cond delay="0"/>
+                                  </p:stCondLst>
+                                  <p:childTnLst>
+                                    <p:set>
+                                      <p:cBhvr>
+                                        <p:cTn id="30" dur="1" fill="hold">
+                                          <p:stCondLst>
+                                            <p:cond delay="0"/>
+                                          </p:stCondLst>
+                                        </p:cTn>
+                                        <p:tgtEl>
+                                          <p:spTgt spid="20"/>
+                                        </p:tgtEl>
+                                        <p:attrNameLst>
+                                          <p:attrName>style.visibility</p:attrName>
+                                        </p:attrNameLst>
+                                      </p:cBhvr>
+                                      <p:to>
+                                        <p:strVal val="visible"/>
+                                      </p:to>
+                                    </p:set>
+                                  </p:childTnLst>
+                                </p:cTn>
+                              </p:par>
+                              <p:par>
+                                <p:cTn id="31" presetID="1" presetClass="entr" presetSubtype="0" fill="hold" nodeType="withEffect">
+                                  <p:stCondLst>
+                                    <p:cond delay="0"/>
+                                  </p:stCondLst>
+                                  <p:childTnLst>
+                                    <p:set>
+                                      <p:cBhvr>
+                                        <p:cTn id="32" dur="1" fill="hold">
+                                          <p:stCondLst>
+                                            <p:cond delay="0"/>
+                                          </p:stCondLst>
+                                        </p:cTn>
+                                        <p:tgtEl>
+                                          <p:spTgt spid="21"/>
+                                        </p:tgtEl>
+                                        <p:attrNameLst>
+                                          <p:attrName>style.visibility</p:attrName>
+                                        </p:attrNameLst>
+                                      </p:cBhvr>
+                                      <p:to>
+                                        <p:strVal val="visible"/>
+                                      </p:to>
+                                    </p:set>
+                                  </p:childTnLst>
+                                </p:cTn>
+                              </p:par>
+                              <p:par>
+                                <p:cTn id="33" presetID="1" presetClass="entr" presetSubtype="0" fill="hold" grpId="0" nodeType="withEffect">
+                                  <p:stCondLst>
+                                    <p:cond delay="0"/>
+                                  </p:stCondLst>
+                                  <p:childTnLst>
+                                    <p:set>
+                                      <p:cBhvr>
+                                        <p:cTn id="34" dur="1" fill="hold">
+                                          <p:stCondLst>
+                                            <p:cond delay="0"/>
+                                          </p:stCondLst>
+                                        </p:cTn>
+                                        <p:tgtEl>
+                                          <p:spTgt spid="22"/>
+                                        </p:tgtEl>
+                                        <p:attrNameLst>
+                                          <p:attrName>style.visibility</p:attrName>
+                                        </p:attrNameLst>
+                                      </p:cBhvr>
+                                      <p:to>
+                                        <p:strVal val="visible"/>
+                                      </p:to>
+                                    </p:set>
+                                  </p:childTnLst>
+                                </p:cTn>
+                              </p:par>
+                            </p:childTnLst>
+                          </p:cTn>
+                        </p:par>
+                      </p:childTnLst>
+                    </p:cTn>
+                  </p:par>
+                  <p:par>
+                    <p:cTn id="35" fill="hold">
+                      <p:stCondLst>
+                        <p:cond delay="indefinite"/>
+                      </p:stCondLst>
+                      <p:childTnLst>
+                        <p:par>
+                          <p:cTn id="36" fill="hold">
+                            <p:stCondLst>
+                              <p:cond delay="0"/>
+                            </p:stCondLst>
+                            <p:childTnLst>
+                              <p:par>
+                                <p:cTn id="37" presetID="1" presetClass="entr" presetSubtype="0" fill="hold" grpId="0" nodeType="clickEffect">
+                                  <p:stCondLst>
+                                    <p:cond delay="0"/>
+                                  </p:stCondLst>
+                                  <p:childTnLst>
+                                    <p:set>
+                                      <p:cBhvr>
+                                        <p:cTn id="38" dur="1" fill="hold">
+                                          <p:stCondLst>
+                                            <p:cond delay="0"/>
+                                          </p:stCondLst>
+                                        </p:cTn>
+                                        <p:tgtEl>
+                                          <p:spTgt spid="23"/>
+                                        </p:tgtEl>
+                                        <p:attrNameLst>
+                                          <p:attrName>style.visibility</p:attrName>
+                                        </p:attrNameLst>
+                                      </p:cBhvr>
+                                      <p:to>
+                                        <p:strVal val="visible"/>
+                                      </p:to>
+                                    </p:set>
+                                  </p:childTnLst>
+                                </p:cTn>
+                              </p:par>
+                              <p:par>
+                                <p:cTn id="39" presetID="1" presetClass="entr" presetSubtype="0" fill="hold" nodeType="withEffect">
+                                  <p:stCondLst>
+                                    <p:cond delay="0"/>
+                                  </p:stCondLst>
+                                  <p:childTnLst>
+                                    <p:set>
+                                      <p:cBhvr>
+                                        <p:cTn id="40" dur="1" fill="hold">
+                                          <p:stCondLst>
+                                            <p:cond delay="0"/>
+                                          </p:stCondLst>
+                                        </p:cTn>
+                                        <p:tgtEl>
+                                          <p:spTgt spid="24"/>
+                                        </p:tgtEl>
+                                        <p:attrNameLst>
+                                          <p:attrName>style.visibility</p:attrName>
+                                        </p:attrNameLst>
+                                      </p:cBhvr>
+                                      <p:to>
+                                        <p:strVal val="visible"/>
+                                      </p:to>
+                                    </p:set>
+                                  </p:childTnLst>
+                                </p:cTn>
+                              </p:par>
+                              <p:par>
+                                <p:cTn id="41" presetID="1" presetClass="entr" presetSubtype="0" fill="hold" grpId="0" nodeType="withEffect">
+                                  <p:stCondLst>
+                                    <p:cond delay="0"/>
+                                  </p:stCondLst>
+                                  <p:childTnLst>
+                                    <p:set>
+                                      <p:cBhvr>
+                                        <p:cTn id="42" dur="1" fill="hold">
+                                          <p:stCondLst>
+                                            <p:cond delay="0"/>
+                                          </p:stCondLst>
+                                        </p:cTn>
+                                        <p:tgtEl>
+                                          <p:spTgt spid="26"/>
+                                        </p:tgtEl>
+                                        <p:attrNameLst>
+                                          <p:attrName>style.visibility</p:attrName>
+                                        </p:attrNameLst>
+                                      </p:cBhvr>
+                                      <p:to>
+                                        <p:strVal val="visible"/>
+                                      </p:to>
+                                    </p:set>
+                                  </p:childTnLst>
+                                </p:cTn>
+                              </p:par>
+                            </p:childTnLst>
+                          </p:cTn>
+                        </p:par>
+                      </p:childTnLst>
+                    </p:cTn>
+                  </p:par>
+                </p:childTnLst>
+              </p:cTn>
+              <p:prevCondLst>
+                <p:cond evt="onPrev" delay="0">
+                  <p:tgtEl>
+                    <p:sldTgt/>
+                  </p:tgtEl>
+                </p:cond>
+              </p:prevCondLst>
+              <p:nextCondLst>
+                <p:cond evt="onNext" delay="0">
+                  <p:tgtEl>
+                    <p:sldTgt/>
+                  </p:tgtEl>
+                </p:cond>
+              </p:nextCondLst>
+            </p:seq>
+          </p:childTnLst>
+        </p:cTn>
+      </p:par>
+    </p:tnLst>
+    <p:bldLst>
+      <p:bldP spid="6" grpId="0"/>
+      <p:bldP spid="7" grpId="0" animBg="1"/>
+      <p:bldP spid="10" grpId="0" animBg="1"/>
+      <p:bldP spid="14" grpId="0"/>
+      <p:bldP spid="15" grpId="0" animBg="1"/>
+      <p:bldP spid="19" grpId="0"/>
+      <p:bldP spid="20" grpId="0" animBg="1"/>
+      <p:bldP spid="22" grpId="0"/>
+      <p:bldP spid="23" grpId="0" animBg="1"/>
+      <p:bldP spid="26" grpId="0"/>
+    </p:bldLst>
+  </p:timing>
+</p:sld>
+</file>
+
+<file path=ppt/slides/slide7.xml><?xml version="1.0" encoding="utf-8"?>
+<p:sld xmlns:a="http://schemas.openxmlformats.org/drawingml/2006/main" xmlns:r="http://schemas.openxmlformats.org/officeDocument/2006/relationships" xmlns:p="http://schemas.openxmlformats.org/presentationml/2006/main">
+  <p:cSld>
+    <p:spTree>
+      <p:nvGrpSpPr>
+        <p:cNvPr id="1" name=""/>
+        <p:cNvGrpSpPr/>
+        <p:nvPr/>
+      </p:nvGrpSpPr>
+      <p:grpSpPr>
+        <a:xfrm>
+          <a:off x="0" y="0"/>
+          <a:ext cx="0" cy="0"/>
+          <a:chOff x="0" y="0"/>
+          <a:chExt cx="0" cy="0"/>
+        </a:xfrm>
+      </p:grpSpPr>
+      <p:pic>
+        <p:nvPicPr>
+          <p:cNvPr id="5" name="Picture 4">
+            <a:extLst>
+              <a:ext uri="{FF2B5EF4-FFF2-40B4-BE49-F238E27FC236}">
+                <a16:creationId xmlns:a16="http://schemas.microsoft.com/office/drawing/2014/main" id="{09F8D823-57ED-4907-8BF2-C59AD8A339E6}"/>
+              </a:ext>
+            </a:extLst>
+          </p:cNvPr>
+          <p:cNvPicPr>
+            <a:picLocks noChangeAspect="1"/>
+          </p:cNvPicPr>
+          <p:nvPr/>
+        </p:nvPicPr>
+        <p:blipFill>
+          <a:blip r:embed="rId3"/>
           <a:stretch>
             <a:fillRect/>
           </a:stretch>
@@ -5612,7 +9992,7 @@
           <p:nvPr/>
         </p:nvPicPr>
         <p:blipFill>
-          <a:blip r:embed="rId3"/>
+          <a:blip r:embed="rId4"/>
           <a:stretch>
             <a:fillRect/>
           </a:stretch>
@@ -5788,7 +10168,7 @@
 </p:sld>
 </file>
 
-<file path=ppt/slides/slide6.xml><?xml version="1.0" encoding="utf-8"?>
+<file path=ppt/slides/slide8.xml><?xml version="1.0" encoding="utf-8"?>
 <p:sld xmlns:a="http://schemas.openxmlformats.org/drawingml/2006/main" xmlns:r="http://schemas.openxmlformats.org/officeDocument/2006/relationships" xmlns:p="http://schemas.openxmlformats.org/presentationml/2006/main">
   <p:cSld>
     <p:spTree>
@@ -5820,7 +10200,7 @@
           <p:nvPr/>
         </p:nvPicPr>
         <p:blipFill>
-          <a:blip r:embed="rId2"/>
+          <a:blip r:embed="rId3"/>
           <a:stretch>
             <a:fillRect/>
           </a:stretch>
@@ -6235,237 +10615,6 @@
     <p:extLst>
       <p:ext uri="{BB962C8B-B14F-4D97-AF65-F5344CB8AC3E}">
         <p14:creationId xmlns:p14="http://schemas.microsoft.com/office/powerpoint/2010/main" val="2181872558"/>
-      </p:ext>
-    </p:extLst>
-  </p:cSld>
-  <p:clrMapOvr>
-    <a:masterClrMapping/>
-  </p:clrMapOvr>
-</p:sld>
-</file>
-
-<file path=ppt/slides/slide7.xml><?xml version="1.0" encoding="utf-8"?>
-<p:sld xmlns:a="http://schemas.openxmlformats.org/drawingml/2006/main" xmlns:r="http://schemas.openxmlformats.org/officeDocument/2006/relationships" xmlns:p="http://schemas.openxmlformats.org/presentationml/2006/main">
-  <p:cSld>
-    <p:spTree>
-      <p:nvGrpSpPr>
-        <p:cNvPr id="1" name=""/>
-        <p:cNvGrpSpPr/>
-        <p:nvPr/>
-      </p:nvGrpSpPr>
-      <p:grpSpPr>
-        <a:xfrm>
-          <a:off x="0" y="0"/>
-          <a:ext cx="0" cy="0"/>
-          <a:chOff x="0" y="0"/>
-          <a:chExt cx="0" cy="0"/>
-        </a:xfrm>
-      </p:grpSpPr>
-      <p:sp>
-        <p:nvSpPr>
-          <p:cNvPr id="2" name="Title 1">
-            <a:extLst>
-              <a:ext uri="{FF2B5EF4-FFF2-40B4-BE49-F238E27FC236}">
-                <a16:creationId xmlns:a16="http://schemas.microsoft.com/office/drawing/2014/main" id="{F617B170-8C51-4CE9-ADEA-B8F0931130E1}"/>
-              </a:ext>
-            </a:extLst>
-          </p:cNvPr>
-          <p:cNvSpPr>
-            <a:spLocks noGrp="1"/>
-          </p:cNvSpPr>
-          <p:nvPr>
-            <p:ph type="title"/>
-          </p:nvPr>
-        </p:nvSpPr>
-        <p:spPr/>
-        <p:txBody>
-          <a:bodyPr/>
-          <a:lstStyle/>
-          <a:p>
-            <a:r>
-              <a:rPr lang="en-US" dirty="0"/>
-              <a:t>Lessons learned</a:t>
-            </a:r>
-          </a:p>
-        </p:txBody>
-      </p:sp>
-      <p:sp>
-        <p:nvSpPr>
-          <p:cNvPr id="3" name="Content Placeholder 2">
-            <a:extLst>
-              <a:ext uri="{FF2B5EF4-FFF2-40B4-BE49-F238E27FC236}">
-                <a16:creationId xmlns:a16="http://schemas.microsoft.com/office/drawing/2014/main" id="{5D24522A-DC7F-47E4-8239-0C80702F4782}"/>
-              </a:ext>
-            </a:extLst>
-          </p:cNvPr>
-          <p:cNvSpPr>
-            <a:spLocks noGrp="1"/>
-          </p:cNvSpPr>
-          <p:nvPr>
-            <p:ph idx="1"/>
-          </p:nvPr>
-        </p:nvSpPr>
-        <p:spPr/>
-        <p:txBody>
-          <a:bodyPr/>
-          <a:lstStyle/>
-          <a:p>
-            <a:r>
-              <a:rPr lang="en-US" dirty="0"/>
-              <a:t>DOCUMENT EVERYTHING</a:t>
-            </a:r>
-          </a:p>
-          <a:p>
-            <a:r>
-              <a:rPr lang="en-US" dirty="0"/>
-              <a:t>At least 2 people</a:t>
-            </a:r>
-          </a:p>
-          <a:p>
-            <a:r>
-              <a:rPr lang="en-US" dirty="0"/>
-              <a:t>Mistakes exist on every level</a:t>
-            </a:r>
-          </a:p>
-        </p:txBody>
-      </p:sp>
-    </p:spTree>
-    <p:extLst>
-      <p:ext uri="{BB962C8B-B14F-4D97-AF65-F5344CB8AC3E}">
-        <p14:creationId xmlns:p14="http://schemas.microsoft.com/office/powerpoint/2010/main" val="1740983426"/>
-      </p:ext>
-    </p:extLst>
-  </p:cSld>
-  <p:clrMapOvr>
-    <a:masterClrMapping/>
-  </p:clrMapOvr>
-</p:sld>
-</file>
-
-<file path=ppt/slides/slide8.xml><?xml version="1.0" encoding="utf-8"?>
-<p:sld xmlns:a="http://schemas.openxmlformats.org/drawingml/2006/main" xmlns:r="http://schemas.openxmlformats.org/officeDocument/2006/relationships" xmlns:p="http://schemas.openxmlformats.org/presentationml/2006/main">
-  <p:cSld>
-    <p:spTree>
-      <p:nvGrpSpPr>
-        <p:cNvPr id="1" name=""/>
-        <p:cNvGrpSpPr/>
-        <p:nvPr/>
-      </p:nvGrpSpPr>
-      <p:grpSpPr>
-        <a:xfrm>
-          <a:off x="0" y="0"/>
-          <a:ext cx="0" cy="0"/>
-          <a:chOff x="0" y="0"/>
-          <a:chExt cx="0" cy="0"/>
-        </a:xfrm>
-      </p:grpSpPr>
-      <p:sp>
-        <p:nvSpPr>
-          <p:cNvPr id="2" name="Title 1">
-            <a:extLst>
-              <a:ext uri="{FF2B5EF4-FFF2-40B4-BE49-F238E27FC236}">
-                <a16:creationId xmlns:a16="http://schemas.microsoft.com/office/drawing/2014/main" id="{F617B170-8C51-4CE9-ADEA-B8F0931130E1}"/>
-              </a:ext>
-            </a:extLst>
-          </p:cNvPr>
-          <p:cNvSpPr>
-            <a:spLocks noGrp="1"/>
-          </p:cNvSpPr>
-          <p:nvPr>
-            <p:ph type="title"/>
-          </p:nvPr>
-        </p:nvSpPr>
-        <p:spPr/>
-        <p:txBody>
-          <a:bodyPr/>
-          <a:lstStyle/>
-          <a:p>
-            <a:r>
-              <a:rPr lang="en-US" dirty="0"/>
-              <a:t>Lessons learned</a:t>
-            </a:r>
-          </a:p>
-        </p:txBody>
-      </p:sp>
-      <p:sp>
-        <p:nvSpPr>
-          <p:cNvPr id="3" name="Content Placeholder 2">
-            <a:extLst>
-              <a:ext uri="{FF2B5EF4-FFF2-40B4-BE49-F238E27FC236}">
-                <a16:creationId xmlns:a16="http://schemas.microsoft.com/office/drawing/2014/main" id="{5D24522A-DC7F-47E4-8239-0C80702F4782}"/>
-              </a:ext>
-            </a:extLst>
-          </p:cNvPr>
-          <p:cNvSpPr>
-            <a:spLocks noGrp="1"/>
-          </p:cNvSpPr>
-          <p:nvPr>
-            <p:ph idx="1"/>
-          </p:nvPr>
-        </p:nvSpPr>
-        <p:spPr/>
-        <p:txBody>
-          <a:bodyPr/>
-          <a:lstStyle/>
-          <a:p>
-            <a:r>
-              <a:rPr lang="en-US" b="1" dirty="0">
-                <a:solidFill>
-                  <a:schemeClr val="accent1">
-                    <a:lumMod val="60000"/>
-                    <a:lumOff val="40000"/>
-                  </a:schemeClr>
-                </a:solidFill>
-              </a:rPr>
-              <a:t>DOCUMENT EVERYTHING</a:t>
-            </a:r>
-          </a:p>
-          <a:p>
-            <a:pPr lvl="1"/>
-            <a:r>
-              <a:rPr lang="en-US" dirty="0"/>
-              <a:t>Nobody likes documentation, but everyone needs documentation</a:t>
-            </a:r>
-          </a:p>
-          <a:p>
-            <a:pPr lvl="1"/>
-            <a:r>
-              <a:rPr lang="en-US" dirty="0"/>
-              <a:t>Figuring out WHY something needs to happen takes way more time than actually making it happen</a:t>
-            </a:r>
-          </a:p>
-          <a:p>
-            <a:pPr lvl="1"/>
-            <a:r>
-              <a:rPr lang="en-US" dirty="0"/>
-              <a:t>No need to explain the same thing over and over again to different people</a:t>
-            </a:r>
-          </a:p>
-          <a:p>
-            <a:pPr lvl="1"/>
-            <a:r>
-              <a:rPr lang="en-US" dirty="0"/>
-              <a:t>If someone leaves the project, their work can be continued</a:t>
-            </a:r>
-          </a:p>
-          <a:p>
-            <a:r>
-              <a:rPr lang="en-US" dirty="0"/>
-              <a:t>At least 2 people</a:t>
-            </a:r>
-          </a:p>
-          <a:p>
-            <a:r>
-              <a:rPr lang="en-US" dirty="0"/>
-              <a:t>Mistakes exist on every level</a:t>
-            </a:r>
-          </a:p>
-        </p:txBody>
-      </p:sp>
-    </p:spTree>
-    <p:extLst>
-      <p:ext uri="{BB962C8B-B14F-4D97-AF65-F5344CB8AC3E}">
-        <p14:creationId xmlns:p14="http://schemas.microsoft.com/office/powerpoint/2010/main" val="106518679"/>
       </p:ext>
     </p:extLst>
   </p:cSld>
@@ -6508,73 +10657,717 @@
             <p:ph type="title"/>
           </p:nvPr>
         </p:nvSpPr>
-        <p:spPr/>
+        <p:spPr>
+          <a:xfrm>
+            <a:off x="750711" y="169164"/>
+            <a:ext cx="10241280" cy="899959"/>
+          </a:xfrm>
+        </p:spPr>
         <p:txBody>
           <a:bodyPr/>
           <a:lstStyle/>
           <a:p>
             <a:r>
               <a:rPr lang="en-US" dirty="0"/>
-              <a:t>Lessons learned</a:t>
-            </a:r>
-          </a:p>
-        </p:txBody>
-      </p:sp>
-      <p:sp>
-        <p:nvSpPr>
-          <p:cNvPr id="3" name="Content Placeholder 2">
-            <a:extLst>
-              <a:ext uri="{FF2B5EF4-FFF2-40B4-BE49-F238E27FC236}">
-                <a16:creationId xmlns:a16="http://schemas.microsoft.com/office/drawing/2014/main" id="{5D24522A-DC7F-47E4-8239-0C80702F4782}"/>
-              </a:ext>
-            </a:extLst>
-          </p:cNvPr>
-          <p:cNvSpPr>
-            <a:spLocks noGrp="1"/>
-          </p:cNvSpPr>
-          <p:nvPr>
-            <p:ph idx="1"/>
-          </p:nvPr>
-        </p:nvSpPr>
-        <p:spPr/>
-        <p:txBody>
-          <a:bodyPr/>
+              <a:t>This method is cyclical</a:t>
+            </a:r>
+          </a:p>
+        </p:txBody>
+      </p:sp>
+      <p:sp>
+        <p:nvSpPr>
+          <p:cNvPr id="23" name="Freeform: Shape 22">
+            <a:extLst>
+              <a:ext uri="{FF2B5EF4-FFF2-40B4-BE49-F238E27FC236}">
+                <a16:creationId xmlns:a16="http://schemas.microsoft.com/office/drawing/2014/main" id="{F8B752A5-065A-49AB-9D88-9541EBD87704}"/>
+              </a:ext>
+            </a:extLst>
+          </p:cNvPr>
+          <p:cNvSpPr/>
+          <p:nvPr/>
+        </p:nvSpPr>
+        <p:spPr>
+          <a:xfrm>
+            <a:off x="5641208" y="1346200"/>
+            <a:ext cx="2170705" cy="3000564"/>
+          </a:xfrm>
+          <a:custGeom>
+            <a:avLst/>
+            <a:gdLst>
+              <a:gd name="connsiteX0" fmla="*/ 87905 w 2170705"/>
+              <a:gd name="connsiteY0" fmla="*/ 0 h 3000564"/>
+              <a:gd name="connsiteX1" fmla="*/ 2170705 w 2170705"/>
+              <a:gd name="connsiteY1" fmla="*/ 2082800 h 3000564"/>
+              <a:gd name="connsiteX2" fmla="*/ 2077066 w 2170705"/>
+              <a:gd name="connsiteY2" fmla="*/ 2702161 h 3000564"/>
+              <a:gd name="connsiteX3" fmla="*/ 2008615 w 2170705"/>
+              <a:gd name="connsiteY3" fmla="*/ 2889185 h 3000564"/>
+              <a:gd name="connsiteX4" fmla="*/ 1258822 w 2170705"/>
+              <a:gd name="connsiteY4" fmla="*/ 3000564 h 3000564"/>
+              <a:gd name="connsiteX5" fmla="*/ 1181803 w 2170705"/>
+              <a:gd name="connsiteY5" fmla="*/ 2482076 h 3000564"/>
+              <a:gd name="connsiteX6" fmla="*/ 1201080 w 2170705"/>
+              <a:gd name="connsiteY6" fmla="*/ 2429407 h 3000564"/>
+              <a:gd name="connsiteX7" fmla="*/ 1253482 w 2170705"/>
+              <a:gd name="connsiteY7" fmla="*/ 2082800 h 3000564"/>
+              <a:gd name="connsiteX8" fmla="*/ 207078 w 2170705"/>
+              <a:gd name="connsiteY8" fmla="*/ 923241 h 3000564"/>
+              <a:gd name="connsiteX9" fmla="*/ 160439 w 2170705"/>
+              <a:gd name="connsiteY9" fmla="*/ 920886 h 3000564"/>
+              <a:gd name="connsiteX10" fmla="*/ 522526 w 2170705"/>
+              <a:gd name="connsiteY10" fmla="*/ 606777 h 3000564"/>
+              <a:gd name="connsiteX11" fmla="*/ 0 w 2170705"/>
+              <a:gd name="connsiteY11" fmla="*/ 4439 h 3000564"/>
+              <a:gd name="connsiteX12" fmla="*/ 87905 w 2170705"/>
+              <a:gd name="connsiteY12" fmla="*/ 0 h 3000564"/>
+            </a:gdLst>
+            <a:ahLst/>
+            <a:cxnLst>
+              <a:cxn ang="0">
+                <a:pos x="connsiteX0" y="connsiteY0"/>
+              </a:cxn>
+              <a:cxn ang="0">
+                <a:pos x="connsiteX1" y="connsiteY1"/>
+              </a:cxn>
+              <a:cxn ang="0">
+                <a:pos x="connsiteX2" y="connsiteY2"/>
+              </a:cxn>
+              <a:cxn ang="0">
+                <a:pos x="connsiteX3" y="connsiteY3"/>
+              </a:cxn>
+              <a:cxn ang="0">
+                <a:pos x="connsiteX4" y="connsiteY4"/>
+              </a:cxn>
+              <a:cxn ang="0">
+                <a:pos x="connsiteX5" y="connsiteY5"/>
+              </a:cxn>
+              <a:cxn ang="0">
+                <a:pos x="connsiteX6" y="connsiteY6"/>
+              </a:cxn>
+              <a:cxn ang="0">
+                <a:pos x="connsiteX7" y="connsiteY7"/>
+              </a:cxn>
+              <a:cxn ang="0">
+                <a:pos x="connsiteX8" y="connsiteY8"/>
+              </a:cxn>
+              <a:cxn ang="0">
+                <a:pos x="connsiteX9" y="connsiteY9"/>
+              </a:cxn>
+              <a:cxn ang="0">
+                <a:pos x="connsiteX10" y="connsiteY10"/>
+              </a:cxn>
+              <a:cxn ang="0">
+                <a:pos x="connsiteX11" y="connsiteY11"/>
+              </a:cxn>
+              <a:cxn ang="0">
+                <a:pos x="connsiteX12" y="connsiteY12"/>
+              </a:cxn>
+            </a:cxnLst>
+            <a:rect l="l" t="t" r="r" b="b"/>
+            <a:pathLst>
+              <a:path w="2170705" h="3000564">
+                <a:moveTo>
+                  <a:pt x="87905" y="0"/>
+                </a:moveTo>
+                <a:cubicBezTo>
+                  <a:pt x="1238204" y="0"/>
+                  <a:pt x="2170705" y="932501"/>
+                  <a:pt x="2170705" y="2082800"/>
+                </a:cubicBezTo>
+                <a:cubicBezTo>
+                  <a:pt x="2170705" y="2298481"/>
+                  <a:pt x="2137922" y="2506505"/>
+                  <a:pt x="2077066" y="2702161"/>
+                </a:cubicBezTo>
+                <a:lnTo>
+                  <a:pt x="2008615" y="2889185"/>
+                </a:lnTo>
+                <a:lnTo>
+                  <a:pt x="1258822" y="3000564"/>
+                </a:lnTo>
+                <a:lnTo>
+                  <a:pt x="1181803" y="2482076"/>
+                </a:lnTo>
+                <a:lnTo>
+                  <a:pt x="1201080" y="2429407"/>
+                </a:lnTo>
+                <a:cubicBezTo>
+                  <a:pt x="1235136" y="2319914"/>
+                  <a:pt x="1253482" y="2203500"/>
+                  <a:pt x="1253482" y="2082800"/>
+                </a:cubicBezTo>
+                <a:cubicBezTo>
+                  <a:pt x="1253482" y="1479303"/>
+                  <a:pt x="794828" y="982930"/>
+                  <a:pt x="207078" y="923241"/>
+                </a:cubicBezTo>
+                <a:lnTo>
+                  <a:pt x="160439" y="920886"/>
+                </a:lnTo>
+                <a:lnTo>
+                  <a:pt x="522526" y="606777"/>
+                </a:lnTo>
+                <a:lnTo>
+                  <a:pt x="0" y="4439"/>
+                </a:lnTo>
+                <a:lnTo>
+                  <a:pt x="87905" y="0"/>
+                </a:lnTo>
+                <a:close/>
+              </a:path>
+            </a:pathLst>
+          </a:custGeom>
+          <a:solidFill>
+            <a:schemeClr val="tx2">
+              <a:lumMod val="50000"/>
+              <a:lumOff val="50000"/>
+            </a:schemeClr>
+          </a:solidFill>
+        </p:spPr>
+        <p:style>
+          <a:lnRef idx="2">
+            <a:schemeClr val="accent1">
+              <a:shade val="50000"/>
+            </a:schemeClr>
+          </a:lnRef>
+          <a:fillRef idx="1">
+            <a:schemeClr val="accent1"/>
+          </a:fillRef>
+          <a:effectRef idx="0">
+            <a:schemeClr val="accent1"/>
+          </a:effectRef>
+          <a:fontRef idx="minor">
+            <a:schemeClr val="lt1"/>
+          </a:fontRef>
+        </p:style>
+        <p:txBody>
+          <a:bodyPr wrap="square" rtlCol="0" anchor="ctr">
+            <a:noAutofit/>
+          </a:bodyPr>
+          <a:lstStyle/>
+          <a:p>
+            <a:pPr algn="ctr"/>
+            <a:endParaRPr lang="en-US">
+              <a:solidFill>
+                <a:schemeClr val="tx1"/>
+              </a:solidFill>
+            </a:endParaRPr>
+          </a:p>
+        </p:txBody>
+      </p:sp>
+      <p:sp>
+        <p:nvSpPr>
+          <p:cNvPr id="22" name="Freeform: Shape 21">
+            <a:extLst>
+              <a:ext uri="{FF2B5EF4-FFF2-40B4-BE49-F238E27FC236}">
+                <a16:creationId xmlns:a16="http://schemas.microsoft.com/office/drawing/2014/main" id="{7DD0E4BF-0DDA-41CA-9D9B-21CDCA7B68C3}"/>
+              </a:ext>
+            </a:extLst>
+          </p:cNvPr>
+          <p:cNvSpPr/>
+          <p:nvPr/>
+        </p:nvSpPr>
+        <p:spPr>
+          <a:xfrm>
+            <a:off x="3646312" y="1384545"/>
+            <a:ext cx="2167090" cy="3301358"/>
+          </a:xfrm>
+          <a:custGeom>
+            <a:avLst/>
+            <a:gdLst>
+              <a:gd name="connsiteX0" fmla="*/ 1689057 w 2167090"/>
+              <a:gd name="connsiteY0" fmla="*/ 0 h 3301358"/>
+              <a:gd name="connsiteX1" fmla="*/ 2167090 w 2167090"/>
+              <a:gd name="connsiteY1" fmla="*/ 551049 h 3301358"/>
+              <a:gd name="connsiteX2" fmla="*/ 1723372 w 2167090"/>
+              <a:gd name="connsiteY2" fmla="*/ 935973 h 3301358"/>
+              <a:gd name="connsiteX3" fmla="*/ 1629105 w 2167090"/>
+              <a:gd name="connsiteY3" fmla="*/ 970475 h 3301358"/>
+              <a:gd name="connsiteX4" fmla="*/ 917223 w 2167090"/>
+              <a:gd name="connsiteY4" fmla="*/ 2044455 h 3301358"/>
+              <a:gd name="connsiteX5" fmla="*/ 1116285 w 2167090"/>
+              <a:gd name="connsiteY5" fmla="*/ 2696140 h 3301358"/>
+              <a:gd name="connsiteX6" fmla="*/ 1146916 w 2167090"/>
+              <a:gd name="connsiteY6" fmla="*/ 2737102 h 3301358"/>
+              <a:gd name="connsiteX7" fmla="*/ 489335 w 2167090"/>
+              <a:gd name="connsiteY7" fmla="*/ 2669894 h 3301358"/>
+              <a:gd name="connsiteX8" fmla="*/ 424797 w 2167090"/>
+              <a:gd name="connsiteY8" fmla="*/ 3301358 h 3301358"/>
+              <a:gd name="connsiteX9" fmla="*/ 355709 w 2167090"/>
+              <a:gd name="connsiteY9" fmla="*/ 3208968 h 3301358"/>
+              <a:gd name="connsiteX10" fmla="*/ 0 w 2167090"/>
+              <a:gd name="connsiteY10" fmla="*/ 2044455 h 3301358"/>
+              <a:gd name="connsiteX11" fmla="*/ 1663043 w 2167090"/>
+              <a:gd name="connsiteY11" fmla="*/ 3970 h 3301358"/>
+              <a:gd name="connsiteX12" fmla="*/ 1689057 w 2167090"/>
+              <a:gd name="connsiteY12" fmla="*/ 0 h 3301358"/>
+            </a:gdLst>
+            <a:ahLst/>
+            <a:cxnLst>
+              <a:cxn ang="0">
+                <a:pos x="connsiteX0" y="connsiteY0"/>
+              </a:cxn>
+              <a:cxn ang="0">
+                <a:pos x="connsiteX1" y="connsiteY1"/>
+              </a:cxn>
+              <a:cxn ang="0">
+                <a:pos x="connsiteX2" y="connsiteY2"/>
+              </a:cxn>
+              <a:cxn ang="0">
+                <a:pos x="connsiteX3" y="connsiteY3"/>
+              </a:cxn>
+              <a:cxn ang="0">
+                <a:pos x="connsiteX4" y="connsiteY4"/>
+              </a:cxn>
+              <a:cxn ang="0">
+                <a:pos x="connsiteX5" y="connsiteY5"/>
+              </a:cxn>
+              <a:cxn ang="0">
+                <a:pos x="connsiteX6" y="connsiteY6"/>
+              </a:cxn>
+              <a:cxn ang="0">
+                <a:pos x="connsiteX7" y="connsiteY7"/>
+              </a:cxn>
+              <a:cxn ang="0">
+                <a:pos x="connsiteX8" y="connsiteY8"/>
+              </a:cxn>
+              <a:cxn ang="0">
+                <a:pos x="connsiteX9" y="connsiteY9"/>
+              </a:cxn>
+              <a:cxn ang="0">
+                <a:pos x="connsiteX10" y="connsiteY10"/>
+              </a:cxn>
+              <a:cxn ang="0">
+                <a:pos x="connsiteX11" y="connsiteY11"/>
+              </a:cxn>
+              <a:cxn ang="0">
+                <a:pos x="connsiteX12" y="connsiteY12"/>
+              </a:cxn>
+            </a:cxnLst>
+            <a:rect l="l" t="t" r="r" b="b"/>
+            <a:pathLst>
+              <a:path w="2167090" h="3301358">
+                <a:moveTo>
+                  <a:pt x="1689057" y="0"/>
+                </a:moveTo>
+                <a:lnTo>
+                  <a:pt x="2167090" y="551049"/>
+                </a:lnTo>
+                <a:lnTo>
+                  <a:pt x="1723372" y="935973"/>
+                </a:lnTo>
+                <a:lnTo>
+                  <a:pt x="1629105" y="970475"/>
+                </a:lnTo>
+                <a:cubicBezTo>
+                  <a:pt x="1210762" y="1147419"/>
+                  <a:pt x="917223" y="1561658"/>
+                  <a:pt x="917223" y="2044455"/>
+                </a:cubicBezTo>
+                <a:cubicBezTo>
+                  <a:pt x="917223" y="2285854"/>
+                  <a:pt x="990608" y="2510113"/>
+                  <a:pt x="1116285" y="2696140"/>
+                </a:cubicBezTo>
+                <a:lnTo>
+                  <a:pt x="1146916" y="2737102"/>
+                </a:lnTo>
+                <a:lnTo>
+                  <a:pt x="489335" y="2669894"/>
+                </a:lnTo>
+                <a:lnTo>
+                  <a:pt x="424797" y="3301358"/>
+                </a:lnTo>
+                <a:lnTo>
+                  <a:pt x="355709" y="3208968"/>
+                </a:lnTo>
+                <a:cubicBezTo>
+                  <a:pt x="131133" y="2876552"/>
+                  <a:pt x="0" y="2475817"/>
+                  <a:pt x="0" y="2044455"/>
+                </a:cubicBezTo>
+                <a:cubicBezTo>
+                  <a:pt x="0" y="1037944"/>
+                  <a:pt x="713946" y="198183"/>
+                  <a:pt x="1663043" y="3970"/>
+                </a:cubicBezTo>
+                <a:lnTo>
+                  <a:pt x="1689057" y="0"/>
+                </a:lnTo>
+                <a:close/>
+              </a:path>
+            </a:pathLst>
+          </a:custGeom>
+          <a:solidFill>
+            <a:schemeClr val="accent1">
+              <a:lumMod val="60000"/>
+              <a:lumOff val="40000"/>
+            </a:schemeClr>
+          </a:solidFill>
+        </p:spPr>
+        <p:style>
+          <a:lnRef idx="2">
+            <a:schemeClr val="accent1">
+              <a:shade val="50000"/>
+            </a:schemeClr>
+          </a:lnRef>
+          <a:fillRef idx="1">
+            <a:schemeClr val="accent1"/>
+          </a:fillRef>
+          <a:effectRef idx="0">
+            <a:schemeClr val="accent1"/>
+          </a:effectRef>
+          <a:fontRef idx="minor">
+            <a:schemeClr val="lt1"/>
+          </a:fontRef>
+        </p:style>
+        <p:txBody>
+          <a:bodyPr wrap="square" rtlCol="0" anchor="ctr">
+            <a:noAutofit/>
+          </a:bodyPr>
+          <a:lstStyle/>
+          <a:p>
+            <a:pPr algn="ctr"/>
+            <a:endParaRPr lang="en-US">
+              <a:solidFill>
+                <a:schemeClr val="tx1"/>
+              </a:solidFill>
+            </a:endParaRPr>
+          </a:p>
+        </p:txBody>
+      </p:sp>
+      <p:sp>
+        <p:nvSpPr>
+          <p:cNvPr id="18" name="Freeform: Shape 17">
+            <a:extLst>
+              <a:ext uri="{FF2B5EF4-FFF2-40B4-BE49-F238E27FC236}">
+                <a16:creationId xmlns:a16="http://schemas.microsoft.com/office/drawing/2014/main" id="{B75DE478-C17B-43E7-AFA7-40E4622AF796}"/>
+              </a:ext>
+            </a:extLst>
+          </p:cNvPr>
+          <p:cNvSpPr/>
+          <p:nvPr/>
+        </p:nvSpPr>
+        <p:spPr>
+          <a:xfrm>
+            <a:off x="4299592" y="4170470"/>
+            <a:ext cx="3205590" cy="1341331"/>
+          </a:xfrm>
+          <a:custGeom>
+            <a:avLst/>
+            <a:gdLst>
+              <a:gd name="connsiteX0" fmla="*/ 2328887 w 3205590"/>
+              <a:gd name="connsiteY0" fmla="*/ 0 h 1341331"/>
+              <a:gd name="connsiteX1" fmla="*/ 2397582 w 3205590"/>
+              <a:gd name="connsiteY1" fmla="*/ 462449 h 1341331"/>
+              <a:gd name="connsiteX2" fmla="*/ 3205590 w 3205590"/>
+              <a:gd name="connsiteY2" fmla="*/ 342423 h 1341331"/>
+              <a:gd name="connsiteX3" fmla="*/ 3156611 w 3205590"/>
+              <a:gd name="connsiteY3" fmla="*/ 423044 h 1341331"/>
+              <a:gd name="connsiteX4" fmla="*/ 1429520 w 3205590"/>
+              <a:gd name="connsiteY4" fmla="*/ 1341331 h 1341331"/>
+              <a:gd name="connsiteX5" fmla="*/ 104666 w 3205590"/>
+              <a:gd name="connsiteY5" fmla="*/ 865721 h 1341331"/>
+              <a:gd name="connsiteX6" fmla="*/ 0 w 3205590"/>
+              <a:gd name="connsiteY6" fmla="*/ 770594 h 1341331"/>
+              <a:gd name="connsiteX7" fmla="*/ 63309 w 3205590"/>
+              <a:gd name="connsiteY7" fmla="*/ 151160 h 1341331"/>
+              <a:gd name="connsiteX8" fmla="*/ 776505 w 3205590"/>
+              <a:gd name="connsiteY8" fmla="*/ 224051 h 1341331"/>
+              <a:gd name="connsiteX9" fmla="*/ 777835 w 3205590"/>
+              <a:gd name="connsiteY9" fmla="*/ 225046 h 1341331"/>
+              <a:gd name="connsiteX10" fmla="*/ 1429520 w 3205590"/>
+              <a:gd name="connsiteY10" fmla="*/ 424108 h 1341331"/>
+              <a:gd name="connsiteX11" fmla="*/ 2253707 w 3205590"/>
+              <a:gd name="connsiteY11" fmla="*/ 82718 h 1341331"/>
+              <a:gd name="connsiteX12" fmla="*/ 2328887 w 3205590"/>
+              <a:gd name="connsiteY12" fmla="*/ 0 h 1341331"/>
+            </a:gdLst>
+            <a:ahLst/>
+            <a:cxnLst>
+              <a:cxn ang="0">
+                <a:pos x="connsiteX0" y="connsiteY0"/>
+              </a:cxn>
+              <a:cxn ang="0">
+                <a:pos x="connsiteX1" y="connsiteY1"/>
+              </a:cxn>
+              <a:cxn ang="0">
+                <a:pos x="connsiteX2" y="connsiteY2"/>
+              </a:cxn>
+              <a:cxn ang="0">
+                <a:pos x="connsiteX3" y="connsiteY3"/>
+              </a:cxn>
+              <a:cxn ang="0">
+                <a:pos x="connsiteX4" y="connsiteY4"/>
+              </a:cxn>
+              <a:cxn ang="0">
+                <a:pos x="connsiteX5" y="connsiteY5"/>
+              </a:cxn>
+              <a:cxn ang="0">
+                <a:pos x="connsiteX6" y="connsiteY6"/>
+              </a:cxn>
+              <a:cxn ang="0">
+                <a:pos x="connsiteX7" y="connsiteY7"/>
+              </a:cxn>
+              <a:cxn ang="0">
+                <a:pos x="connsiteX8" y="connsiteY8"/>
+              </a:cxn>
+              <a:cxn ang="0">
+                <a:pos x="connsiteX9" y="connsiteY9"/>
+              </a:cxn>
+              <a:cxn ang="0">
+                <a:pos x="connsiteX10" y="connsiteY10"/>
+              </a:cxn>
+              <a:cxn ang="0">
+                <a:pos x="connsiteX11" y="connsiteY11"/>
+              </a:cxn>
+              <a:cxn ang="0">
+                <a:pos x="connsiteX12" y="connsiteY12"/>
+              </a:cxn>
+            </a:cxnLst>
+            <a:rect l="l" t="t" r="r" b="b"/>
+            <a:pathLst>
+              <a:path w="3205590" h="1341331">
+                <a:moveTo>
+                  <a:pt x="2328887" y="0"/>
+                </a:moveTo>
+                <a:lnTo>
+                  <a:pt x="2397582" y="462449"/>
+                </a:lnTo>
+                <a:lnTo>
+                  <a:pt x="3205590" y="342423"/>
+                </a:lnTo>
+                <a:lnTo>
+                  <a:pt x="3156611" y="423044"/>
+                </a:lnTo>
+                <a:cubicBezTo>
+                  <a:pt x="2782317" y="977073"/>
+                  <a:pt x="2148457" y="1341331"/>
+                  <a:pt x="1429520" y="1341331"/>
+                </a:cubicBezTo>
+                <a:cubicBezTo>
+                  <a:pt x="926264" y="1341331"/>
+                  <a:pt x="464697" y="1162845"/>
+                  <a:pt x="104666" y="865721"/>
+                </a:cubicBezTo>
+                <a:lnTo>
+                  <a:pt x="0" y="770594"/>
+                </a:lnTo>
+                <a:lnTo>
+                  <a:pt x="63309" y="151160"/>
+                </a:lnTo>
+                <a:lnTo>
+                  <a:pt x="776505" y="224051"/>
+                </a:lnTo>
+                <a:lnTo>
+                  <a:pt x="777835" y="225046"/>
+                </a:lnTo>
+                <a:cubicBezTo>
+                  <a:pt x="963863" y="350724"/>
+                  <a:pt x="1188121" y="424108"/>
+                  <a:pt x="1429520" y="424108"/>
+                </a:cubicBezTo>
+                <a:cubicBezTo>
+                  <a:pt x="1751385" y="424108"/>
+                  <a:pt x="2042779" y="293646"/>
+                  <a:pt x="2253707" y="82718"/>
+                </a:cubicBezTo>
+                <a:lnTo>
+                  <a:pt x="2328887" y="0"/>
+                </a:lnTo>
+                <a:close/>
+              </a:path>
+            </a:pathLst>
+          </a:custGeom>
+          <a:solidFill>
+            <a:schemeClr val="accent5">
+              <a:lumMod val="60000"/>
+              <a:lumOff val="40000"/>
+            </a:schemeClr>
+          </a:solidFill>
+        </p:spPr>
+        <p:style>
+          <a:lnRef idx="2">
+            <a:schemeClr val="accent1">
+              <a:shade val="50000"/>
+            </a:schemeClr>
+          </a:lnRef>
+          <a:fillRef idx="1">
+            <a:schemeClr val="accent1"/>
+          </a:fillRef>
+          <a:effectRef idx="0">
+            <a:schemeClr val="accent1"/>
+          </a:effectRef>
+          <a:fontRef idx="minor">
+            <a:schemeClr val="lt1"/>
+          </a:fontRef>
+        </p:style>
+        <p:txBody>
+          <a:bodyPr wrap="square" rtlCol="0" anchor="ctr">
+            <a:noAutofit/>
+          </a:bodyPr>
+          <a:lstStyle/>
+          <a:p>
+            <a:pPr algn="ctr"/>
+            <a:endParaRPr lang="en-US">
+              <a:solidFill>
+                <a:schemeClr val="tx1"/>
+              </a:solidFill>
+            </a:endParaRPr>
+          </a:p>
+        </p:txBody>
+      </p:sp>
+      <p:sp>
+        <p:nvSpPr>
+          <p:cNvPr id="9" name="TextBox 8">
+            <a:extLst>
+              <a:ext uri="{FF2B5EF4-FFF2-40B4-BE49-F238E27FC236}">
+                <a16:creationId xmlns:a16="http://schemas.microsoft.com/office/drawing/2014/main" id="{93FEB969-D388-4F60-AC2B-194D913B3CBC}"/>
+              </a:ext>
+            </a:extLst>
+          </p:cNvPr>
+          <p:cNvSpPr txBox="1"/>
+          <p:nvPr/>
+        </p:nvSpPr>
+        <p:spPr>
+          <a:xfrm>
+            <a:off x="3772386" y="2477111"/>
+            <a:ext cx="871374" cy="923330"/>
+          </a:xfrm>
+          <a:prstGeom prst="rect">
+            <a:avLst/>
+          </a:prstGeom>
+          <a:noFill/>
+        </p:spPr>
+        <p:txBody>
+          <a:bodyPr wrap="square" rtlCol="0">
+            <a:spAutoFit/>
+          </a:bodyPr>
+          <a:lstStyle/>
+          <a:p>
+            <a:pPr algn="ctr"/>
+            <a:r>
+              <a:rPr lang="en-US" b="1" dirty="0">
+                <a:solidFill>
+                  <a:schemeClr val="bg1"/>
+                </a:solidFill>
+              </a:rPr>
+              <a:t>Make a table</a:t>
+            </a:r>
+          </a:p>
+        </p:txBody>
+      </p:sp>
+      <p:sp>
+        <p:nvSpPr>
+          <p:cNvPr id="29" name="TextBox 28">
+            <a:extLst>
+              <a:ext uri="{FF2B5EF4-FFF2-40B4-BE49-F238E27FC236}">
+                <a16:creationId xmlns:a16="http://schemas.microsoft.com/office/drawing/2014/main" id="{CE8A57FD-A01A-4675-9D3D-BE1469B240CD}"/>
+              </a:ext>
+            </a:extLst>
+          </p:cNvPr>
+          <p:cNvSpPr txBox="1"/>
+          <p:nvPr/>
+        </p:nvSpPr>
+        <p:spPr>
+          <a:xfrm>
+            <a:off x="6726560" y="2569444"/>
+            <a:ext cx="871374" cy="369332"/>
+          </a:xfrm>
+          <a:prstGeom prst="rect">
+            <a:avLst/>
+          </a:prstGeom>
+          <a:noFill/>
+        </p:spPr>
+        <p:txBody>
+          <a:bodyPr wrap="square" rtlCol="0">
+            <a:spAutoFit/>
+          </a:bodyPr>
+          <a:lstStyle/>
+          <a:p>
+            <a:pPr algn="ctr"/>
+            <a:r>
+              <a:rPr lang="en-US" b="1" dirty="0">
+                <a:solidFill>
+                  <a:schemeClr val="bg1"/>
+                </a:solidFill>
+              </a:rPr>
+              <a:t>QA</a:t>
+            </a:r>
+          </a:p>
+        </p:txBody>
+      </p:sp>
+      <p:sp>
+        <p:nvSpPr>
+          <p:cNvPr id="30" name="TextBox 29">
+            <a:extLst>
+              <a:ext uri="{FF2B5EF4-FFF2-40B4-BE49-F238E27FC236}">
+                <a16:creationId xmlns:a16="http://schemas.microsoft.com/office/drawing/2014/main" id="{0E3B6E00-451E-466F-ABAD-FB5E8D1C0FB3}"/>
+              </a:ext>
+            </a:extLst>
+          </p:cNvPr>
+          <p:cNvSpPr txBox="1"/>
+          <p:nvPr/>
+        </p:nvSpPr>
+        <p:spPr>
+          <a:xfrm>
+            <a:off x="4989313" y="4724248"/>
+            <a:ext cx="1648178" cy="646331"/>
+          </a:xfrm>
+          <a:prstGeom prst="rect">
+            <a:avLst/>
+          </a:prstGeom>
+          <a:noFill/>
+        </p:spPr>
+        <p:txBody>
+          <a:bodyPr wrap="square" rtlCol="0">
+            <a:spAutoFit/>
+          </a:bodyPr>
+          <a:lstStyle/>
+          <a:p>
+            <a:pPr algn="ctr"/>
+            <a:r>
+              <a:rPr lang="en-US" b="1" dirty="0">
+                <a:solidFill>
+                  <a:schemeClr val="bg1"/>
+                </a:solidFill>
+              </a:rPr>
+              <a:t>Identify a problem</a:t>
+            </a:r>
+          </a:p>
+        </p:txBody>
+      </p:sp>
+      <p:sp>
+        <p:nvSpPr>
+          <p:cNvPr id="31" name="TextBox 30">
+            <a:extLst>
+              <a:ext uri="{FF2B5EF4-FFF2-40B4-BE49-F238E27FC236}">
+                <a16:creationId xmlns:a16="http://schemas.microsoft.com/office/drawing/2014/main" id="{C86B4D58-45E4-48E9-A2C9-5FDBE44742B7}"/>
+              </a:ext>
+            </a:extLst>
+          </p:cNvPr>
+          <p:cNvSpPr txBox="1"/>
+          <p:nvPr/>
+        </p:nvSpPr>
+        <p:spPr>
+          <a:xfrm>
+            <a:off x="4475294" y="5793669"/>
+            <a:ext cx="6673237" cy="369332"/>
+          </a:xfrm>
+          <a:prstGeom prst="rect">
+            <a:avLst/>
+          </a:prstGeom>
+          <a:noFill/>
+        </p:spPr>
+        <p:txBody>
+          <a:bodyPr wrap="none" rtlCol="0">
+            <a:spAutoFit/>
+          </a:bodyPr>
           <a:lstStyle/>
           <a:p>
             <a:r>
               <a:rPr lang="en-US" dirty="0"/>
-              <a:t>DOCUMENT EVERYTHING</a:t>
-            </a:r>
-          </a:p>
-          <a:p>
-            <a:r>
-              <a:rPr lang="en-US" dirty="0"/>
-              <a:t>At least 2 people</a:t>
-            </a:r>
-          </a:p>
-          <a:p>
-            <a:pPr lvl="1"/>
-            <a:r>
-              <a:rPr lang="en-US" dirty="0"/>
-              <a:t>2 pairs of eyes = more mistakes caught</a:t>
-            </a:r>
-          </a:p>
-          <a:p>
-            <a:pPr lvl="1"/>
-            <a:r>
-              <a:rPr lang="en-US" dirty="0"/>
-              <a:t>Separating </a:t>
-            </a:r>
-            <a:r>
-              <a:rPr lang="en-US"/>
-              <a:t>QA from coding </a:t>
-            </a:r>
-            <a:endParaRPr lang="en-US" dirty="0"/>
-          </a:p>
-          <a:p>
-            <a:r>
-              <a:rPr lang="en-US" dirty="0"/>
-              <a:t>Mistakes exist on every level</a:t>
+              <a:t>…repeat until no errors are zero or below acceptable threshold</a:t>
             </a:r>
           </a:p>
         </p:txBody>
@@ -6582,7 +11375,7 @@
     </p:spTree>
     <p:extLst>
       <p:ext uri="{BB962C8B-B14F-4D97-AF65-F5344CB8AC3E}">
-        <p14:creationId xmlns:p14="http://schemas.microsoft.com/office/powerpoint/2010/main" val="2927526999"/>
+        <p14:creationId xmlns:p14="http://schemas.microsoft.com/office/powerpoint/2010/main" val="3554181774"/>
       </p:ext>
     </p:extLst>
   </p:cSld>
@@ -6791,4 +11584,299 @@
     </a:ext>
   </a:extLst>
 </a:theme>
+</file>
+
+<file path=ppt/theme/theme2.xml><?xml version="1.0" encoding="utf-8"?>
+<a:theme xmlns:a="http://schemas.openxmlformats.org/drawingml/2006/main" name="Office Theme">
+  <a:themeElements>
+    <a:clrScheme name="Office">
+      <a:dk1>
+        <a:sysClr val="windowText" lastClr="000000"/>
+      </a:dk1>
+      <a:lt1>
+        <a:sysClr val="window" lastClr="FFFFFF"/>
+      </a:lt1>
+      <a:dk2>
+        <a:srgbClr val="44546A"/>
+      </a:dk2>
+      <a:lt2>
+        <a:srgbClr val="E7E6E6"/>
+      </a:lt2>
+      <a:accent1>
+        <a:srgbClr val="4472C4"/>
+      </a:accent1>
+      <a:accent2>
+        <a:srgbClr val="ED7D31"/>
+      </a:accent2>
+      <a:accent3>
+        <a:srgbClr val="A5A5A5"/>
+      </a:accent3>
+      <a:accent4>
+        <a:srgbClr val="FFC000"/>
+      </a:accent4>
+      <a:accent5>
+        <a:srgbClr val="5B9BD5"/>
+      </a:accent5>
+      <a:accent6>
+        <a:srgbClr val="70AD47"/>
+      </a:accent6>
+      <a:hlink>
+        <a:srgbClr val="0563C1"/>
+      </a:hlink>
+      <a:folHlink>
+        <a:srgbClr val="954F72"/>
+      </a:folHlink>
+    </a:clrScheme>
+    <a:fontScheme name="Office">
+      <a:majorFont>
+        <a:latin typeface="Calibri Light" panose="020F0302020204030204"/>
+        <a:ea typeface=""/>
+        <a:cs typeface=""/>
+        <a:font script="Jpan" typeface="游ゴシック Light"/>
+        <a:font script="Hang" typeface="맑은 고딕"/>
+        <a:font script="Hans" typeface="等线 Light"/>
+        <a:font script="Hant" typeface="新細明體"/>
+        <a:font script="Arab" typeface="Times New Roman"/>
+        <a:font script="Hebr" typeface="Times New Roman"/>
+        <a:font script="Thai" typeface="Angsana New"/>
+        <a:font script="Ethi" typeface="Nyala"/>
+        <a:font script="Beng" typeface="Vrinda"/>
+        <a:font script="Gujr" typeface="Shruti"/>
+        <a:font script="Khmr" typeface="MoolBoran"/>
+        <a:font script="Knda" typeface="Tunga"/>
+        <a:font script="Guru" typeface="Raavi"/>
+        <a:font script="Cans" typeface="Euphemia"/>
+        <a:font script="Cher" typeface="Plantagenet Cherokee"/>
+        <a:font script="Yiii" typeface="Microsoft Yi Baiti"/>
+        <a:font script="Tibt" typeface="Microsoft Himalaya"/>
+        <a:font script="Thaa" typeface="MV Boli"/>
+        <a:font script="Deva" typeface="Mangal"/>
+        <a:font script="Telu" typeface="Gautami"/>
+        <a:font script="Taml" typeface="Latha"/>
+        <a:font script="Syrc" typeface="Estrangelo Edessa"/>
+        <a:font script="Orya" typeface="Kalinga"/>
+        <a:font script="Mlym" typeface="Kartika"/>
+        <a:font script="Laoo" typeface="DokChampa"/>
+        <a:font script="Sinh" typeface="Iskoola Pota"/>
+        <a:font script="Mong" typeface="Mongolian Baiti"/>
+        <a:font script="Viet" typeface="Times New Roman"/>
+        <a:font script="Uigh" typeface="Microsoft Uighur"/>
+        <a:font script="Geor" typeface="Sylfaen"/>
+        <a:font script="Armn" typeface="Arial"/>
+        <a:font script="Bugi" typeface="Leelawadee UI"/>
+        <a:font script="Bopo" typeface="Microsoft JhengHei"/>
+        <a:font script="Java" typeface="Javanese Text"/>
+        <a:font script="Lisu" typeface="Segoe UI"/>
+        <a:font script="Mymr" typeface="Myanmar Text"/>
+        <a:font script="Nkoo" typeface="Ebrima"/>
+        <a:font script="Olck" typeface="Nirmala UI"/>
+        <a:font script="Osma" typeface="Ebrima"/>
+        <a:font script="Phag" typeface="Phagspa"/>
+        <a:font script="Syrn" typeface="Estrangelo Edessa"/>
+        <a:font script="Syrj" typeface="Estrangelo Edessa"/>
+        <a:font script="Syre" typeface="Estrangelo Edessa"/>
+        <a:font script="Sora" typeface="Nirmala UI"/>
+        <a:font script="Tale" typeface="Microsoft Tai Le"/>
+        <a:font script="Talu" typeface="Microsoft New Tai Lue"/>
+        <a:font script="Tfng" typeface="Ebrima"/>
+      </a:majorFont>
+      <a:minorFont>
+        <a:latin typeface="Calibri" panose="020F0502020204030204"/>
+        <a:ea typeface=""/>
+        <a:cs typeface=""/>
+        <a:font script="Jpan" typeface="游ゴシック"/>
+        <a:font script="Hang" typeface="맑은 고딕"/>
+        <a:font script="Hans" typeface="等线"/>
+        <a:font script="Hant" typeface="新細明體"/>
+        <a:font script="Arab" typeface="Arial"/>
+        <a:font script="Hebr" typeface="Arial"/>
+        <a:font script="Thai" typeface="Cordia New"/>
+        <a:font script="Ethi" typeface="Nyala"/>
+        <a:font script="Beng" typeface="Vrinda"/>
+        <a:font script="Gujr" typeface="Shruti"/>
+        <a:font script="Khmr" typeface="DaunPenh"/>
+        <a:font script="Knda" typeface="Tunga"/>
+        <a:font script="Guru" typeface="Raavi"/>
+        <a:font script="Cans" typeface="Euphemia"/>
+        <a:font script="Cher" typeface="Plantagenet Cherokee"/>
+        <a:font script="Yiii" typeface="Microsoft Yi Baiti"/>
+        <a:font script="Tibt" typeface="Microsoft Himalaya"/>
+        <a:font script="Thaa" typeface="MV Boli"/>
+        <a:font script="Deva" typeface="Mangal"/>
+        <a:font script="Telu" typeface="Gautami"/>
+        <a:font script="Taml" typeface="Latha"/>
+        <a:font script="Syrc" typeface="Estrangelo Edessa"/>
+        <a:font script="Orya" typeface="Kalinga"/>
+        <a:font script="Mlym" typeface="Kartika"/>
+        <a:font script="Laoo" typeface="DokChampa"/>
+        <a:font script="Sinh" typeface="Iskoola Pota"/>
+        <a:font script="Mong" typeface="Mongolian Baiti"/>
+        <a:font script="Viet" typeface="Arial"/>
+        <a:font script="Uigh" typeface="Microsoft Uighur"/>
+        <a:font script="Geor" typeface="Sylfaen"/>
+        <a:font script="Armn" typeface="Arial"/>
+        <a:font script="Bugi" typeface="Leelawadee UI"/>
+        <a:font script="Bopo" typeface="Microsoft JhengHei"/>
+        <a:font script="Java" typeface="Javanese Text"/>
+        <a:font script="Lisu" typeface="Segoe UI"/>
+        <a:font script="Mymr" typeface="Myanmar Text"/>
+        <a:font script="Nkoo" typeface="Ebrima"/>
+        <a:font script="Olck" typeface="Nirmala UI"/>
+        <a:font script="Osma" typeface="Ebrima"/>
+        <a:font script="Phag" typeface="Phagspa"/>
+        <a:font script="Syrn" typeface="Estrangelo Edessa"/>
+        <a:font script="Syrj" typeface="Estrangelo Edessa"/>
+        <a:font script="Syre" typeface="Estrangelo Edessa"/>
+        <a:font script="Sora" typeface="Nirmala UI"/>
+        <a:font script="Tale" typeface="Microsoft Tai Le"/>
+        <a:font script="Talu" typeface="Microsoft New Tai Lue"/>
+        <a:font script="Tfng" typeface="Ebrima"/>
+      </a:minorFont>
+    </a:fontScheme>
+    <a:fmtScheme name="Office">
+      <a:fillStyleLst>
+        <a:solidFill>
+          <a:schemeClr val="phClr"/>
+        </a:solidFill>
+        <a:gradFill rotWithShape="1">
+          <a:gsLst>
+            <a:gs pos="0">
+              <a:schemeClr val="phClr">
+                <a:lumMod val="110000"/>
+                <a:satMod val="105000"/>
+                <a:tint val="67000"/>
+              </a:schemeClr>
+            </a:gs>
+            <a:gs pos="50000">
+              <a:schemeClr val="phClr">
+                <a:lumMod val="105000"/>
+                <a:satMod val="103000"/>
+                <a:tint val="73000"/>
+              </a:schemeClr>
+            </a:gs>
+            <a:gs pos="100000">
+              <a:schemeClr val="phClr">
+                <a:lumMod val="105000"/>
+                <a:satMod val="109000"/>
+                <a:tint val="81000"/>
+              </a:schemeClr>
+            </a:gs>
+          </a:gsLst>
+          <a:lin ang="5400000" scaled="0"/>
+        </a:gradFill>
+        <a:gradFill rotWithShape="1">
+          <a:gsLst>
+            <a:gs pos="0">
+              <a:schemeClr val="phClr">
+                <a:satMod val="103000"/>
+                <a:lumMod val="102000"/>
+                <a:tint val="94000"/>
+              </a:schemeClr>
+            </a:gs>
+            <a:gs pos="50000">
+              <a:schemeClr val="phClr">
+                <a:satMod val="110000"/>
+                <a:lumMod val="100000"/>
+                <a:shade val="100000"/>
+              </a:schemeClr>
+            </a:gs>
+            <a:gs pos="100000">
+              <a:schemeClr val="phClr">
+                <a:lumMod val="99000"/>
+                <a:satMod val="120000"/>
+                <a:shade val="78000"/>
+              </a:schemeClr>
+            </a:gs>
+          </a:gsLst>
+          <a:lin ang="5400000" scaled="0"/>
+        </a:gradFill>
+      </a:fillStyleLst>
+      <a:lnStyleLst>
+        <a:ln w="6350" cap="flat" cmpd="sng" algn="ctr">
+          <a:solidFill>
+            <a:schemeClr val="phClr"/>
+          </a:solidFill>
+          <a:prstDash val="solid"/>
+          <a:miter lim="800000"/>
+        </a:ln>
+        <a:ln w="12700" cap="flat" cmpd="sng" algn="ctr">
+          <a:solidFill>
+            <a:schemeClr val="phClr"/>
+          </a:solidFill>
+          <a:prstDash val="solid"/>
+          <a:miter lim="800000"/>
+        </a:ln>
+        <a:ln w="19050" cap="flat" cmpd="sng" algn="ctr">
+          <a:solidFill>
+            <a:schemeClr val="phClr"/>
+          </a:solidFill>
+          <a:prstDash val="solid"/>
+          <a:miter lim="800000"/>
+        </a:ln>
+      </a:lnStyleLst>
+      <a:effectStyleLst>
+        <a:effectStyle>
+          <a:effectLst/>
+        </a:effectStyle>
+        <a:effectStyle>
+          <a:effectLst/>
+        </a:effectStyle>
+        <a:effectStyle>
+          <a:effectLst>
+            <a:outerShdw blurRad="57150" dist="19050" dir="5400000" algn="ctr" rotWithShape="0">
+              <a:srgbClr val="000000">
+                <a:alpha val="63000"/>
+              </a:srgbClr>
+            </a:outerShdw>
+          </a:effectLst>
+        </a:effectStyle>
+      </a:effectStyleLst>
+      <a:bgFillStyleLst>
+        <a:solidFill>
+          <a:schemeClr val="phClr"/>
+        </a:solidFill>
+        <a:solidFill>
+          <a:schemeClr val="phClr">
+            <a:tint val="95000"/>
+            <a:satMod val="170000"/>
+          </a:schemeClr>
+        </a:solidFill>
+        <a:gradFill rotWithShape="1">
+          <a:gsLst>
+            <a:gs pos="0">
+              <a:schemeClr val="phClr">
+                <a:tint val="93000"/>
+                <a:satMod val="150000"/>
+                <a:shade val="98000"/>
+                <a:lumMod val="102000"/>
+              </a:schemeClr>
+            </a:gs>
+            <a:gs pos="50000">
+              <a:schemeClr val="phClr">
+                <a:tint val="98000"/>
+                <a:satMod val="130000"/>
+                <a:shade val="90000"/>
+                <a:lumMod val="103000"/>
+              </a:schemeClr>
+            </a:gs>
+            <a:gs pos="100000">
+              <a:schemeClr val="phClr">
+                <a:shade val="63000"/>
+                <a:satMod val="120000"/>
+              </a:schemeClr>
+            </a:gs>
+          </a:gsLst>
+          <a:lin ang="5400000" scaled="0"/>
+        </a:gradFill>
+      </a:bgFillStyleLst>
+    </a:fmtScheme>
+  </a:themeElements>
+  <a:objectDefaults/>
+  <a:extraClrSchemeLst/>
+  <a:extLst>
+    <a:ext uri="{05A4C25C-085E-4340-85A3-A5531E510DB2}">
+      <thm15:themeFamily xmlns:thm15="http://schemas.microsoft.com/office/thememl/2012/main" name="Office Theme" id="{62F939B6-93AF-4DB8-9C6B-D6C7DFDC589F}" vid="{4A3C46E8-61CC-4603-A589-7422A47A8E4A}"/>
+    </a:ext>
+  </a:extLst>
+</a:theme>
 </file>